--- a/rnn.pptx
+++ b/rnn.pptx
@@ -6,6 +6,7 @@
   </p:sldMasterIdLst>
   <p:sldIdLst>
     <p:sldId id="256" r:id="rId2"/>
+    <p:sldId id="257" r:id="rId3"/>
   </p:sldIdLst>
   <p:sldSz cx="12192000" cy="6858000"/>
   <p:notesSz cx="6858000" cy="9144000"/>
@@ -104,6 +105,11 @@
       </a:defRPr>
     </a:lvl9pPr>
   </p:defaultTextStyle>
+  <p:extLst>
+    <p:ext uri="{EFAFB233-063F-42B5-8137-9DF3F51BA10A}">
+      <p15:sldGuideLst xmlns:p15="http://schemas.microsoft.com/office/powerpoint/2012/main"/>
+    </p:ext>
+  </p:extLst>
 </p:presentation>
 </file>
 
@@ -254,7 +260,7 @@
           <a:p>
             <a:fld id="{DF6D00D1-7FEE-BC4D-9F1A-A3510A3BB56E}" type="datetimeFigureOut">
               <a:rPr lang="en-US" smtClean="0"/>
-              <a:t>4/27/20</a:t>
+              <a:t>4/28/20</a:t>
             </a:fld>
             <a:endParaRPr lang="en-US"/>
           </a:p>
@@ -452,7 +458,7 @@
           <a:p>
             <a:fld id="{DF6D00D1-7FEE-BC4D-9F1A-A3510A3BB56E}" type="datetimeFigureOut">
               <a:rPr lang="en-US" smtClean="0"/>
-              <a:t>4/27/20</a:t>
+              <a:t>4/28/20</a:t>
             </a:fld>
             <a:endParaRPr lang="en-US"/>
           </a:p>
@@ -660,7 +666,7 @@
           <a:p>
             <a:fld id="{DF6D00D1-7FEE-BC4D-9F1A-A3510A3BB56E}" type="datetimeFigureOut">
               <a:rPr lang="en-US" smtClean="0"/>
-              <a:t>4/27/20</a:t>
+              <a:t>4/28/20</a:t>
             </a:fld>
             <a:endParaRPr lang="en-US"/>
           </a:p>
@@ -858,7 +864,7 @@
           <a:p>
             <a:fld id="{DF6D00D1-7FEE-BC4D-9F1A-A3510A3BB56E}" type="datetimeFigureOut">
               <a:rPr lang="en-US" smtClean="0"/>
-              <a:t>4/27/20</a:t>
+              <a:t>4/28/20</a:t>
             </a:fld>
             <a:endParaRPr lang="en-US"/>
           </a:p>
@@ -1133,7 +1139,7 @@
           <a:p>
             <a:fld id="{DF6D00D1-7FEE-BC4D-9F1A-A3510A3BB56E}" type="datetimeFigureOut">
               <a:rPr lang="en-US" smtClean="0"/>
-              <a:t>4/27/20</a:t>
+              <a:t>4/28/20</a:t>
             </a:fld>
             <a:endParaRPr lang="en-US"/>
           </a:p>
@@ -1398,7 +1404,7 @@
           <a:p>
             <a:fld id="{DF6D00D1-7FEE-BC4D-9F1A-A3510A3BB56E}" type="datetimeFigureOut">
               <a:rPr lang="en-US" smtClean="0"/>
-              <a:t>4/27/20</a:t>
+              <a:t>4/28/20</a:t>
             </a:fld>
             <a:endParaRPr lang="en-US"/>
           </a:p>
@@ -1810,7 +1816,7 @@
           <a:p>
             <a:fld id="{DF6D00D1-7FEE-BC4D-9F1A-A3510A3BB56E}" type="datetimeFigureOut">
               <a:rPr lang="en-US" smtClean="0"/>
-              <a:t>4/27/20</a:t>
+              <a:t>4/28/20</a:t>
             </a:fld>
             <a:endParaRPr lang="en-US"/>
           </a:p>
@@ -1951,7 +1957,7 @@
           <a:p>
             <a:fld id="{DF6D00D1-7FEE-BC4D-9F1A-A3510A3BB56E}" type="datetimeFigureOut">
               <a:rPr lang="en-US" smtClean="0"/>
-              <a:t>4/27/20</a:t>
+              <a:t>4/28/20</a:t>
             </a:fld>
             <a:endParaRPr lang="en-US"/>
           </a:p>
@@ -2064,7 +2070,7 @@
           <a:p>
             <a:fld id="{DF6D00D1-7FEE-BC4D-9F1A-A3510A3BB56E}" type="datetimeFigureOut">
               <a:rPr lang="en-US" smtClean="0"/>
-              <a:t>4/27/20</a:t>
+              <a:t>4/28/20</a:t>
             </a:fld>
             <a:endParaRPr lang="en-US"/>
           </a:p>
@@ -2375,7 +2381,7 @@
           <a:p>
             <a:fld id="{DF6D00D1-7FEE-BC4D-9F1A-A3510A3BB56E}" type="datetimeFigureOut">
               <a:rPr lang="en-US" smtClean="0"/>
-              <a:t>4/27/20</a:t>
+              <a:t>4/28/20</a:t>
             </a:fld>
             <a:endParaRPr lang="en-US"/>
           </a:p>
@@ -2663,7 +2669,7 @@
           <a:p>
             <a:fld id="{DF6D00D1-7FEE-BC4D-9F1A-A3510A3BB56E}" type="datetimeFigureOut">
               <a:rPr lang="en-US" smtClean="0"/>
-              <a:t>4/27/20</a:t>
+              <a:t>4/28/20</a:t>
             </a:fld>
             <a:endParaRPr lang="en-US"/>
           </a:p>
@@ -2904,7 +2910,7 @@
           <a:p>
             <a:fld id="{DF6D00D1-7FEE-BC4D-9F1A-A3510A3BB56E}" type="datetimeFigureOut">
               <a:rPr lang="en-US" smtClean="0"/>
-              <a:t>4/27/20</a:t>
+              <a:t>4/28/20</a:t>
             </a:fld>
             <a:endParaRPr lang="en-US"/>
           </a:p>
@@ -4550,6 +4556,6095 @@
     <p:extLst>
       <p:ext uri="{BB962C8B-B14F-4D97-AF65-F5344CB8AC3E}">
         <p14:creationId xmlns:p14="http://schemas.microsoft.com/office/powerpoint/2010/main" val="3842260296"/>
+      </p:ext>
+    </p:extLst>
+  </p:cSld>
+  <p:clrMapOvr>
+    <a:masterClrMapping/>
+  </p:clrMapOvr>
+</p:sld>
+</file>
+
+<file path=ppt/slides/slide2.xml><?xml version="1.0" encoding="utf-8"?>
+<p:sld xmlns:a="http://schemas.openxmlformats.org/drawingml/2006/main" xmlns:r="http://schemas.openxmlformats.org/officeDocument/2006/relationships" xmlns:p="http://schemas.openxmlformats.org/presentationml/2006/main">
+  <p:cSld>
+    <p:spTree>
+      <p:nvGrpSpPr>
+        <p:cNvPr id="1" name=""/>
+        <p:cNvGrpSpPr/>
+        <p:nvPr/>
+      </p:nvGrpSpPr>
+      <p:grpSpPr>
+        <a:xfrm>
+          <a:off x="0" y="0"/>
+          <a:ext cx="0" cy="0"/>
+          <a:chOff x="0" y="0"/>
+          <a:chExt cx="0" cy="0"/>
+        </a:xfrm>
+      </p:grpSpPr>
+      <p:sp>
+        <p:nvSpPr>
+          <p:cNvPr id="4" name="Oval 3">
+            <a:extLst>
+              <a:ext uri="{FF2B5EF4-FFF2-40B4-BE49-F238E27FC236}">
+                <a16:creationId xmlns:a16="http://schemas.microsoft.com/office/drawing/2014/main" id="{AE66F752-6081-0148-A491-4952DCAEE399}"/>
+              </a:ext>
+            </a:extLst>
+          </p:cNvPr>
+          <p:cNvSpPr/>
+          <p:nvPr/>
+        </p:nvSpPr>
+        <p:spPr>
+          <a:xfrm>
+            <a:off x="1059599" y="860220"/>
+            <a:ext cx="844062" cy="844062"/>
+          </a:xfrm>
+          <a:prstGeom prst="ellipse">
+            <a:avLst/>
+          </a:prstGeom>
+          <a:solidFill>
+            <a:schemeClr val="accent6">
+              <a:lumMod val="60000"/>
+              <a:lumOff val="40000"/>
+            </a:schemeClr>
+          </a:solidFill>
+          <a:ln w="28575">
+            <a:solidFill>
+              <a:schemeClr val="tx1"/>
+            </a:solidFill>
+          </a:ln>
+        </p:spPr>
+        <p:style>
+          <a:lnRef idx="2">
+            <a:schemeClr val="accent1">
+              <a:shade val="50000"/>
+            </a:schemeClr>
+          </a:lnRef>
+          <a:fillRef idx="1">
+            <a:schemeClr val="accent1"/>
+          </a:fillRef>
+          <a:effectRef idx="0">
+            <a:schemeClr val="accent1"/>
+          </a:effectRef>
+          <a:fontRef idx="minor">
+            <a:schemeClr val="lt1"/>
+          </a:fontRef>
+        </p:style>
+        <p:txBody>
+          <a:bodyPr rtlCol="0" anchor="ctr"/>
+          <a:lstStyle/>
+          <a:p>
+            <a:pPr algn="ctr"/>
+            <a:r>
+              <a:rPr lang="en-US" dirty="0">
+                <a:solidFill>
+                  <a:schemeClr val="tx1"/>
+                </a:solidFill>
+                <a:latin typeface="Helvetica" pitchFamily="2" charset="0"/>
+              </a:rPr>
+              <a:t>x</a:t>
+            </a:r>
+            <a:r>
+              <a:rPr lang="en-US" baseline="30000" dirty="0">
+                <a:solidFill>
+                  <a:schemeClr val="tx1"/>
+                </a:solidFill>
+                <a:latin typeface="Helvetica" pitchFamily="2" charset="0"/>
+              </a:rPr>
+              <a:t>1</a:t>
+            </a:r>
+          </a:p>
+        </p:txBody>
+      </p:sp>
+      <p:sp>
+        <p:nvSpPr>
+          <p:cNvPr id="5" name="Oval 4">
+            <a:extLst>
+              <a:ext uri="{FF2B5EF4-FFF2-40B4-BE49-F238E27FC236}">
+                <a16:creationId xmlns:a16="http://schemas.microsoft.com/office/drawing/2014/main" id="{E1F68579-63CB-424B-90EF-B94EC30975B5}"/>
+              </a:ext>
+            </a:extLst>
+          </p:cNvPr>
+          <p:cNvSpPr/>
+          <p:nvPr/>
+        </p:nvSpPr>
+        <p:spPr>
+          <a:xfrm>
+            <a:off x="1059599" y="2025869"/>
+            <a:ext cx="844062" cy="844062"/>
+          </a:xfrm>
+          <a:prstGeom prst="ellipse">
+            <a:avLst/>
+          </a:prstGeom>
+          <a:solidFill>
+            <a:schemeClr val="accent6">
+              <a:lumMod val="60000"/>
+              <a:lumOff val="40000"/>
+            </a:schemeClr>
+          </a:solidFill>
+          <a:ln w="28575">
+            <a:solidFill>
+              <a:schemeClr val="tx1"/>
+            </a:solidFill>
+          </a:ln>
+        </p:spPr>
+        <p:style>
+          <a:lnRef idx="2">
+            <a:schemeClr val="accent1">
+              <a:shade val="50000"/>
+            </a:schemeClr>
+          </a:lnRef>
+          <a:fillRef idx="1">
+            <a:schemeClr val="accent1"/>
+          </a:fillRef>
+          <a:effectRef idx="0">
+            <a:schemeClr val="accent1"/>
+          </a:effectRef>
+          <a:fontRef idx="minor">
+            <a:schemeClr val="lt1"/>
+          </a:fontRef>
+        </p:style>
+        <p:txBody>
+          <a:bodyPr rtlCol="0" anchor="ctr"/>
+          <a:lstStyle/>
+          <a:p>
+            <a:pPr algn="ctr"/>
+            <a:r>
+              <a:rPr lang="en-US" dirty="0">
+                <a:solidFill>
+                  <a:schemeClr val="tx1"/>
+                </a:solidFill>
+                <a:latin typeface="Helvetica" pitchFamily="2" charset="0"/>
+              </a:rPr>
+              <a:t>x</a:t>
+            </a:r>
+            <a:r>
+              <a:rPr lang="en-US" baseline="30000" dirty="0">
+                <a:solidFill>
+                  <a:schemeClr val="tx1"/>
+                </a:solidFill>
+                <a:latin typeface="Helvetica" pitchFamily="2" charset="0"/>
+              </a:rPr>
+              <a:t>2</a:t>
+            </a:r>
+          </a:p>
+        </p:txBody>
+      </p:sp>
+      <p:sp>
+        <p:nvSpPr>
+          <p:cNvPr id="6" name="Oval 5">
+            <a:extLst>
+              <a:ext uri="{FF2B5EF4-FFF2-40B4-BE49-F238E27FC236}">
+                <a16:creationId xmlns:a16="http://schemas.microsoft.com/office/drawing/2014/main" id="{70EBFCD2-1284-024B-B314-7627C0C78783}"/>
+              </a:ext>
+            </a:extLst>
+          </p:cNvPr>
+          <p:cNvSpPr/>
+          <p:nvPr/>
+        </p:nvSpPr>
+        <p:spPr>
+          <a:xfrm>
+            <a:off x="1059599" y="3240793"/>
+            <a:ext cx="844062" cy="844062"/>
+          </a:xfrm>
+          <a:prstGeom prst="ellipse">
+            <a:avLst/>
+          </a:prstGeom>
+          <a:solidFill>
+            <a:schemeClr val="accent6">
+              <a:lumMod val="60000"/>
+              <a:lumOff val="40000"/>
+            </a:schemeClr>
+          </a:solidFill>
+          <a:ln w="28575">
+            <a:solidFill>
+              <a:schemeClr val="tx1"/>
+            </a:solidFill>
+          </a:ln>
+        </p:spPr>
+        <p:style>
+          <a:lnRef idx="2">
+            <a:schemeClr val="accent1">
+              <a:shade val="50000"/>
+            </a:schemeClr>
+          </a:lnRef>
+          <a:fillRef idx="1">
+            <a:schemeClr val="accent1"/>
+          </a:fillRef>
+          <a:effectRef idx="0">
+            <a:schemeClr val="accent1"/>
+          </a:effectRef>
+          <a:fontRef idx="minor">
+            <a:schemeClr val="lt1"/>
+          </a:fontRef>
+        </p:style>
+        <p:txBody>
+          <a:bodyPr rtlCol="0" anchor="ctr"/>
+          <a:lstStyle/>
+          <a:p>
+            <a:pPr algn="ctr"/>
+            <a:r>
+              <a:rPr lang="en-US" dirty="0">
+                <a:solidFill>
+                  <a:schemeClr val="tx1"/>
+                </a:solidFill>
+                <a:latin typeface="Helvetica" pitchFamily="2" charset="0"/>
+              </a:rPr>
+              <a:t>x</a:t>
+            </a:r>
+            <a:r>
+              <a:rPr lang="en-US" baseline="30000" dirty="0">
+                <a:solidFill>
+                  <a:schemeClr val="tx1"/>
+                </a:solidFill>
+                <a:latin typeface="Helvetica" pitchFamily="2" charset="0"/>
+              </a:rPr>
+              <a:t>3</a:t>
+            </a:r>
+          </a:p>
+        </p:txBody>
+      </p:sp>
+      <p:sp>
+        <p:nvSpPr>
+          <p:cNvPr id="7" name="Oval 6">
+            <a:extLst>
+              <a:ext uri="{FF2B5EF4-FFF2-40B4-BE49-F238E27FC236}">
+                <a16:creationId xmlns:a16="http://schemas.microsoft.com/office/drawing/2014/main" id="{B7A61D8A-8E60-464B-B32E-4DCA2A372EE5}"/>
+              </a:ext>
+            </a:extLst>
+          </p:cNvPr>
+          <p:cNvSpPr/>
+          <p:nvPr/>
+        </p:nvSpPr>
+        <p:spPr>
+          <a:xfrm>
+            <a:off x="1059599" y="4468231"/>
+            <a:ext cx="844062" cy="844062"/>
+          </a:xfrm>
+          <a:prstGeom prst="ellipse">
+            <a:avLst/>
+          </a:prstGeom>
+          <a:solidFill>
+            <a:schemeClr val="accent6">
+              <a:lumMod val="60000"/>
+              <a:lumOff val="40000"/>
+            </a:schemeClr>
+          </a:solidFill>
+          <a:ln w="28575">
+            <a:solidFill>
+              <a:schemeClr val="tx1"/>
+            </a:solidFill>
+          </a:ln>
+        </p:spPr>
+        <p:style>
+          <a:lnRef idx="2">
+            <a:schemeClr val="accent1">
+              <a:shade val="50000"/>
+            </a:schemeClr>
+          </a:lnRef>
+          <a:fillRef idx="1">
+            <a:schemeClr val="accent1"/>
+          </a:fillRef>
+          <a:effectRef idx="0">
+            <a:schemeClr val="accent1"/>
+          </a:effectRef>
+          <a:fontRef idx="minor">
+            <a:schemeClr val="lt1"/>
+          </a:fontRef>
+        </p:style>
+        <p:txBody>
+          <a:bodyPr rtlCol="0" anchor="ctr"/>
+          <a:lstStyle/>
+          <a:p>
+            <a:pPr algn="ctr"/>
+            <a:r>
+              <a:rPr lang="en-US" dirty="0">
+                <a:solidFill>
+                  <a:schemeClr val="tx1"/>
+                </a:solidFill>
+                <a:latin typeface="Helvetica" pitchFamily="2" charset="0"/>
+              </a:rPr>
+              <a:t>x</a:t>
+            </a:r>
+            <a:r>
+              <a:rPr lang="en-US" baseline="30000" dirty="0">
+                <a:solidFill>
+                  <a:schemeClr val="tx1"/>
+                </a:solidFill>
+                <a:latin typeface="Helvetica" pitchFamily="2" charset="0"/>
+              </a:rPr>
+              <a:t>4</a:t>
+            </a:r>
+          </a:p>
+        </p:txBody>
+      </p:sp>
+      <p:sp>
+        <p:nvSpPr>
+          <p:cNvPr id="9" name="Oval 8">
+            <a:extLst>
+              <a:ext uri="{FF2B5EF4-FFF2-40B4-BE49-F238E27FC236}">
+                <a16:creationId xmlns:a16="http://schemas.microsoft.com/office/drawing/2014/main" id="{E3D60639-21DF-284F-9470-AA9FF1EF7870}"/>
+              </a:ext>
+            </a:extLst>
+          </p:cNvPr>
+          <p:cNvSpPr/>
+          <p:nvPr/>
+        </p:nvSpPr>
+        <p:spPr>
+          <a:xfrm>
+            <a:off x="1059599" y="5695668"/>
+            <a:ext cx="844062" cy="844062"/>
+          </a:xfrm>
+          <a:prstGeom prst="ellipse">
+            <a:avLst/>
+          </a:prstGeom>
+          <a:solidFill>
+            <a:schemeClr val="accent6">
+              <a:lumMod val="60000"/>
+              <a:lumOff val="40000"/>
+            </a:schemeClr>
+          </a:solidFill>
+          <a:ln w="28575">
+            <a:solidFill>
+              <a:schemeClr val="tx1"/>
+            </a:solidFill>
+          </a:ln>
+        </p:spPr>
+        <p:style>
+          <a:lnRef idx="2">
+            <a:schemeClr val="accent1">
+              <a:shade val="50000"/>
+            </a:schemeClr>
+          </a:lnRef>
+          <a:fillRef idx="1">
+            <a:schemeClr val="accent1"/>
+          </a:fillRef>
+          <a:effectRef idx="0">
+            <a:schemeClr val="accent1"/>
+          </a:effectRef>
+          <a:fontRef idx="minor">
+            <a:schemeClr val="lt1"/>
+          </a:fontRef>
+        </p:style>
+        <p:txBody>
+          <a:bodyPr rtlCol="0" anchor="ctr"/>
+          <a:lstStyle/>
+          <a:p>
+            <a:pPr algn="ctr"/>
+            <a:r>
+              <a:rPr lang="en-US" dirty="0">
+                <a:solidFill>
+                  <a:schemeClr val="tx1"/>
+                </a:solidFill>
+                <a:latin typeface="Helvetica" pitchFamily="2" charset="0"/>
+              </a:rPr>
+              <a:t>x</a:t>
+            </a:r>
+            <a:r>
+              <a:rPr lang="en-US" baseline="30000" dirty="0">
+                <a:solidFill>
+                  <a:schemeClr val="tx1"/>
+                </a:solidFill>
+                <a:latin typeface="Helvetica" pitchFamily="2" charset="0"/>
+              </a:rPr>
+              <a:t>5</a:t>
+            </a:r>
+          </a:p>
+        </p:txBody>
+      </p:sp>
+      <p:sp>
+        <p:nvSpPr>
+          <p:cNvPr id="10" name="Oval 9">
+            <a:extLst>
+              <a:ext uri="{FF2B5EF4-FFF2-40B4-BE49-F238E27FC236}">
+                <a16:creationId xmlns:a16="http://schemas.microsoft.com/office/drawing/2014/main" id="{D4E72FA7-72CB-8A42-A78D-F3BC5F2C3C6A}"/>
+              </a:ext>
+            </a:extLst>
+          </p:cNvPr>
+          <p:cNvSpPr/>
+          <p:nvPr/>
+        </p:nvSpPr>
+        <p:spPr>
+          <a:xfrm>
+            <a:off x="7664700" y="999801"/>
+            <a:ext cx="564899" cy="564899"/>
+          </a:xfrm>
+          <a:prstGeom prst="ellipse">
+            <a:avLst/>
+          </a:prstGeom>
+          <a:solidFill>
+            <a:schemeClr val="accent5">
+              <a:lumMod val="60000"/>
+              <a:lumOff val="40000"/>
+            </a:schemeClr>
+          </a:solidFill>
+          <a:ln w="28575">
+            <a:solidFill>
+              <a:schemeClr val="tx1"/>
+            </a:solidFill>
+          </a:ln>
+        </p:spPr>
+        <p:style>
+          <a:lnRef idx="2">
+            <a:schemeClr val="accent1">
+              <a:shade val="50000"/>
+            </a:schemeClr>
+          </a:lnRef>
+          <a:fillRef idx="1">
+            <a:schemeClr val="accent1"/>
+          </a:fillRef>
+          <a:effectRef idx="0">
+            <a:schemeClr val="accent1"/>
+          </a:effectRef>
+          <a:fontRef idx="minor">
+            <a:schemeClr val="lt1"/>
+          </a:fontRef>
+        </p:style>
+        <p:txBody>
+          <a:bodyPr rtlCol="0" anchor="ctr"/>
+          <a:lstStyle/>
+          <a:p>
+            <a:pPr algn="ctr"/>
+            <a:r>
+              <a:rPr lang="en-US" dirty="0">
+                <a:solidFill>
+                  <a:schemeClr val="tx1"/>
+                </a:solidFill>
+                <a:latin typeface="Helvetica" pitchFamily="2" charset="0"/>
+              </a:rPr>
+              <a:t>h</a:t>
+            </a:r>
+            <a:r>
+              <a:rPr lang="en-US" baseline="30000" dirty="0">
+                <a:solidFill>
+                  <a:schemeClr val="tx1"/>
+                </a:solidFill>
+                <a:latin typeface="Helvetica" pitchFamily="2" charset="0"/>
+              </a:rPr>
+              <a:t>1</a:t>
+            </a:r>
+          </a:p>
+        </p:txBody>
+      </p:sp>
+      <p:sp>
+        <p:nvSpPr>
+          <p:cNvPr id="11" name="Oval 10">
+            <a:extLst>
+              <a:ext uri="{FF2B5EF4-FFF2-40B4-BE49-F238E27FC236}">
+                <a16:creationId xmlns:a16="http://schemas.microsoft.com/office/drawing/2014/main" id="{7AC32FE7-5CD2-A54E-B6DD-C3EB9A8D7C77}"/>
+              </a:ext>
+            </a:extLst>
+          </p:cNvPr>
+          <p:cNvSpPr/>
+          <p:nvPr/>
+        </p:nvSpPr>
+        <p:spPr>
+          <a:xfrm>
+            <a:off x="7664700" y="2165450"/>
+            <a:ext cx="564899" cy="564899"/>
+          </a:xfrm>
+          <a:prstGeom prst="ellipse">
+            <a:avLst/>
+          </a:prstGeom>
+          <a:solidFill>
+            <a:schemeClr val="accent5">
+              <a:lumMod val="60000"/>
+              <a:lumOff val="40000"/>
+            </a:schemeClr>
+          </a:solidFill>
+          <a:ln w="28575">
+            <a:solidFill>
+              <a:schemeClr val="tx1"/>
+            </a:solidFill>
+          </a:ln>
+        </p:spPr>
+        <p:style>
+          <a:lnRef idx="2">
+            <a:schemeClr val="accent1">
+              <a:shade val="50000"/>
+            </a:schemeClr>
+          </a:lnRef>
+          <a:fillRef idx="1">
+            <a:schemeClr val="accent1"/>
+          </a:fillRef>
+          <a:effectRef idx="0">
+            <a:schemeClr val="accent1"/>
+          </a:effectRef>
+          <a:fontRef idx="minor">
+            <a:schemeClr val="lt1"/>
+          </a:fontRef>
+        </p:style>
+        <p:txBody>
+          <a:bodyPr rtlCol="0" anchor="ctr"/>
+          <a:lstStyle/>
+          <a:p>
+            <a:pPr algn="ctr"/>
+            <a:r>
+              <a:rPr lang="en-US" dirty="0">
+                <a:solidFill>
+                  <a:schemeClr val="tx1"/>
+                </a:solidFill>
+                <a:latin typeface="Helvetica" pitchFamily="2" charset="0"/>
+              </a:rPr>
+              <a:t>h</a:t>
+            </a:r>
+            <a:r>
+              <a:rPr lang="en-US" baseline="30000" dirty="0">
+                <a:solidFill>
+                  <a:schemeClr val="tx1"/>
+                </a:solidFill>
+                <a:latin typeface="Helvetica" pitchFamily="2" charset="0"/>
+              </a:rPr>
+              <a:t>2</a:t>
+            </a:r>
+          </a:p>
+        </p:txBody>
+      </p:sp>
+      <p:sp>
+        <p:nvSpPr>
+          <p:cNvPr id="45" name="Oval 44">
+            <a:extLst>
+              <a:ext uri="{FF2B5EF4-FFF2-40B4-BE49-F238E27FC236}">
+                <a16:creationId xmlns:a16="http://schemas.microsoft.com/office/drawing/2014/main" id="{EAE3E3E0-B251-B945-BC8B-02025CA7C694}"/>
+              </a:ext>
+            </a:extLst>
+          </p:cNvPr>
+          <p:cNvSpPr/>
+          <p:nvPr/>
+        </p:nvSpPr>
+        <p:spPr>
+          <a:xfrm>
+            <a:off x="10503111" y="3315386"/>
+            <a:ext cx="844062" cy="844062"/>
+          </a:xfrm>
+          <a:prstGeom prst="ellipse">
+            <a:avLst/>
+          </a:prstGeom>
+          <a:solidFill>
+            <a:schemeClr val="accent2">
+              <a:lumMod val="40000"/>
+              <a:lumOff val="60000"/>
+            </a:schemeClr>
+          </a:solidFill>
+          <a:ln w="28575">
+            <a:solidFill>
+              <a:schemeClr val="tx1"/>
+            </a:solidFill>
+          </a:ln>
+        </p:spPr>
+        <p:style>
+          <a:lnRef idx="2">
+            <a:schemeClr val="accent1">
+              <a:shade val="50000"/>
+            </a:schemeClr>
+          </a:lnRef>
+          <a:fillRef idx="1">
+            <a:schemeClr val="accent1"/>
+          </a:fillRef>
+          <a:effectRef idx="0">
+            <a:schemeClr val="accent1"/>
+          </a:effectRef>
+          <a:fontRef idx="minor">
+            <a:schemeClr val="lt1"/>
+          </a:fontRef>
+        </p:style>
+        <p:txBody>
+          <a:bodyPr rtlCol="0" anchor="ctr"/>
+          <a:lstStyle/>
+          <a:p>
+            <a:pPr algn="ctr"/>
+            <a:r>
+              <a:rPr lang="en-US" dirty="0" err="1">
+                <a:solidFill>
+                  <a:schemeClr val="tx1"/>
+                </a:solidFill>
+                <a:latin typeface="Helvetica" pitchFamily="2" charset="0"/>
+              </a:rPr>
+              <a:t>y</a:t>
+            </a:r>
+            <a:r>
+              <a:rPr lang="en-US" baseline="30000" dirty="0" err="1">
+                <a:solidFill>
+                  <a:schemeClr val="tx1"/>
+                </a:solidFill>
+                <a:latin typeface="Helvetica" pitchFamily="2" charset="0"/>
+              </a:rPr>
+              <a:t>hat</a:t>
+            </a:r>
+            <a:endParaRPr lang="en-US" baseline="30000" dirty="0">
+              <a:solidFill>
+                <a:schemeClr val="tx1"/>
+              </a:solidFill>
+              <a:latin typeface="Helvetica" pitchFamily="2" charset="0"/>
+            </a:endParaRPr>
+          </a:p>
+        </p:txBody>
+      </p:sp>
+      <p:sp>
+        <p:nvSpPr>
+          <p:cNvPr id="52" name="TextBox 51">
+            <a:extLst>
+              <a:ext uri="{FF2B5EF4-FFF2-40B4-BE49-F238E27FC236}">
+                <a16:creationId xmlns:a16="http://schemas.microsoft.com/office/drawing/2014/main" id="{3CDED2C3-9C5C-734E-9EF8-027F8D9AB468}"/>
+              </a:ext>
+            </a:extLst>
+          </p:cNvPr>
+          <p:cNvSpPr txBox="1"/>
+          <p:nvPr/>
+        </p:nvSpPr>
+        <p:spPr>
+          <a:xfrm>
+            <a:off x="592418" y="330095"/>
+            <a:ext cx="2116926" cy="369332"/>
+          </a:xfrm>
+          <a:prstGeom prst="rect">
+            <a:avLst/>
+          </a:prstGeom>
+          <a:noFill/>
+        </p:spPr>
+        <p:txBody>
+          <a:bodyPr wrap="none" rtlCol="0">
+            <a:spAutoFit/>
+          </a:bodyPr>
+          <a:lstStyle/>
+          <a:p>
+            <a:r>
+              <a:rPr lang="en-US" dirty="0">
+                <a:latin typeface="Helvetica" pitchFamily="2" charset="0"/>
+              </a:rPr>
+              <a:t>Predictor Variables</a:t>
+            </a:r>
+          </a:p>
+        </p:txBody>
+      </p:sp>
+      <p:sp>
+        <p:nvSpPr>
+          <p:cNvPr id="54" name="TextBox 53">
+            <a:extLst>
+              <a:ext uri="{FF2B5EF4-FFF2-40B4-BE49-F238E27FC236}">
+                <a16:creationId xmlns:a16="http://schemas.microsoft.com/office/drawing/2014/main" id="{E0AEFEB2-C8C9-D847-B6F1-BA86B23BDA45}"/>
+              </a:ext>
+            </a:extLst>
+          </p:cNvPr>
+          <p:cNvSpPr txBox="1"/>
+          <p:nvPr/>
+        </p:nvSpPr>
+        <p:spPr>
+          <a:xfrm>
+            <a:off x="8160278" y="692947"/>
+            <a:ext cx="1877437" cy="369332"/>
+          </a:xfrm>
+          <a:prstGeom prst="rect">
+            <a:avLst/>
+          </a:prstGeom>
+          <a:noFill/>
+        </p:spPr>
+        <p:txBody>
+          <a:bodyPr wrap="none" rtlCol="0">
+            <a:spAutoFit/>
+          </a:bodyPr>
+          <a:lstStyle/>
+          <a:p>
+            <a:r>
+              <a:rPr lang="en-US" dirty="0">
+                <a:latin typeface="Helvetica" pitchFamily="2" charset="0"/>
+              </a:rPr>
+              <a:t>Hidden Layer #2</a:t>
+            </a:r>
+          </a:p>
+        </p:txBody>
+      </p:sp>
+      <p:sp>
+        <p:nvSpPr>
+          <p:cNvPr id="55" name="TextBox 54">
+            <a:extLst>
+              <a:ext uri="{FF2B5EF4-FFF2-40B4-BE49-F238E27FC236}">
+                <a16:creationId xmlns:a16="http://schemas.microsoft.com/office/drawing/2014/main" id="{2742C221-3690-834C-B09B-CFDC9C239D74}"/>
+              </a:ext>
+            </a:extLst>
+          </p:cNvPr>
+          <p:cNvSpPr txBox="1"/>
+          <p:nvPr/>
+        </p:nvSpPr>
+        <p:spPr>
+          <a:xfrm>
+            <a:off x="10408021" y="2576548"/>
+            <a:ext cx="1287532" cy="646331"/>
+          </a:xfrm>
+          <a:prstGeom prst="rect">
+            <a:avLst/>
+          </a:prstGeom>
+          <a:noFill/>
+        </p:spPr>
+        <p:txBody>
+          <a:bodyPr wrap="none" rtlCol="0">
+            <a:spAutoFit/>
+          </a:bodyPr>
+          <a:lstStyle/>
+          <a:p>
+            <a:r>
+              <a:rPr lang="en-US" dirty="0">
+                <a:latin typeface="Helvetica" pitchFamily="2" charset="0"/>
+              </a:rPr>
+              <a:t>Response </a:t>
+            </a:r>
+          </a:p>
+          <a:p>
+            <a:r>
+              <a:rPr lang="en-US" dirty="0">
+                <a:latin typeface="Helvetica" pitchFamily="2" charset="0"/>
+              </a:rPr>
+              <a:t>Variable</a:t>
+            </a:r>
+          </a:p>
+        </p:txBody>
+      </p:sp>
+      <p:sp>
+        <p:nvSpPr>
+          <p:cNvPr id="26" name="Oval 25">
+            <a:extLst>
+              <a:ext uri="{FF2B5EF4-FFF2-40B4-BE49-F238E27FC236}">
+                <a16:creationId xmlns:a16="http://schemas.microsoft.com/office/drawing/2014/main" id="{BE321A1E-6B68-0040-9334-791F77967963}"/>
+              </a:ext>
+            </a:extLst>
+          </p:cNvPr>
+          <p:cNvSpPr/>
+          <p:nvPr/>
+        </p:nvSpPr>
+        <p:spPr>
+          <a:xfrm>
+            <a:off x="7664700" y="3380374"/>
+            <a:ext cx="564899" cy="564899"/>
+          </a:xfrm>
+          <a:prstGeom prst="ellipse">
+            <a:avLst/>
+          </a:prstGeom>
+          <a:solidFill>
+            <a:schemeClr val="accent5">
+              <a:lumMod val="60000"/>
+              <a:lumOff val="40000"/>
+            </a:schemeClr>
+          </a:solidFill>
+          <a:ln w="28575">
+            <a:solidFill>
+              <a:schemeClr val="tx1"/>
+            </a:solidFill>
+          </a:ln>
+        </p:spPr>
+        <p:style>
+          <a:lnRef idx="2">
+            <a:schemeClr val="accent1">
+              <a:shade val="50000"/>
+            </a:schemeClr>
+          </a:lnRef>
+          <a:fillRef idx="1">
+            <a:schemeClr val="accent1"/>
+          </a:fillRef>
+          <a:effectRef idx="0">
+            <a:schemeClr val="accent1"/>
+          </a:effectRef>
+          <a:fontRef idx="minor">
+            <a:schemeClr val="lt1"/>
+          </a:fontRef>
+        </p:style>
+        <p:txBody>
+          <a:bodyPr rtlCol="0" anchor="ctr"/>
+          <a:lstStyle/>
+          <a:p>
+            <a:pPr algn="ctr"/>
+            <a:r>
+              <a:rPr lang="en-US" dirty="0">
+                <a:solidFill>
+                  <a:schemeClr val="tx1"/>
+                </a:solidFill>
+                <a:latin typeface="Helvetica" pitchFamily="2" charset="0"/>
+              </a:rPr>
+              <a:t>h</a:t>
+            </a:r>
+            <a:r>
+              <a:rPr lang="en-US" baseline="30000" dirty="0">
+                <a:solidFill>
+                  <a:schemeClr val="tx1"/>
+                </a:solidFill>
+                <a:latin typeface="Helvetica" pitchFamily="2" charset="0"/>
+              </a:rPr>
+              <a:t>3</a:t>
+            </a:r>
+          </a:p>
+        </p:txBody>
+      </p:sp>
+      <p:sp>
+        <p:nvSpPr>
+          <p:cNvPr id="27" name="Oval 26">
+            <a:extLst>
+              <a:ext uri="{FF2B5EF4-FFF2-40B4-BE49-F238E27FC236}">
+                <a16:creationId xmlns:a16="http://schemas.microsoft.com/office/drawing/2014/main" id="{31A610AE-4E5C-D447-9C7B-F8E48C250516}"/>
+              </a:ext>
+            </a:extLst>
+          </p:cNvPr>
+          <p:cNvSpPr/>
+          <p:nvPr/>
+        </p:nvSpPr>
+        <p:spPr>
+          <a:xfrm>
+            <a:off x="7664699" y="4607812"/>
+            <a:ext cx="564899" cy="564899"/>
+          </a:xfrm>
+          <a:prstGeom prst="ellipse">
+            <a:avLst/>
+          </a:prstGeom>
+          <a:solidFill>
+            <a:schemeClr val="accent5">
+              <a:lumMod val="60000"/>
+              <a:lumOff val="40000"/>
+            </a:schemeClr>
+          </a:solidFill>
+          <a:ln w="28575">
+            <a:solidFill>
+              <a:schemeClr val="tx1"/>
+            </a:solidFill>
+          </a:ln>
+        </p:spPr>
+        <p:style>
+          <a:lnRef idx="2">
+            <a:schemeClr val="accent1">
+              <a:shade val="50000"/>
+            </a:schemeClr>
+          </a:lnRef>
+          <a:fillRef idx="1">
+            <a:schemeClr val="accent1"/>
+          </a:fillRef>
+          <a:effectRef idx="0">
+            <a:schemeClr val="accent1"/>
+          </a:effectRef>
+          <a:fontRef idx="minor">
+            <a:schemeClr val="lt1"/>
+          </a:fontRef>
+        </p:style>
+        <p:txBody>
+          <a:bodyPr rtlCol="0" anchor="ctr"/>
+          <a:lstStyle/>
+          <a:p>
+            <a:pPr algn="ctr"/>
+            <a:r>
+              <a:rPr lang="en-US" dirty="0">
+                <a:solidFill>
+                  <a:schemeClr val="tx1"/>
+                </a:solidFill>
+                <a:latin typeface="Helvetica" pitchFamily="2" charset="0"/>
+              </a:rPr>
+              <a:t>h</a:t>
+            </a:r>
+            <a:r>
+              <a:rPr lang="en-US" baseline="30000" dirty="0">
+                <a:solidFill>
+                  <a:schemeClr val="tx1"/>
+                </a:solidFill>
+                <a:latin typeface="Helvetica" pitchFamily="2" charset="0"/>
+              </a:rPr>
+              <a:t>4</a:t>
+            </a:r>
+          </a:p>
+        </p:txBody>
+      </p:sp>
+      <p:sp>
+        <p:nvSpPr>
+          <p:cNvPr id="29" name="Oval 28">
+            <a:extLst>
+              <a:ext uri="{FF2B5EF4-FFF2-40B4-BE49-F238E27FC236}">
+                <a16:creationId xmlns:a16="http://schemas.microsoft.com/office/drawing/2014/main" id="{01BEFED9-7C61-B946-859C-2017BE5CCA1A}"/>
+              </a:ext>
+            </a:extLst>
+          </p:cNvPr>
+          <p:cNvSpPr/>
+          <p:nvPr/>
+        </p:nvSpPr>
+        <p:spPr>
+          <a:xfrm>
+            <a:off x="7664699" y="5835249"/>
+            <a:ext cx="564899" cy="564899"/>
+          </a:xfrm>
+          <a:prstGeom prst="ellipse">
+            <a:avLst/>
+          </a:prstGeom>
+          <a:solidFill>
+            <a:schemeClr val="accent5">
+              <a:lumMod val="60000"/>
+              <a:lumOff val="40000"/>
+            </a:schemeClr>
+          </a:solidFill>
+          <a:ln w="28575">
+            <a:solidFill>
+              <a:schemeClr val="tx1"/>
+            </a:solidFill>
+          </a:ln>
+        </p:spPr>
+        <p:style>
+          <a:lnRef idx="2">
+            <a:schemeClr val="accent1">
+              <a:shade val="50000"/>
+            </a:schemeClr>
+          </a:lnRef>
+          <a:fillRef idx="1">
+            <a:schemeClr val="accent1"/>
+          </a:fillRef>
+          <a:effectRef idx="0">
+            <a:schemeClr val="accent1"/>
+          </a:effectRef>
+          <a:fontRef idx="minor">
+            <a:schemeClr val="lt1"/>
+          </a:fontRef>
+        </p:style>
+        <p:txBody>
+          <a:bodyPr rtlCol="0" anchor="ctr"/>
+          <a:lstStyle/>
+          <a:p>
+            <a:pPr algn="ctr"/>
+            <a:r>
+              <a:rPr lang="en-US" dirty="0">
+                <a:solidFill>
+                  <a:schemeClr val="tx1"/>
+                </a:solidFill>
+                <a:latin typeface="Helvetica" pitchFamily="2" charset="0"/>
+              </a:rPr>
+              <a:t>h</a:t>
+            </a:r>
+            <a:r>
+              <a:rPr lang="en-US" baseline="30000" dirty="0">
+                <a:solidFill>
+                  <a:schemeClr val="tx1"/>
+                </a:solidFill>
+                <a:latin typeface="Helvetica" pitchFamily="2" charset="0"/>
+              </a:rPr>
+              <a:t>5</a:t>
+            </a:r>
+          </a:p>
+        </p:txBody>
+      </p:sp>
+      <p:sp>
+        <p:nvSpPr>
+          <p:cNvPr id="30" name="Oval 29">
+            <a:extLst>
+              <a:ext uri="{FF2B5EF4-FFF2-40B4-BE49-F238E27FC236}">
+                <a16:creationId xmlns:a16="http://schemas.microsoft.com/office/drawing/2014/main" id="{21BD26C3-3679-BE49-8F2D-ED9B5C3E7552}"/>
+              </a:ext>
+            </a:extLst>
+          </p:cNvPr>
+          <p:cNvSpPr/>
+          <p:nvPr/>
+        </p:nvSpPr>
+        <p:spPr>
+          <a:xfrm>
+            <a:off x="4760057" y="171133"/>
+            <a:ext cx="499166" cy="499166"/>
+          </a:xfrm>
+          <a:prstGeom prst="ellipse">
+            <a:avLst/>
+          </a:prstGeom>
+          <a:solidFill>
+            <a:schemeClr val="accent5">
+              <a:lumMod val="60000"/>
+              <a:lumOff val="40000"/>
+            </a:schemeClr>
+          </a:solidFill>
+          <a:ln w="28575">
+            <a:solidFill>
+              <a:schemeClr val="tx1"/>
+            </a:solidFill>
+          </a:ln>
+        </p:spPr>
+        <p:style>
+          <a:lnRef idx="2">
+            <a:schemeClr val="accent1">
+              <a:shade val="50000"/>
+            </a:schemeClr>
+          </a:lnRef>
+          <a:fillRef idx="1">
+            <a:schemeClr val="accent1"/>
+          </a:fillRef>
+          <a:effectRef idx="0">
+            <a:schemeClr val="accent1"/>
+          </a:effectRef>
+          <a:fontRef idx="minor">
+            <a:schemeClr val="lt1"/>
+          </a:fontRef>
+        </p:style>
+        <p:txBody>
+          <a:bodyPr rtlCol="0" anchor="ctr"/>
+          <a:lstStyle/>
+          <a:p>
+            <a:pPr algn="ctr"/>
+            <a:r>
+              <a:rPr lang="en-US" sz="1300" dirty="0">
+                <a:solidFill>
+                  <a:schemeClr val="tx1"/>
+                </a:solidFill>
+                <a:latin typeface="Helvetica" pitchFamily="2" charset="0"/>
+              </a:rPr>
+              <a:t>h</a:t>
+            </a:r>
+            <a:r>
+              <a:rPr lang="en-US" sz="1300" baseline="30000" dirty="0">
+                <a:solidFill>
+                  <a:schemeClr val="tx1"/>
+                </a:solidFill>
+                <a:latin typeface="Helvetica" pitchFamily="2" charset="0"/>
+              </a:rPr>
+              <a:t>1</a:t>
+            </a:r>
+          </a:p>
+        </p:txBody>
+      </p:sp>
+      <p:sp>
+        <p:nvSpPr>
+          <p:cNvPr id="32" name="Oval 31">
+            <a:extLst>
+              <a:ext uri="{FF2B5EF4-FFF2-40B4-BE49-F238E27FC236}">
+                <a16:creationId xmlns:a16="http://schemas.microsoft.com/office/drawing/2014/main" id="{8BC1B834-4BEF-914D-97C9-E43A504CF20E}"/>
+              </a:ext>
+            </a:extLst>
+          </p:cNvPr>
+          <p:cNvSpPr/>
+          <p:nvPr/>
+        </p:nvSpPr>
+        <p:spPr>
+          <a:xfrm>
+            <a:off x="4763645" y="834422"/>
+            <a:ext cx="499166" cy="499166"/>
+          </a:xfrm>
+          <a:prstGeom prst="ellipse">
+            <a:avLst/>
+          </a:prstGeom>
+          <a:solidFill>
+            <a:schemeClr val="accent5">
+              <a:lumMod val="60000"/>
+              <a:lumOff val="40000"/>
+            </a:schemeClr>
+          </a:solidFill>
+          <a:ln w="28575">
+            <a:solidFill>
+              <a:schemeClr val="tx1"/>
+            </a:solidFill>
+          </a:ln>
+        </p:spPr>
+        <p:style>
+          <a:lnRef idx="2">
+            <a:schemeClr val="accent1">
+              <a:shade val="50000"/>
+            </a:schemeClr>
+          </a:lnRef>
+          <a:fillRef idx="1">
+            <a:schemeClr val="accent1"/>
+          </a:fillRef>
+          <a:effectRef idx="0">
+            <a:schemeClr val="accent1"/>
+          </a:effectRef>
+          <a:fontRef idx="minor">
+            <a:schemeClr val="lt1"/>
+          </a:fontRef>
+        </p:style>
+        <p:txBody>
+          <a:bodyPr rtlCol="0" anchor="ctr"/>
+          <a:lstStyle/>
+          <a:p>
+            <a:pPr algn="ctr"/>
+            <a:r>
+              <a:rPr lang="en-US" sz="1300" dirty="0">
+                <a:solidFill>
+                  <a:schemeClr val="tx1"/>
+                </a:solidFill>
+                <a:latin typeface="Helvetica" pitchFamily="2" charset="0"/>
+              </a:rPr>
+              <a:t>h</a:t>
+            </a:r>
+            <a:r>
+              <a:rPr lang="en-US" sz="1300" baseline="30000" dirty="0">
+                <a:solidFill>
+                  <a:schemeClr val="tx1"/>
+                </a:solidFill>
+                <a:latin typeface="Helvetica" pitchFamily="2" charset="0"/>
+              </a:rPr>
+              <a:t>2</a:t>
+            </a:r>
+          </a:p>
+        </p:txBody>
+      </p:sp>
+      <p:sp>
+        <p:nvSpPr>
+          <p:cNvPr id="33" name="Oval 32">
+            <a:extLst>
+              <a:ext uri="{FF2B5EF4-FFF2-40B4-BE49-F238E27FC236}">
+                <a16:creationId xmlns:a16="http://schemas.microsoft.com/office/drawing/2014/main" id="{042EB70E-B31C-5947-A922-BB8C08680099}"/>
+              </a:ext>
+            </a:extLst>
+          </p:cNvPr>
+          <p:cNvSpPr/>
+          <p:nvPr/>
+        </p:nvSpPr>
+        <p:spPr>
+          <a:xfrm>
+            <a:off x="4763645" y="1535073"/>
+            <a:ext cx="499166" cy="499166"/>
+          </a:xfrm>
+          <a:prstGeom prst="ellipse">
+            <a:avLst/>
+          </a:prstGeom>
+          <a:solidFill>
+            <a:schemeClr val="accent5">
+              <a:lumMod val="60000"/>
+              <a:lumOff val="40000"/>
+            </a:schemeClr>
+          </a:solidFill>
+          <a:ln w="28575">
+            <a:solidFill>
+              <a:schemeClr val="tx1"/>
+            </a:solidFill>
+          </a:ln>
+        </p:spPr>
+        <p:style>
+          <a:lnRef idx="2">
+            <a:schemeClr val="accent1">
+              <a:shade val="50000"/>
+            </a:schemeClr>
+          </a:lnRef>
+          <a:fillRef idx="1">
+            <a:schemeClr val="accent1"/>
+          </a:fillRef>
+          <a:effectRef idx="0">
+            <a:schemeClr val="accent1"/>
+          </a:effectRef>
+          <a:fontRef idx="minor">
+            <a:schemeClr val="lt1"/>
+          </a:fontRef>
+        </p:style>
+        <p:txBody>
+          <a:bodyPr rtlCol="0" anchor="ctr"/>
+          <a:lstStyle/>
+          <a:p>
+            <a:pPr algn="ctr"/>
+            <a:r>
+              <a:rPr lang="en-US" sz="1300" dirty="0">
+                <a:solidFill>
+                  <a:schemeClr val="tx1"/>
+                </a:solidFill>
+                <a:latin typeface="Helvetica" pitchFamily="2" charset="0"/>
+              </a:rPr>
+              <a:t>h</a:t>
+            </a:r>
+            <a:r>
+              <a:rPr lang="en-US" sz="1300" baseline="30000" dirty="0">
+                <a:solidFill>
+                  <a:schemeClr val="tx1"/>
+                </a:solidFill>
+                <a:latin typeface="Helvetica" pitchFamily="2" charset="0"/>
+              </a:rPr>
+              <a:t>3</a:t>
+            </a:r>
+          </a:p>
+        </p:txBody>
+      </p:sp>
+      <p:sp>
+        <p:nvSpPr>
+          <p:cNvPr id="34" name="Oval 33">
+            <a:extLst>
+              <a:ext uri="{FF2B5EF4-FFF2-40B4-BE49-F238E27FC236}">
+                <a16:creationId xmlns:a16="http://schemas.microsoft.com/office/drawing/2014/main" id="{5019BA4C-84DC-644A-B0AF-1767BD44F085}"/>
+              </a:ext>
+            </a:extLst>
+          </p:cNvPr>
+          <p:cNvSpPr/>
+          <p:nvPr/>
+        </p:nvSpPr>
+        <p:spPr>
+          <a:xfrm>
+            <a:off x="4763645" y="2233960"/>
+            <a:ext cx="499166" cy="499166"/>
+          </a:xfrm>
+          <a:prstGeom prst="ellipse">
+            <a:avLst/>
+          </a:prstGeom>
+          <a:solidFill>
+            <a:schemeClr val="accent5">
+              <a:lumMod val="60000"/>
+              <a:lumOff val="40000"/>
+            </a:schemeClr>
+          </a:solidFill>
+          <a:ln w="28575">
+            <a:solidFill>
+              <a:schemeClr val="tx1"/>
+            </a:solidFill>
+          </a:ln>
+        </p:spPr>
+        <p:style>
+          <a:lnRef idx="2">
+            <a:schemeClr val="accent1">
+              <a:shade val="50000"/>
+            </a:schemeClr>
+          </a:lnRef>
+          <a:fillRef idx="1">
+            <a:schemeClr val="accent1"/>
+          </a:fillRef>
+          <a:effectRef idx="0">
+            <a:schemeClr val="accent1"/>
+          </a:effectRef>
+          <a:fontRef idx="minor">
+            <a:schemeClr val="lt1"/>
+          </a:fontRef>
+        </p:style>
+        <p:txBody>
+          <a:bodyPr rtlCol="0" anchor="ctr"/>
+          <a:lstStyle/>
+          <a:p>
+            <a:pPr algn="ctr"/>
+            <a:r>
+              <a:rPr lang="en-US" sz="1300" dirty="0">
+                <a:solidFill>
+                  <a:schemeClr val="tx1"/>
+                </a:solidFill>
+                <a:latin typeface="Helvetica" pitchFamily="2" charset="0"/>
+              </a:rPr>
+              <a:t>h</a:t>
+            </a:r>
+            <a:r>
+              <a:rPr lang="en-US" sz="1300" baseline="30000" dirty="0">
+                <a:solidFill>
+                  <a:schemeClr val="tx1"/>
+                </a:solidFill>
+                <a:latin typeface="Helvetica" pitchFamily="2" charset="0"/>
+              </a:rPr>
+              <a:t>4</a:t>
+            </a:r>
+          </a:p>
+        </p:txBody>
+      </p:sp>
+      <p:sp>
+        <p:nvSpPr>
+          <p:cNvPr id="36" name="Oval 35">
+            <a:extLst>
+              <a:ext uri="{FF2B5EF4-FFF2-40B4-BE49-F238E27FC236}">
+                <a16:creationId xmlns:a16="http://schemas.microsoft.com/office/drawing/2014/main" id="{B687D288-1D51-B342-878C-5524F7EFD397}"/>
+              </a:ext>
+            </a:extLst>
+          </p:cNvPr>
+          <p:cNvSpPr/>
+          <p:nvPr/>
+        </p:nvSpPr>
+        <p:spPr>
+          <a:xfrm>
+            <a:off x="4754143" y="2883985"/>
+            <a:ext cx="499166" cy="499166"/>
+          </a:xfrm>
+          <a:prstGeom prst="ellipse">
+            <a:avLst/>
+          </a:prstGeom>
+          <a:solidFill>
+            <a:schemeClr val="accent5">
+              <a:lumMod val="60000"/>
+              <a:lumOff val="40000"/>
+            </a:schemeClr>
+          </a:solidFill>
+          <a:ln w="28575">
+            <a:solidFill>
+              <a:schemeClr val="tx1"/>
+            </a:solidFill>
+          </a:ln>
+        </p:spPr>
+        <p:style>
+          <a:lnRef idx="2">
+            <a:schemeClr val="accent1">
+              <a:shade val="50000"/>
+            </a:schemeClr>
+          </a:lnRef>
+          <a:fillRef idx="1">
+            <a:schemeClr val="accent1"/>
+          </a:fillRef>
+          <a:effectRef idx="0">
+            <a:schemeClr val="accent1"/>
+          </a:effectRef>
+          <a:fontRef idx="minor">
+            <a:schemeClr val="lt1"/>
+          </a:fontRef>
+        </p:style>
+        <p:txBody>
+          <a:bodyPr rtlCol="0" anchor="ctr"/>
+          <a:lstStyle/>
+          <a:p>
+            <a:pPr algn="ctr"/>
+            <a:r>
+              <a:rPr lang="en-US" sz="1300" dirty="0">
+                <a:solidFill>
+                  <a:schemeClr val="tx1"/>
+                </a:solidFill>
+                <a:latin typeface="Helvetica" pitchFamily="2" charset="0"/>
+              </a:rPr>
+              <a:t>h</a:t>
+            </a:r>
+            <a:r>
+              <a:rPr lang="en-US" sz="1300" baseline="30000" dirty="0">
+                <a:solidFill>
+                  <a:schemeClr val="tx1"/>
+                </a:solidFill>
+                <a:latin typeface="Helvetica" pitchFamily="2" charset="0"/>
+              </a:rPr>
+              <a:t>5</a:t>
+            </a:r>
+          </a:p>
+        </p:txBody>
+      </p:sp>
+      <p:sp>
+        <p:nvSpPr>
+          <p:cNvPr id="37" name="Oval 36">
+            <a:extLst>
+              <a:ext uri="{FF2B5EF4-FFF2-40B4-BE49-F238E27FC236}">
+                <a16:creationId xmlns:a16="http://schemas.microsoft.com/office/drawing/2014/main" id="{E19F274E-4D59-284A-991C-3CAB6357031F}"/>
+              </a:ext>
+            </a:extLst>
+          </p:cNvPr>
+          <p:cNvSpPr/>
+          <p:nvPr/>
+        </p:nvSpPr>
+        <p:spPr>
+          <a:xfrm>
+            <a:off x="4748745" y="3562427"/>
+            <a:ext cx="499166" cy="499166"/>
+          </a:xfrm>
+          <a:prstGeom prst="ellipse">
+            <a:avLst/>
+          </a:prstGeom>
+          <a:solidFill>
+            <a:schemeClr val="accent5">
+              <a:lumMod val="60000"/>
+              <a:lumOff val="40000"/>
+            </a:schemeClr>
+          </a:solidFill>
+          <a:ln w="28575">
+            <a:solidFill>
+              <a:schemeClr val="tx1"/>
+            </a:solidFill>
+          </a:ln>
+        </p:spPr>
+        <p:style>
+          <a:lnRef idx="2">
+            <a:schemeClr val="accent1">
+              <a:shade val="50000"/>
+            </a:schemeClr>
+          </a:lnRef>
+          <a:fillRef idx="1">
+            <a:schemeClr val="accent1"/>
+          </a:fillRef>
+          <a:effectRef idx="0">
+            <a:schemeClr val="accent1"/>
+          </a:effectRef>
+          <a:fontRef idx="minor">
+            <a:schemeClr val="lt1"/>
+          </a:fontRef>
+        </p:style>
+        <p:txBody>
+          <a:bodyPr rtlCol="0" anchor="ctr"/>
+          <a:lstStyle/>
+          <a:p>
+            <a:pPr algn="ctr"/>
+            <a:r>
+              <a:rPr lang="en-US" sz="1300" dirty="0">
+                <a:solidFill>
+                  <a:schemeClr val="tx1"/>
+                </a:solidFill>
+                <a:latin typeface="Helvetica" pitchFamily="2" charset="0"/>
+              </a:rPr>
+              <a:t>h</a:t>
+            </a:r>
+            <a:r>
+              <a:rPr lang="en-US" sz="1300" baseline="30000" dirty="0">
+                <a:solidFill>
+                  <a:schemeClr val="tx1"/>
+                </a:solidFill>
+                <a:latin typeface="Helvetica" pitchFamily="2" charset="0"/>
+              </a:rPr>
+              <a:t>1</a:t>
+            </a:r>
+          </a:p>
+        </p:txBody>
+      </p:sp>
+      <p:sp>
+        <p:nvSpPr>
+          <p:cNvPr id="39" name="Oval 38">
+            <a:extLst>
+              <a:ext uri="{FF2B5EF4-FFF2-40B4-BE49-F238E27FC236}">
+                <a16:creationId xmlns:a16="http://schemas.microsoft.com/office/drawing/2014/main" id="{86EABD28-EB30-1340-9E1C-289327CB74C9}"/>
+              </a:ext>
+            </a:extLst>
+          </p:cNvPr>
+          <p:cNvSpPr/>
+          <p:nvPr/>
+        </p:nvSpPr>
+        <p:spPr>
+          <a:xfrm>
+            <a:off x="4748745" y="4283523"/>
+            <a:ext cx="499166" cy="499166"/>
+          </a:xfrm>
+          <a:prstGeom prst="ellipse">
+            <a:avLst/>
+          </a:prstGeom>
+          <a:solidFill>
+            <a:schemeClr val="accent5">
+              <a:lumMod val="60000"/>
+              <a:lumOff val="40000"/>
+            </a:schemeClr>
+          </a:solidFill>
+          <a:ln w="28575">
+            <a:solidFill>
+              <a:schemeClr val="tx1"/>
+            </a:solidFill>
+          </a:ln>
+        </p:spPr>
+        <p:style>
+          <a:lnRef idx="2">
+            <a:schemeClr val="accent1">
+              <a:shade val="50000"/>
+            </a:schemeClr>
+          </a:lnRef>
+          <a:fillRef idx="1">
+            <a:schemeClr val="accent1"/>
+          </a:fillRef>
+          <a:effectRef idx="0">
+            <a:schemeClr val="accent1"/>
+          </a:effectRef>
+          <a:fontRef idx="minor">
+            <a:schemeClr val="lt1"/>
+          </a:fontRef>
+        </p:style>
+        <p:txBody>
+          <a:bodyPr rtlCol="0" anchor="ctr"/>
+          <a:lstStyle/>
+          <a:p>
+            <a:pPr algn="ctr"/>
+            <a:r>
+              <a:rPr lang="en-US" sz="1300" dirty="0">
+                <a:solidFill>
+                  <a:schemeClr val="tx1"/>
+                </a:solidFill>
+                <a:latin typeface="Helvetica" pitchFamily="2" charset="0"/>
+              </a:rPr>
+              <a:t>h</a:t>
+            </a:r>
+            <a:r>
+              <a:rPr lang="en-US" sz="1300" baseline="30000" dirty="0">
+                <a:solidFill>
+                  <a:schemeClr val="tx1"/>
+                </a:solidFill>
+                <a:latin typeface="Helvetica" pitchFamily="2" charset="0"/>
+              </a:rPr>
+              <a:t>2</a:t>
+            </a:r>
+          </a:p>
+        </p:txBody>
+      </p:sp>
+      <p:sp>
+        <p:nvSpPr>
+          <p:cNvPr id="40" name="Oval 39">
+            <a:extLst>
+              <a:ext uri="{FF2B5EF4-FFF2-40B4-BE49-F238E27FC236}">
+                <a16:creationId xmlns:a16="http://schemas.microsoft.com/office/drawing/2014/main" id="{02E0A645-838C-EA49-8817-A50D92391BC8}"/>
+              </a:ext>
+            </a:extLst>
+          </p:cNvPr>
+          <p:cNvSpPr/>
+          <p:nvPr/>
+        </p:nvSpPr>
+        <p:spPr>
+          <a:xfrm>
+            <a:off x="4748745" y="4920697"/>
+            <a:ext cx="499166" cy="499166"/>
+          </a:xfrm>
+          <a:prstGeom prst="ellipse">
+            <a:avLst/>
+          </a:prstGeom>
+          <a:solidFill>
+            <a:schemeClr val="accent5">
+              <a:lumMod val="60000"/>
+              <a:lumOff val="40000"/>
+            </a:schemeClr>
+          </a:solidFill>
+          <a:ln w="28575">
+            <a:solidFill>
+              <a:schemeClr val="tx1"/>
+            </a:solidFill>
+          </a:ln>
+        </p:spPr>
+        <p:style>
+          <a:lnRef idx="2">
+            <a:schemeClr val="accent1">
+              <a:shade val="50000"/>
+            </a:schemeClr>
+          </a:lnRef>
+          <a:fillRef idx="1">
+            <a:schemeClr val="accent1"/>
+          </a:fillRef>
+          <a:effectRef idx="0">
+            <a:schemeClr val="accent1"/>
+          </a:effectRef>
+          <a:fontRef idx="minor">
+            <a:schemeClr val="lt1"/>
+          </a:fontRef>
+        </p:style>
+        <p:txBody>
+          <a:bodyPr rtlCol="0" anchor="ctr"/>
+          <a:lstStyle/>
+          <a:p>
+            <a:pPr algn="ctr"/>
+            <a:r>
+              <a:rPr lang="en-US" sz="1300" dirty="0">
+                <a:solidFill>
+                  <a:schemeClr val="tx1"/>
+                </a:solidFill>
+                <a:latin typeface="Helvetica" pitchFamily="2" charset="0"/>
+              </a:rPr>
+              <a:t>h</a:t>
+            </a:r>
+            <a:r>
+              <a:rPr lang="en-US" sz="1300" baseline="30000" dirty="0">
+                <a:solidFill>
+                  <a:schemeClr val="tx1"/>
+                </a:solidFill>
+                <a:latin typeface="Helvetica" pitchFamily="2" charset="0"/>
+              </a:rPr>
+              <a:t>3</a:t>
+            </a:r>
+          </a:p>
+        </p:txBody>
+      </p:sp>
+      <p:sp>
+        <p:nvSpPr>
+          <p:cNvPr id="42" name="Oval 41">
+            <a:extLst>
+              <a:ext uri="{FF2B5EF4-FFF2-40B4-BE49-F238E27FC236}">
+                <a16:creationId xmlns:a16="http://schemas.microsoft.com/office/drawing/2014/main" id="{44D9F85B-1969-9743-A87F-1C80158491E3}"/>
+              </a:ext>
+            </a:extLst>
+          </p:cNvPr>
+          <p:cNvSpPr/>
+          <p:nvPr/>
+        </p:nvSpPr>
+        <p:spPr>
+          <a:xfrm>
+            <a:off x="4743003" y="5557871"/>
+            <a:ext cx="499166" cy="499166"/>
+          </a:xfrm>
+          <a:prstGeom prst="ellipse">
+            <a:avLst/>
+          </a:prstGeom>
+          <a:solidFill>
+            <a:schemeClr val="accent5">
+              <a:lumMod val="60000"/>
+              <a:lumOff val="40000"/>
+            </a:schemeClr>
+          </a:solidFill>
+          <a:ln w="28575">
+            <a:solidFill>
+              <a:schemeClr val="tx1"/>
+            </a:solidFill>
+          </a:ln>
+        </p:spPr>
+        <p:style>
+          <a:lnRef idx="2">
+            <a:schemeClr val="accent1">
+              <a:shade val="50000"/>
+            </a:schemeClr>
+          </a:lnRef>
+          <a:fillRef idx="1">
+            <a:schemeClr val="accent1"/>
+          </a:fillRef>
+          <a:effectRef idx="0">
+            <a:schemeClr val="accent1"/>
+          </a:effectRef>
+          <a:fontRef idx="minor">
+            <a:schemeClr val="lt1"/>
+          </a:fontRef>
+        </p:style>
+        <p:txBody>
+          <a:bodyPr rtlCol="0" anchor="ctr"/>
+          <a:lstStyle/>
+          <a:p>
+            <a:pPr algn="ctr"/>
+            <a:r>
+              <a:rPr lang="en-US" sz="1300" dirty="0">
+                <a:solidFill>
+                  <a:schemeClr val="tx1"/>
+                </a:solidFill>
+                <a:latin typeface="Helvetica" pitchFamily="2" charset="0"/>
+              </a:rPr>
+              <a:t>h</a:t>
+            </a:r>
+            <a:r>
+              <a:rPr lang="en-US" sz="1300" baseline="30000" dirty="0">
+                <a:solidFill>
+                  <a:schemeClr val="tx1"/>
+                </a:solidFill>
+                <a:latin typeface="Helvetica" pitchFamily="2" charset="0"/>
+              </a:rPr>
+              <a:t>4</a:t>
+            </a:r>
+          </a:p>
+        </p:txBody>
+      </p:sp>
+      <p:sp>
+        <p:nvSpPr>
+          <p:cNvPr id="43" name="Oval 42">
+            <a:extLst>
+              <a:ext uri="{FF2B5EF4-FFF2-40B4-BE49-F238E27FC236}">
+                <a16:creationId xmlns:a16="http://schemas.microsoft.com/office/drawing/2014/main" id="{A43C1EFB-F078-B447-95DB-915EAC6A8FCF}"/>
+              </a:ext>
+            </a:extLst>
+          </p:cNvPr>
+          <p:cNvSpPr/>
+          <p:nvPr/>
+        </p:nvSpPr>
+        <p:spPr>
+          <a:xfrm>
+            <a:off x="4743003" y="6227056"/>
+            <a:ext cx="499166" cy="499166"/>
+          </a:xfrm>
+          <a:prstGeom prst="ellipse">
+            <a:avLst/>
+          </a:prstGeom>
+          <a:solidFill>
+            <a:schemeClr val="accent5">
+              <a:lumMod val="60000"/>
+              <a:lumOff val="40000"/>
+            </a:schemeClr>
+          </a:solidFill>
+          <a:ln w="28575">
+            <a:solidFill>
+              <a:schemeClr val="tx1"/>
+            </a:solidFill>
+          </a:ln>
+        </p:spPr>
+        <p:style>
+          <a:lnRef idx="2">
+            <a:schemeClr val="accent1">
+              <a:shade val="50000"/>
+            </a:schemeClr>
+          </a:lnRef>
+          <a:fillRef idx="1">
+            <a:schemeClr val="accent1"/>
+          </a:fillRef>
+          <a:effectRef idx="0">
+            <a:schemeClr val="accent1"/>
+          </a:effectRef>
+          <a:fontRef idx="minor">
+            <a:schemeClr val="lt1"/>
+          </a:fontRef>
+        </p:style>
+        <p:txBody>
+          <a:bodyPr rtlCol="0" anchor="ctr"/>
+          <a:lstStyle/>
+          <a:p>
+            <a:pPr algn="ctr"/>
+            <a:r>
+              <a:rPr lang="en-US" sz="1300" dirty="0">
+                <a:solidFill>
+                  <a:schemeClr val="tx1"/>
+                </a:solidFill>
+                <a:latin typeface="Helvetica" pitchFamily="2" charset="0"/>
+              </a:rPr>
+              <a:t>h</a:t>
+            </a:r>
+            <a:r>
+              <a:rPr lang="en-US" sz="1300" baseline="30000" dirty="0">
+                <a:solidFill>
+                  <a:schemeClr val="tx1"/>
+                </a:solidFill>
+                <a:latin typeface="Helvetica" pitchFamily="2" charset="0"/>
+              </a:rPr>
+              <a:t>5</a:t>
+            </a:r>
+          </a:p>
+        </p:txBody>
+      </p:sp>
+      <p:cxnSp>
+        <p:nvCxnSpPr>
+          <p:cNvPr id="44" name="Straight Arrow Connector 43">
+            <a:extLst>
+              <a:ext uri="{FF2B5EF4-FFF2-40B4-BE49-F238E27FC236}">
+                <a16:creationId xmlns:a16="http://schemas.microsoft.com/office/drawing/2014/main" id="{EB58BFEA-ABFE-8345-B329-8C857AED6549}"/>
+              </a:ext>
+            </a:extLst>
+          </p:cNvPr>
+          <p:cNvCxnSpPr>
+            <a:cxnSpLocks/>
+            <a:stCxn id="4" idx="6"/>
+            <a:endCxn id="30" idx="2"/>
+          </p:cNvCxnSpPr>
+          <p:nvPr/>
+        </p:nvCxnSpPr>
+        <p:spPr>
+          <a:xfrm flipV="1">
+            <a:off x="1903661" y="420716"/>
+            <a:ext cx="2856396" cy="861535"/>
+          </a:xfrm>
+          <a:prstGeom prst="straightConnector1">
+            <a:avLst/>
+          </a:prstGeom>
+          <a:ln>
+            <a:tailEnd type="triangle"/>
+          </a:ln>
+        </p:spPr>
+        <p:style>
+          <a:lnRef idx="1">
+            <a:schemeClr val="dk1"/>
+          </a:lnRef>
+          <a:fillRef idx="0">
+            <a:schemeClr val="dk1"/>
+          </a:fillRef>
+          <a:effectRef idx="0">
+            <a:schemeClr val="dk1"/>
+          </a:effectRef>
+          <a:fontRef idx="minor">
+            <a:schemeClr val="tx1"/>
+          </a:fontRef>
+        </p:style>
+      </p:cxnSp>
+      <p:cxnSp>
+        <p:nvCxnSpPr>
+          <p:cNvPr id="47" name="Straight Arrow Connector 46">
+            <a:extLst>
+              <a:ext uri="{FF2B5EF4-FFF2-40B4-BE49-F238E27FC236}">
+                <a16:creationId xmlns:a16="http://schemas.microsoft.com/office/drawing/2014/main" id="{BFCFF19E-7A86-5B4A-AE11-AC8E12D5B985}"/>
+              </a:ext>
+            </a:extLst>
+          </p:cNvPr>
+          <p:cNvCxnSpPr>
+            <a:cxnSpLocks/>
+            <a:stCxn id="4" idx="6"/>
+            <a:endCxn id="32" idx="2"/>
+          </p:cNvCxnSpPr>
+          <p:nvPr/>
+        </p:nvCxnSpPr>
+        <p:spPr>
+          <a:xfrm flipV="1">
+            <a:off x="1903661" y="1084005"/>
+            <a:ext cx="2859984" cy="198246"/>
+          </a:xfrm>
+          <a:prstGeom prst="straightConnector1">
+            <a:avLst/>
+          </a:prstGeom>
+          <a:ln>
+            <a:tailEnd type="triangle"/>
+          </a:ln>
+        </p:spPr>
+        <p:style>
+          <a:lnRef idx="1">
+            <a:schemeClr val="dk1"/>
+          </a:lnRef>
+          <a:fillRef idx="0">
+            <a:schemeClr val="dk1"/>
+          </a:fillRef>
+          <a:effectRef idx="0">
+            <a:schemeClr val="dk1"/>
+          </a:effectRef>
+          <a:fontRef idx="minor">
+            <a:schemeClr val="tx1"/>
+          </a:fontRef>
+        </p:style>
+      </p:cxnSp>
+      <p:cxnSp>
+        <p:nvCxnSpPr>
+          <p:cNvPr id="48" name="Straight Arrow Connector 47">
+            <a:extLst>
+              <a:ext uri="{FF2B5EF4-FFF2-40B4-BE49-F238E27FC236}">
+                <a16:creationId xmlns:a16="http://schemas.microsoft.com/office/drawing/2014/main" id="{2A3AA588-4E45-F041-837D-A95E7E29F33C}"/>
+              </a:ext>
+            </a:extLst>
+          </p:cNvPr>
+          <p:cNvCxnSpPr>
+            <a:cxnSpLocks/>
+            <a:stCxn id="5" idx="6"/>
+            <a:endCxn id="33" idx="2"/>
+          </p:cNvCxnSpPr>
+          <p:nvPr/>
+        </p:nvCxnSpPr>
+        <p:spPr>
+          <a:xfrm flipV="1">
+            <a:off x="1903661" y="1784656"/>
+            <a:ext cx="2859984" cy="663244"/>
+          </a:xfrm>
+          <a:prstGeom prst="straightConnector1">
+            <a:avLst/>
+          </a:prstGeom>
+          <a:ln>
+            <a:tailEnd type="triangle"/>
+          </a:ln>
+        </p:spPr>
+        <p:style>
+          <a:lnRef idx="1">
+            <a:schemeClr val="dk1"/>
+          </a:lnRef>
+          <a:fillRef idx="0">
+            <a:schemeClr val="dk1"/>
+          </a:fillRef>
+          <a:effectRef idx="0">
+            <a:schemeClr val="dk1"/>
+          </a:effectRef>
+          <a:fontRef idx="minor">
+            <a:schemeClr val="tx1"/>
+          </a:fontRef>
+        </p:style>
+      </p:cxnSp>
+      <p:cxnSp>
+        <p:nvCxnSpPr>
+          <p:cNvPr id="50" name="Straight Arrow Connector 49">
+            <a:extLst>
+              <a:ext uri="{FF2B5EF4-FFF2-40B4-BE49-F238E27FC236}">
+                <a16:creationId xmlns:a16="http://schemas.microsoft.com/office/drawing/2014/main" id="{3B79E667-2B47-A542-88FD-8E51970E8B45}"/>
+              </a:ext>
+            </a:extLst>
+          </p:cNvPr>
+          <p:cNvCxnSpPr>
+            <a:cxnSpLocks/>
+            <a:stCxn id="5" idx="6"/>
+            <a:endCxn id="34" idx="2"/>
+          </p:cNvCxnSpPr>
+          <p:nvPr/>
+        </p:nvCxnSpPr>
+        <p:spPr>
+          <a:xfrm>
+            <a:off x="1903661" y="2447900"/>
+            <a:ext cx="2859984" cy="35643"/>
+          </a:xfrm>
+          <a:prstGeom prst="straightConnector1">
+            <a:avLst/>
+          </a:prstGeom>
+          <a:ln>
+            <a:tailEnd type="triangle"/>
+          </a:ln>
+        </p:spPr>
+        <p:style>
+          <a:lnRef idx="1">
+            <a:schemeClr val="dk1"/>
+          </a:lnRef>
+          <a:fillRef idx="0">
+            <a:schemeClr val="dk1"/>
+          </a:fillRef>
+          <a:effectRef idx="0">
+            <a:schemeClr val="dk1"/>
+          </a:effectRef>
+          <a:fontRef idx="minor">
+            <a:schemeClr val="tx1"/>
+          </a:fontRef>
+        </p:style>
+      </p:cxnSp>
+      <p:cxnSp>
+        <p:nvCxnSpPr>
+          <p:cNvPr id="51" name="Straight Arrow Connector 50">
+            <a:extLst>
+              <a:ext uri="{FF2B5EF4-FFF2-40B4-BE49-F238E27FC236}">
+                <a16:creationId xmlns:a16="http://schemas.microsoft.com/office/drawing/2014/main" id="{618ADE45-3FF2-B242-AC0C-8148289F0902}"/>
+              </a:ext>
+            </a:extLst>
+          </p:cNvPr>
+          <p:cNvCxnSpPr>
+            <a:cxnSpLocks/>
+            <a:stCxn id="6" idx="6"/>
+            <a:endCxn id="36" idx="2"/>
+          </p:cNvCxnSpPr>
+          <p:nvPr/>
+        </p:nvCxnSpPr>
+        <p:spPr>
+          <a:xfrm flipV="1">
+            <a:off x="1903661" y="3133568"/>
+            <a:ext cx="2850482" cy="529256"/>
+          </a:xfrm>
+          <a:prstGeom prst="straightConnector1">
+            <a:avLst/>
+          </a:prstGeom>
+          <a:ln>
+            <a:tailEnd type="triangle"/>
+          </a:ln>
+        </p:spPr>
+        <p:style>
+          <a:lnRef idx="1">
+            <a:schemeClr val="dk1"/>
+          </a:lnRef>
+          <a:fillRef idx="0">
+            <a:schemeClr val="dk1"/>
+          </a:fillRef>
+          <a:effectRef idx="0">
+            <a:schemeClr val="dk1"/>
+          </a:effectRef>
+          <a:fontRef idx="minor">
+            <a:schemeClr val="tx1"/>
+          </a:fontRef>
+        </p:style>
+      </p:cxnSp>
+      <p:cxnSp>
+        <p:nvCxnSpPr>
+          <p:cNvPr id="53" name="Straight Arrow Connector 52">
+            <a:extLst>
+              <a:ext uri="{FF2B5EF4-FFF2-40B4-BE49-F238E27FC236}">
+                <a16:creationId xmlns:a16="http://schemas.microsoft.com/office/drawing/2014/main" id="{060A71DA-BD95-7248-8D12-FFE9DE8AEFCE}"/>
+              </a:ext>
+            </a:extLst>
+          </p:cNvPr>
+          <p:cNvCxnSpPr>
+            <a:cxnSpLocks/>
+            <a:stCxn id="4" idx="6"/>
+            <a:endCxn id="33" idx="2"/>
+          </p:cNvCxnSpPr>
+          <p:nvPr/>
+        </p:nvCxnSpPr>
+        <p:spPr>
+          <a:xfrm>
+            <a:off x="1903661" y="1282251"/>
+            <a:ext cx="2859984" cy="502405"/>
+          </a:xfrm>
+          <a:prstGeom prst="straightConnector1">
+            <a:avLst/>
+          </a:prstGeom>
+          <a:ln>
+            <a:tailEnd type="triangle"/>
+          </a:ln>
+        </p:spPr>
+        <p:style>
+          <a:lnRef idx="1">
+            <a:schemeClr val="dk1"/>
+          </a:lnRef>
+          <a:fillRef idx="0">
+            <a:schemeClr val="dk1"/>
+          </a:fillRef>
+          <a:effectRef idx="0">
+            <a:schemeClr val="dk1"/>
+          </a:effectRef>
+          <a:fontRef idx="minor">
+            <a:schemeClr val="tx1"/>
+          </a:fontRef>
+        </p:style>
+      </p:cxnSp>
+      <p:cxnSp>
+        <p:nvCxnSpPr>
+          <p:cNvPr id="56" name="Straight Arrow Connector 55">
+            <a:extLst>
+              <a:ext uri="{FF2B5EF4-FFF2-40B4-BE49-F238E27FC236}">
+                <a16:creationId xmlns:a16="http://schemas.microsoft.com/office/drawing/2014/main" id="{395243E5-AFD4-4F41-A7C7-89087DD3CFA9}"/>
+              </a:ext>
+            </a:extLst>
+          </p:cNvPr>
+          <p:cNvCxnSpPr>
+            <a:cxnSpLocks/>
+            <a:stCxn id="4" idx="6"/>
+            <a:endCxn id="34" idx="2"/>
+          </p:cNvCxnSpPr>
+          <p:nvPr/>
+        </p:nvCxnSpPr>
+        <p:spPr>
+          <a:xfrm>
+            <a:off x="1903661" y="1282251"/>
+            <a:ext cx="2859984" cy="1201292"/>
+          </a:xfrm>
+          <a:prstGeom prst="straightConnector1">
+            <a:avLst/>
+          </a:prstGeom>
+          <a:ln>
+            <a:tailEnd type="triangle"/>
+          </a:ln>
+        </p:spPr>
+        <p:style>
+          <a:lnRef idx="1">
+            <a:schemeClr val="dk1"/>
+          </a:lnRef>
+          <a:fillRef idx="0">
+            <a:schemeClr val="dk1"/>
+          </a:fillRef>
+          <a:effectRef idx="0">
+            <a:schemeClr val="dk1"/>
+          </a:effectRef>
+          <a:fontRef idx="minor">
+            <a:schemeClr val="tx1"/>
+          </a:fontRef>
+        </p:style>
+      </p:cxnSp>
+      <p:cxnSp>
+        <p:nvCxnSpPr>
+          <p:cNvPr id="57" name="Straight Arrow Connector 56">
+            <a:extLst>
+              <a:ext uri="{FF2B5EF4-FFF2-40B4-BE49-F238E27FC236}">
+                <a16:creationId xmlns:a16="http://schemas.microsoft.com/office/drawing/2014/main" id="{05E04167-F904-BA4C-9AA2-20EF8973B052}"/>
+              </a:ext>
+            </a:extLst>
+          </p:cNvPr>
+          <p:cNvCxnSpPr>
+            <a:cxnSpLocks/>
+            <a:stCxn id="4" idx="6"/>
+            <a:endCxn id="36" idx="2"/>
+          </p:cNvCxnSpPr>
+          <p:nvPr/>
+        </p:nvCxnSpPr>
+        <p:spPr>
+          <a:xfrm>
+            <a:off x="1903661" y="1282251"/>
+            <a:ext cx="2850482" cy="1851317"/>
+          </a:xfrm>
+          <a:prstGeom prst="straightConnector1">
+            <a:avLst/>
+          </a:prstGeom>
+          <a:ln>
+            <a:tailEnd type="triangle"/>
+          </a:ln>
+        </p:spPr>
+        <p:style>
+          <a:lnRef idx="1">
+            <a:schemeClr val="dk1"/>
+          </a:lnRef>
+          <a:fillRef idx="0">
+            <a:schemeClr val="dk1"/>
+          </a:fillRef>
+          <a:effectRef idx="0">
+            <a:schemeClr val="dk1"/>
+          </a:effectRef>
+          <a:fontRef idx="minor">
+            <a:schemeClr val="tx1"/>
+          </a:fontRef>
+        </p:style>
+      </p:cxnSp>
+      <p:cxnSp>
+        <p:nvCxnSpPr>
+          <p:cNvPr id="58" name="Straight Arrow Connector 57">
+            <a:extLst>
+              <a:ext uri="{FF2B5EF4-FFF2-40B4-BE49-F238E27FC236}">
+                <a16:creationId xmlns:a16="http://schemas.microsoft.com/office/drawing/2014/main" id="{09D4FC78-D0B2-9D48-B72F-43E4B2B24DAD}"/>
+              </a:ext>
+            </a:extLst>
+          </p:cNvPr>
+          <p:cNvCxnSpPr>
+            <a:cxnSpLocks/>
+            <a:stCxn id="4" idx="6"/>
+            <a:endCxn id="37" idx="2"/>
+          </p:cNvCxnSpPr>
+          <p:nvPr/>
+        </p:nvCxnSpPr>
+        <p:spPr>
+          <a:xfrm>
+            <a:off x="1903661" y="1282251"/>
+            <a:ext cx="2845084" cy="2529759"/>
+          </a:xfrm>
+          <a:prstGeom prst="straightConnector1">
+            <a:avLst/>
+          </a:prstGeom>
+          <a:ln>
+            <a:tailEnd type="triangle"/>
+          </a:ln>
+        </p:spPr>
+        <p:style>
+          <a:lnRef idx="1">
+            <a:schemeClr val="dk1"/>
+          </a:lnRef>
+          <a:fillRef idx="0">
+            <a:schemeClr val="dk1"/>
+          </a:fillRef>
+          <a:effectRef idx="0">
+            <a:schemeClr val="dk1"/>
+          </a:effectRef>
+          <a:fontRef idx="minor">
+            <a:schemeClr val="tx1"/>
+          </a:fontRef>
+        </p:style>
+      </p:cxnSp>
+      <p:cxnSp>
+        <p:nvCxnSpPr>
+          <p:cNvPr id="59" name="Straight Arrow Connector 58">
+            <a:extLst>
+              <a:ext uri="{FF2B5EF4-FFF2-40B4-BE49-F238E27FC236}">
+                <a16:creationId xmlns:a16="http://schemas.microsoft.com/office/drawing/2014/main" id="{A53EC383-611D-214E-8F83-4FD42F54FCB6}"/>
+              </a:ext>
+            </a:extLst>
+          </p:cNvPr>
+          <p:cNvCxnSpPr>
+            <a:cxnSpLocks/>
+            <a:stCxn id="4" idx="6"/>
+            <a:endCxn id="39" idx="2"/>
+          </p:cNvCxnSpPr>
+          <p:nvPr/>
+        </p:nvCxnSpPr>
+        <p:spPr>
+          <a:xfrm>
+            <a:off x="1903661" y="1282251"/>
+            <a:ext cx="2845084" cy="3250855"/>
+          </a:xfrm>
+          <a:prstGeom prst="straightConnector1">
+            <a:avLst/>
+          </a:prstGeom>
+          <a:ln>
+            <a:tailEnd type="triangle"/>
+          </a:ln>
+        </p:spPr>
+        <p:style>
+          <a:lnRef idx="1">
+            <a:schemeClr val="dk1"/>
+          </a:lnRef>
+          <a:fillRef idx="0">
+            <a:schemeClr val="dk1"/>
+          </a:fillRef>
+          <a:effectRef idx="0">
+            <a:schemeClr val="dk1"/>
+          </a:effectRef>
+          <a:fontRef idx="minor">
+            <a:schemeClr val="tx1"/>
+          </a:fontRef>
+        </p:style>
+      </p:cxnSp>
+      <p:cxnSp>
+        <p:nvCxnSpPr>
+          <p:cNvPr id="61" name="Straight Arrow Connector 60">
+            <a:extLst>
+              <a:ext uri="{FF2B5EF4-FFF2-40B4-BE49-F238E27FC236}">
+                <a16:creationId xmlns:a16="http://schemas.microsoft.com/office/drawing/2014/main" id="{3766F7D8-8F9F-5E4B-A035-60C2BBE64281}"/>
+              </a:ext>
+            </a:extLst>
+          </p:cNvPr>
+          <p:cNvCxnSpPr>
+            <a:cxnSpLocks/>
+            <a:stCxn id="4" idx="6"/>
+            <a:endCxn id="40" idx="2"/>
+          </p:cNvCxnSpPr>
+          <p:nvPr/>
+        </p:nvCxnSpPr>
+        <p:spPr>
+          <a:xfrm>
+            <a:off x="1903661" y="1282251"/>
+            <a:ext cx="2845084" cy="3888029"/>
+          </a:xfrm>
+          <a:prstGeom prst="straightConnector1">
+            <a:avLst/>
+          </a:prstGeom>
+          <a:ln>
+            <a:tailEnd type="triangle"/>
+          </a:ln>
+        </p:spPr>
+        <p:style>
+          <a:lnRef idx="1">
+            <a:schemeClr val="dk1"/>
+          </a:lnRef>
+          <a:fillRef idx="0">
+            <a:schemeClr val="dk1"/>
+          </a:fillRef>
+          <a:effectRef idx="0">
+            <a:schemeClr val="dk1"/>
+          </a:effectRef>
+          <a:fontRef idx="minor">
+            <a:schemeClr val="tx1"/>
+          </a:fontRef>
+        </p:style>
+      </p:cxnSp>
+      <p:cxnSp>
+        <p:nvCxnSpPr>
+          <p:cNvPr id="63" name="Straight Arrow Connector 62">
+            <a:extLst>
+              <a:ext uri="{FF2B5EF4-FFF2-40B4-BE49-F238E27FC236}">
+                <a16:creationId xmlns:a16="http://schemas.microsoft.com/office/drawing/2014/main" id="{A809AF6C-E910-0343-A4A0-ABB6931E621D}"/>
+              </a:ext>
+            </a:extLst>
+          </p:cNvPr>
+          <p:cNvCxnSpPr>
+            <a:cxnSpLocks/>
+            <a:stCxn id="4" idx="6"/>
+            <a:endCxn id="42" idx="2"/>
+          </p:cNvCxnSpPr>
+          <p:nvPr/>
+        </p:nvCxnSpPr>
+        <p:spPr>
+          <a:xfrm>
+            <a:off x="1903661" y="1282251"/>
+            <a:ext cx="2839342" cy="4525203"/>
+          </a:xfrm>
+          <a:prstGeom prst="straightConnector1">
+            <a:avLst/>
+          </a:prstGeom>
+          <a:ln>
+            <a:tailEnd type="triangle"/>
+          </a:ln>
+        </p:spPr>
+        <p:style>
+          <a:lnRef idx="1">
+            <a:schemeClr val="dk1"/>
+          </a:lnRef>
+          <a:fillRef idx="0">
+            <a:schemeClr val="dk1"/>
+          </a:fillRef>
+          <a:effectRef idx="0">
+            <a:schemeClr val="dk1"/>
+          </a:effectRef>
+          <a:fontRef idx="minor">
+            <a:schemeClr val="tx1"/>
+          </a:fontRef>
+        </p:style>
+      </p:cxnSp>
+      <p:cxnSp>
+        <p:nvCxnSpPr>
+          <p:cNvPr id="65" name="Straight Arrow Connector 64">
+            <a:extLst>
+              <a:ext uri="{FF2B5EF4-FFF2-40B4-BE49-F238E27FC236}">
+                <a16:creationId xmlns:a16="http://schemas.microsoft.com/office/drawing/2014/main" id="{34E9B57C-CE97-5E49-9776-DCD62CC49BC6}"/>
+              </a:ext>
+            </a:extLst>
+          </p:cNvPr>
+          <p:cNvCxnSpPr>
+            <a:cxnSpLocks/>
+            <a:stCxn id="4" idx="6"/>
+            <a:endCxn id="43" idx="2"/>
+          </p:cNvCxnSpPr>
+          <p:nvPr/>
+        </p:nvCxnSpPr>
+        <p:spPr>
+          <a:xfrm>
+            <a:off x="1903661" y="1282251"/>
+            <a:ext cx="2839342" cy="5194388"/>
+          </a:xfrm>
+          <a:prstGeom prst="straightConnector1">
+            <a:avLst/>
+          </a:prstGeom>
+          <a:ln>
+            <a:tailEnd type="triangle"/>
+          </a:ln>
+        </p:spPr>
+        <p:style>
+          <a:lnRef idx="1">
+            <a:schemeClr val="dk1"/>
+          </a:lnRef>
+          <a:fillRef idx="0">
+            <a:schemeClr val="dk1"/>
+          </a:fillRef>
+          <a:effectRef idx="0">
+            <a:schemeClr val="dk1"/>
+          </a:effectRef>
+          <a:fontRef idx="minor">
+            <a:schemeClr val="tx1"/>
+          </a:fontRef>
+        </p:style>
+      </p:cxnSp>
+      <p:cxnSp>
+        <p:nvCxnSpPr>
+          <p:cNvPr id="67" name="Straight Arrow Connector 66">
+            <a:extLst>
+              <a:ext uri="{FF2B5EF4-FFF2-40B4-BE49-F238E27FC236}">
+                <a16:creationId xmlns:a16="http://schemas.microsoft.com/office/drawing/2014/main" id="{56436841-5334-E14B-89E3-914F8BF5EB78}"/>
+              </a:ext>
+            </a:extLst>
+          </p:cNvPr>
+          <p:cNvCxnSpPr>
+            <a:cxnSpLocks/>
+            <a:stCxn id="5" idx="6"/>
+            <a:endCxn id="30" idx="2"/>
+          </p:cNvCxnSpPr>
+          <p:nvPr/>
+        </p:nvCxnSpPr>
+        <p:spPr>
+          <a:xfrm flipV="1">
+            <a:off x="1903661" y="420716"/>
+            <a:ext cx="2856396" cy="2027184"/>
+          </a:xfrm>
+          <a:prstGeom prst="straightConnector1">
+            <a:avLst/>
+          </a:prstGeom>
+          <a:ln>
+            <a:tailEnd type="triangle"/>
+          </a:ln>
+        </p:spPr>
+        <p:style>
+          <a:lnRef idx="1">
+            <a:schemeClr val="dk1"/>
+          </a:lnRef>
+          <a:fillRef idx="0">
+            <a:schemeClr val="dk1"/>
+          </a:fillRef>
+          <a:effectRef idx="0">
+            <a:schemeClr val="dk1"/>
+          </a:effectRef>
+          <a:fontRef idx="minor">
+            <a:schemeClr val="tx1"/>
+          </a:fontRef>
+        </p:style>
+      </p:cxnSp>
+      <p:cxnSp>
+        <p:nvCxnSpPr>
+          <p:cNvPr id="70" name="Straight Arrow Connector 69">
+            <a:extLst>
+              <a:ext uri="{FF2B5EF4-FFF2-40B4-BE49-F238E27FC236}">
+                <a16:creationId xmlns:a16="http://schemas.microsoft.com/office/drawing/2014/main" id="{3F293AC3-1E0A-8644-BE51-0A9B084E40BF}"/>
+              </a:ext>
+            </a:extLst>
+          </p:cNvPr>
+          <p:cNvCxnSpPr>
+            <a:cxnSpLocks/>
+            <a:stCxn id="5" idx="6"/>
+            <a:endCxn id="32" idx="2"/>
+          </p:cNvCxnSpPr>
+          <p:nvPr/>
+        </p:nvCxnSpPr>
+        <p:spPr>
+          <a:xfrm flipV="1">
+            <a:off x="1903661" y="1084005"/>
+            <a:ext cx="2859984" cy="1363895"/>
+          </a:xfrm>
+          <a:prstGeom prst="straightConnector1">
+            <a:avLst/>
+          </a:prstGeom>
+          <a:ln>
+            <a:tailEnd type="triangle"/>
+          </a:ln>
+        </p:spPr>
+        <p:style>
+          <a:lnRef idx="1">
+            <a:schemeClr val="dk1"/>
+          </a:lnRef>
+          <a:fillRef idx="0">
+            <a:schemeClr val="dk1"/>
+          </a:fillRef>
+          <a:effectRef idx="0">
+            <a:schemeClr val="dk1"/>
+          </a:effectRef>
+          <a:fontRef idx="minor">
+            <a:schemeClr val="tx1"/>
+          </a:fontRef>
+        </p:style>
+      </p:cxnSp>
+      <p:cxnSp>
+        <p:nvCxnSpPr>
+          <p:cNvPr id="73" name="Straight Arrow Connector 72">
+            <a:extLst>
+              <a:ext uri="{FF2B5EF4-FFF2-40B4-BE49-F238E27FC236}">
+                <a16:creationId xmlns:a16="http://schemas.microsoft.com/office/drawing/2014/main" id="{ABA6F019-45B9-5944-8D2B-164BF3AD0548}"/>
+              </a:ext>
+            </a:extLst>
+          </p:cNvPr>
+          <p:cNvCxnSpPr>
+            <a:cxnSpLocks/>
+            <a:stCxn id="5" idx="6"/>
+            <a:endCxn id="36" idx="2"/>
+          </p:cNvCxnSpPr>
+          <p:nvPr/>
+        </p:nvCxnSpPr>
+        <p:spPr>
+          <a:xfrm>
+            <a:off x="1903661" y="2447900"/>
+            <a:ext cx="2850482" cy="685668"/>
+          </a:xfrm>
+          <a:prstGeom prst="straightConnector1">
+            <a:avLst/>
+          </a:prstGeom>
+          <a:ln>
+            <a:tailEnd type="triangle"/>
+          </a:ln>
+        </p:spPr>
+        <p:style>
+          <a:lnRef idx="1">
+            <a:schemeClr val="dk1"/>
+          </a:lnRef>
+          <a:fillRef idx="0">
+            <a:schemeClr val="dk1"/>
+          </a:fillRef>
+          <a:effectRef idx="0">
+            <a:schemeClr val="dk1"/>
+          </a:effectRef>
+          <a:fontRef idx="minor">
+            <a:schemeClr val="tx1"/>
+          </a:fontRef>
+        </p:style>
+      </p:cxnSp>
+      <p:cxnSp>
+        <p:nvCxnSpPr>
+          <p:cNvPr id="76" name="Straight Arrow Connector 75">
+            <a:extLst>
+              <a:ext uri="{FF2B5EF4-FFF2-40B4-BE49-F238E27FC236}">
+                <a16:creationId xmlns:a16="http://schemas.microsoft.com/office/drawing/2014/main" id="{8600DB84-E837-4B48-BFB3-8B2F1FD9AC6A}"/>
+              </a:ext>
+            </a:extLst>
+          </p:cNvPr>
+          <p:cNvCxnSpPr>
+            <a:cxnSpLocks/>
+            <a:stCxn id="5" idx="6"/>
+            <a:endCxn id="37" idx="2"/>
+          </p:cNvCxnSpPr>
+          <p:nvPr/>
+        </p:nvCxnSpPr>
+        <p:spPr>
+          <a:xfrm>
+            <a:off x="1903661" y="2447900"/>
+            <a:ext cx="2845084" cy="1364110"/>
+          </a:xfrm>
+          <a:prstGeom prst="straightConnector1">
+            <a:avLst/>
+          </a:prstGeom>
+          <a:ln>
+            <a:tailEnd type="triangle"/>
+          </a:ln>
+        </p:spPr>
+        <p:style>
+          <a:lnRef idx="1">
+            <a:schemeClr val="dk1"/>
+          </a:lnRef>
+          <a:fillRef idx="0">
+            <a:schemeClr val="dk1"/>
+          </a:fillRef>
+          <a:effectRef idx="0">
+            <a:schemeClr val="dk1"/>
+          </a:effectRef>
+          <a:fontRef idx="minor">
+            <a:schemeClr val="tx1"/>
+          </a:fontRef>
+        </p:style>
+      </p:cxnSp>
+      <p:cxnSp>
+        <p:nvCxnSpPr>
+          <p:cNvPr id="79" name="Straight Arrow Connector 78">
+            <a:extLst>
+              <a:ext uri="{FF2B5EF4-FFF2-40B4-BE49-F238E27FC236}">
+                <a16:creationId xmlns:a16="http://schemas.microsoft.com/office/drawing/2014/main" id="{336DDCBB-8CF5-F54B-BA65-285F32272979}"/>
+              </a:ext>
+            </a:extLst>
+          </p:cNvPr>
+          <p:cNvCxnSpPr>
+            <a:cxnSpLocks/>
+            <a:stCxn id="5" idx="6"/>
+            <a:endCxn id="39" idx="2"/>
+          </p:cNvCxnSpPr>
+          <p:nvPr/>
+        </p:nvCxnSpPr>
+        <p:spPr>
+          <a:xfrm>
+            <a:off x="1903661" y="2447900"/>
+            <a:ext cx="2845084" cy="2085206"/>
+          </a:xfrm>
+          <a:prstGeom prst="straightConnector1">
+            <a:avLst/>
+          </a:prstGeom>
+          <a:ln>
+            <a:tailEnd type="triangle"/>
+          </a:ln>
+        </p:spPr>
+        <p:style>
+          <a:lnRef idx="1">
+            <a:schemeClr val="dk1"/>
+          </a:lnRef>
+          <a:fillRef idx="0">
+            <a:schemeClr val="dk1"/>
+          </a:fillRef>
+          <a:effectRef idx="0">
+            <a:schemeClr val="dk1"/>
+          </a:effectRef>
+          <a:fontRef idx="minor">
+            <a:schemeClr val="tx1"/>
+          </a:fontRef>
+        </p:style>
+      </p:cxnSp>
+      <p:cxnSp>
+        <p:nvCxnSpPr>
+          <p:cNvPr id="82" name="Straight Arrow Connector 81">
+            <a:extLst>
+              <a:ext uri="{FF2B5EF4-FFF2-40B4-BE49-F238E27FC236}">
+                <a16:creationId xmlns:a16="http://schemas.microsoft.com/office/drawing/2014/main" id="{F9C225C9-2502-0247-AEB2-6D32462C1CD1}"/>
+              </a:ext>
+            </a:extLst>
+          </p:cNvPr>
+          <p:cNvCxnSpPr>
+            <a:cxnSpLocks/>
+            <a:stCxn id="5" idx="6"/>
+            <a:endCxn id="40" idx="2"/>
+          </p:cNvCxnSpPr>
+          <p:nvPr/>
+        </p:nvCxnSpPr>
+        <p:spPr>
+          <a:xfrm>
+            <a:off x="1903661" y="2447900"/>
+            <a:ext cx="2845084" cy="2722380"/>
+          </a:xfrm>
+          <a:prstGeom prst="straightConnector1">
+            <a:avLst/>
+          </a:prstGeom>
+          <a:ln>
+            <a:tailEnd type="triangle"/>
+          </a:ln>
+        </p:spPr>
+        <p:style>
+          <a:lnRef idx="1">
+            <a:schemeClr val="dk1"/>
+          </a:lnRef>
+          <a:fillRef idx="0">
+            <a:schemeClr val="dk1"/>
+          </a:fillRef>
+          <a:effectRef idx="0">
+            <a:schemeClr val="dk1"/>
+          </a:effectRef>
+          <a:fontRef idx="minor">
+            <a:schemeClr val="tx1"/>
+          </a:fontRef>
+        </p:style>
+      </p:cxnSp>
+      <p:cxnSp>
+        <p:nvCxnSpPr>
+          <p:cNvPr id="85" name="Straight Arrow Connector 84">
+            <a:extLst>
+              <a:ext uri="{FF2B5EF4-FFF2-40B4-BE49-F238E27FC236}">
+                <a16:creationId xmlns:a16="http://schemas.microsoft.com/office/drawing/2014/main" id="{FBAC0D88-C3A9-934F-8E51-59C015C997A4}"/>
+              </a:ext>
+            </a:extLst>
+          </p:cNvPr>
+          <p:cNvCxnSpPr>
+            <a:cxnSpLocks/>
+            <a:stCxn id="5" idx="6"/>
+            <a:endCxn id="42" idx="2"/>
+          </p:cNvCxnSpPr>
+          <p:nvPr/>
+        </p:nvCxnSpPr>
+        <p:spPr>
+          <a:xfrm>
+            <a:off x="1903661" y="2447900"/>
+            <a:ext cx="2839342" cy="3359554"/>
+          </a:xfrm>
+          <a:prstGeom prst="straightConnector1">
+            <a:avLst/>
+          </a:prstGeom>
+          <a:ln>
+            <a:tailEnd type="triangle"/>
+          </a:ln>
+        </p:spPr>
+        <p:style>
+          <a:lnRef idx="1">
+            <a:schemeClr val="dk1"/>
+          </a:lnRef>
+          <a:fillRef idx="0">
+            <a:schemeClr val="dk1"/>
+          </a:fillRef>
+          <a:effectRef idx="0">
+            <a:schemeClr val="dk1"/>
+          </a:effectRef>
+          <a:fontRef idx="minor">
+            <a:schemeClr val="tx1"/>
+          </a:fontRef>
+        </p:style>
+      </p:cxnSp>
+      <p:cxnSp>
+        <p:nvCxnSpPr>
+          <p:cNvPr id="88" name="Straight Arrow Connector 87">
+            <a:extLst>
+              <a:ext uri="{FF2B5EF4-FFF2-40B4-BE49-F238E27FC236}">
+                <a16:creationId xmlns:a16="http://schemas.microsoft.com/office/drawing/2014/main" id="{78776B03-6C60-414C-A487-AC96C19CE063}"/>
+              </a:ext>
+            </a:extLst>
+          </p:cNvPr>
+          <p:cNvCxnSpPr>
+            <a:cxnSpLocks/>
+            <a:stCxn id="5" idx="6"/>
+            <a:endCxn id="43" idx="2"/>
+          </p:cNvCxnSpPr>
+          <p:nvPr/>
+        </p:nvCxnSpPr>
+        <p:spPr>
+          <a:xfrm>
+            <a:off x="1903661" y="2447900"/>
+            <a:ext cx="2839342" cy="4028739"/>
+          </a:xfrm>
+          <a:prstGeom prst="straightConnector1">
+            <a:avLst/>
+          </a:prstGeom>
+          <a:ln>
+            <a:tailEnd type="triangle"/>
+          </a:ln>
+        </p:spPr>
+        <p:style>
+          <a:lnRef idx="1">
+            <a:schemeClr val="dk1"/>
+          </a:lnRef>
+          <a:fillRef idx="0">
+            <a:schemeClr val="dk1"/>
+          </a:fillRef>
+          <a:effectRef idx="0">
+            <a:schemeClr val="dk1"/>
+          </a:effectRef>
+          <a:fontRef idx="minor">
+            <a:schemeClr val="tx1"/>
+          </a:fontRef>
+        </p:style>
+      </p:cxnSp>
+      <p:cxnSp>
+        <p:nvCxnSpPr>
+          <p:cNvPr id="91" name="Straight Arrow Connector 90">
+            <a:extLst>
+              <a:ext uri="{FF2B5EF4-FFF2-40B4-BE49-F238E27FC236}">
+                <a16:creationId xmlns:a16="http://schemas.microsoft.com/office/drawing/2014/main" id="{09B3DC61-1B7A-E748-AF08-5FEB476A2CC4}"/>
+              </a:ext>
+            </a:extLst>
+          </p:cNvPr>
+          <p:cNvCxnSpPr>
+            <a:cxnSpLocks/>
+            <a:stCxn id="6" idx="6"/>
+            <a:endCxn id="30" idx="2"/>
+          </p:cNvCxnSpPr>
+          <p:nvPr/>
+        </p:nvCxnSpPr>
+        <p:spPr>
+          <a:xfrm flipV="1">
+            <a:off x="1903661" y="420716"/>
+            <a:ext cx="2856396" cy="3242108"/>
+          </a:xfrm>
+          <a:prstGeom prst="straightConnector1">
+            <a:avLst/>
+          </a:prstGeom>
+          <a:ln>
+            <a:tailEnd type="triangle"/>
+          </a:ln>
+        </p:spPr>
+        <p:style>
+          <a:lnRef idx="1">
+            <a:schemeClr val="dk1"/>
+          </a:lnRef>
+          <a:fillRef idx="0">
+            <a:schemeClr val="dk1"/>
+          </a:fillRef>
+          <a:effectRef idx="0">
+            <a:schemeClr val="dk1"/>
+          </a:effectRef>
+          <a:fontRef idx="minor">
+            <a:schemeClr val="tx1"/>
+          </a:fontRef>
+        </p:style>
+      </p:cxnSp>
+      <p:cxnSp>
+        <p:nvCxnSpPr>
+          <p:cNvPr id="94" name="Straight Arrow Connector 93">
+            <a:extLst>
+              <a:ext uri="{FF2B5EF4-FFF2-40B4-BE49-F238E27FC236}">
+                <a16:creationId xmlns:a16="http://schemas.microsoft.com/office/drawing/2014/main" id="{0D70411C-480B-A544-8391-85B5EDACE4DD}"/>
+              </a:ext>
+            </a:extLst>
+          </p:cNvPr>
+          <p:cNvCxnSpPr>
+            <a:cxnSpLocks/>
+            <a:stCxn id="6" idx="6"/>
+            <a:endCxn id="32" idx="2"/>
+          </p:cNvCxnSpPr>
+          <p:nvPr/>
+        </p:nvCxnSpPr>
+        <p:spPr>
+          <a:xfrm flipV="1">
+            <a:off x="1903661" y="1084005"/>
+            <a:ext cx="2859984" cy="2578819"/>
+          </a:xfrm>
+          <a:prstGeom prst="straightConnector1">
+            <a:avLst/>
+          </a:prstGeom>
+          <a:ln>
+            <a:tailEnd type="triangle"/>
+          </a:ln>
+        </p:spPr>
+        <p:style>
+          <a:lnRef idx="1">
+            <a:schemeClr val="dk1"/>
+          </a:lnRef>
+          <a:fillRef idx="0">
+            <a:schemeClr val="dk1"/>
+          </a:fillRef>
+          <a:effectRef idx="0">
+            <a:schemeClr val="dk1"/>
+          </a:effectRef>
+          <a:fontRef idx="minor">
+            <a:schemeClr val="tx1"/>
+          </a:fontRef>
+        </p:style>
+      </p:cxnSp>
+      <p:cxnSp>
+        <p:nvCxnSpPr>
+          <p:cNvPr id="97" name="Straight Arrow Connector 96">
+            <a:extLst>
+              <a:ext uri="{FF2B5EF4-FFF2-40B4-BE49-F238E27FC236}">
+                <a16:creationId xmlns:a16="http://schemas.microsoft.com/office/drawing/2014/main" id="{8F00C299-3C47-B04E-9FFA-3A0130D8A383}"/>
+              </a:ext>
+            </a:extLst>
+          </p:cNvPr>
+          <p:cNvCxnSpPr>
+            <a:cxnSpLocks/>
+            <a:stCxn id="6" idx="6"/>
+            <a:endCxn id="34" idx="2"/>
+          </p:cNvCxnSpPr>
+          <p:nvPr/>
+        </p:nvCxnSpPr>
+        <p:spPr>
+          <a:xfrm flipV="1">
+            <a:off x="1903661" y="2483543"/>
+            <a:ext cx="2859984" cy="1179281"/>
+          </a:xfrm>
+          <a:prstGeom prst="straightConnector1">
+            <a:avLst/>
+          </a:prstGeom>
+          <a:ln>
+            <a:tailEnd type="triangle"/>
+          </a:ln>
+        </p:spPr>
+        <p:style>
+          <a:lnRef idx="1">
+            <a:schemeClr val="dk1"/>
+          </a:lnRef>
+          <a:fillRef idx="0">
+            <a:schemeClr val="dk1"/>
+          </a:fillRef>
+          <a:effectRef idx="0">
+            <a:schemeClr val="dk1"/>
+          </a:effectRef>
+          <a:fontRef idx="minor">
+            <a:schemeClr val="tx1"/>
+          </a:fontRef>
+        </p:style>
+      </p:cxnSp>
+      <p:cxnSp>
+        <p:nvCxnSpPr>
+          <p:cNvPr id="100" name="Straight Arrow Connector 99">
+            <a:extLst>
+              <a:ext uri="{FF2B5EF4-FFF2-40B4-BE49-F238E27FC236}">
+                <a16:creationId xmlns:a16="http://schemas.microsoft.com/office/drawing/2014/main" id="{D75E8794-088C-AE41-8AF4-6FF0569D29B3}"/>
+              </a:ext>
+            </a:extLst>
+          </p:cNvPr>
+          <p:cNvCxnSpPr>
+            <a:cxnSpLocks/>
+            <a:stCxn id="6" idx="6"/>
+            <a:endCxn id="37" idx="2"/>
+          </p:cNvCxnSpPr>
+          <p:nvPr/>
+        </p:nvCxnSpPr>
+        <p:spPr>
+          <a:xfrm>
+            <a:off x="1903661" y="3662824"/>
+            <a:ext cx="2845084" cy="149186"/>
+          </a:xfrm>
+          <a:prstGeom prst="straightConnector1">
+            <a:avLst/>
+          </a:prstGeom>
+          <a:ln>
+            <a:tailEnd type="triangle"/>
+          </a:ln>
+        </p:spPr>
+        <p:style>
+          <a:lnRef idx="1">
+            <a:schemeClr val="dk1"/>
+          </a:lnRef>
+          <a:fillRef idx="0">
+            <a:schemeClr val="dk1"/>
+          </a:fillRef>
+          <a:effectRef idx="0">
+            <a:schemeClr val="dk1"/>
+          </a:effectRef>
+          <a:fontRef idx="minor">
+            <a:schemeClr val="tx1"/>
+          </a:fontRef>
+        </p:style>
+      </p:cxnSp>
+      <p:cxnSp>
+        <p:nvCxnSpPr>
+          <p:cNvPr id="103" name="Straight Arrow Connector 102">
+            <a:extLst>
+              <a:ext uri="{FF2B5EF4-FFF2-40B4-BE49-F238E27FC236}">
+                <a16:creationId xmlns:a16="http://schemas.microsoft.com/office/drawing/2014/main" id="{12DCE323-FC8C-2140-ADA4-92F5410CD237}"/>
+              </a:ext>
+            </a:extLst>
+          </p:cNvPr>
+          <p:cNvCxnSpPr>
+            <a:cxnSpLocks/>
+            <a:stCxn id="6" idx="6"/>
+            <a:endCxn id="39" idx="2"/>
+          </p:cNvCxnSpPr>
+          <p:nvPr/>
+        </p:nvCxnSpPr>
+        <p:spPr>
+          <a:xfrm>
+            <a:off x="1903661" y="3662824"/>
+            <a:ext cx="2845084" cy="870282"/>
+          </a:xfrm>
+          <a:prstGeom prst="straightConnector1">
+            <a:avLst/>
+          </a:prstGeom>
+          <a:ln>
+            <a:tailEnd type="triangle"/>
+          </a:ln>
+        </p:spPr>
+        <p:style>
+          <a:lnRef idx="1">
+            <a:schemeClr val="dk1"/>
+          </a:lnRef>
+          <a:fillRef idx="0">
+            <a:schemeClr val="dk1"/>
+          </a:fillRef>
+          <a:effectRef idx="0">
+            <a:schemeClr val="dk1"/>
+          </a:effectRef>
+          <a:fontRef idx="minor">
+            <a:schemeClr val="tx1"/>
+          </a:fontRef>
+        </p:style>
+      </p:cxnSp>
+      <p:cxnSp>
+        <p:nvCxnSpPr>
+          <p:cNvPr id="106" name="Straight Arrow Connector 105">
+            <a:extLst>
+              <a:ext uri="{FF2B5EF4-FFF2-40B4-BE49-F238E27FC236}">
+                <a16:creationId xmlns:a16="http://schemas.microsoft.com/office/drawing/2014/main" id="{58FA8C69-8A25-9048-A749-749FFB484935}"/>
+              </a:ext>
+            </a:extLst>
+          </p:cNvPr>
+          <p:cNvCxnSpPr>
+            <a:cxnSpLocks/>
+            <a:stCxn id="6" idx="6"/>
+            <a:endCxn id="40" idx="2"/>
+          </p:cNvCxnSpPr>
+          <p:nvPr/>
+        </p:nvCxnSpPr>
+        <p:spPr>
+          <a:xfrm>
+            <a:off x="1903661" y="3662824"/>
+            <a:ext cx="2845084" cy="1507456"/>
+          </a:xfrm>
+          <a:prstGeom prst="straightConnector1">
+            <a:avLst/>
+          </a:prstGeom>
+          <a:ln>
+            <a:tailEnd type="triangle"/>
+          </a:ln>
+        </p:spPr>
+        <p:style>
+          <a:lnRef idx="1">
+            <a:schemeClr val="dk1"/>
+          </a:lnRef>
+          <a:fillRef idx="0">
+            <a:schemeClr val="dk1"/>
+          </a:fillRef>
+          <a:effectRef idx="0">
+            <a:schemeClr val="dk1"/>
+          </a:effectRef>
+          <a:fontRef idx="minor">
+            <a:schemeClr val="tx1"/>
+          </a:fontRef>
+        </p:style>
+      </p:cxnSp>
+      <p:cxnSp>
+        <p:nvCxnSpPr>
+          <p:cNvPr id="109" name="Straight Arrow Connector 108">
+            <a:extLst>
+              <a:ext uri="{FF2B5EF4-FFF2-40B4-BE49-F238E27FC236}">
+                <a16:creationId xmlns:a16="http://schemas.microsoft.com/office/drawing/2014/main" id="{A1F0E853-ADF1-B440-B938-3ECC986D74C3}"/>
+              </a:ext>
+            </a:extLst>
+          </p:cNvPr>
+          <p:cNvCxnSpPr>
+            <a:cxnSpLocks/>
+            <a:stCxn id="6" idx="6"/>
+            <a:endCxn id="42" idx="2"/>
+          </p:cNvCxnSpPr>
+          <p:nvPr/>
+        </p:nvCxnSpPr>
+        <p:spPr>
+          <a:xfrm>
+            <a:off x="1903661" y="3662824"/>
+            <a:ext cx="2839342" cy="2144630"/>
+          </a:xfrm>
+          <a:prstGeom prst="straightConnector1">
+            <a:avLst/>
+          </a:prstGeom>
+          <a:ln>
+            <a:tailEnd type="triangle"/>
+          </a:ln>
+        </p:spPr>
+        <p:style>
+          <a:lnRef idx="1">
+            <a:schemeClr val="dk1"/>
+          </a:lnRef>
+          <a:fillRef idx="0">
+            <a:schemeClr val="dk1"/>
+          </a:fillRef>
+          <a:effectRef idx="0">
+            <a:schemeClr val="dk1"/>
+          </a:effectRef>
+          <a:fontRef idx="minor">
+            <a:schemeClr val="tx1"/>
+          </a:fontRef>
+        </p:style>
+      </p:cxnSp>
+      <p:cxnSp>
+        <p:nvCxnSpPr>
+          <p:cNvPr id="112" name="Straight Arrow Connector 111">
+            <a:extLst>
+              <a:ext uri="{FF2B5EF4-FFF2-40B4-BE49-F238E27FC236}">
+                <a16:creationId xmlns:a16="http://schemas.microsoft.com/office/drawing/2014/main" id="{9B6F3ED8-FDA4-9843-8419-F7177635CA18}"/>
+              </a:ext>
+            </a:extLst>
+          </p:cNvPr>
+          <p:cNvCxnSpPr>
+            <a:cxnSpLocks/>
+            <a:stCxn id="6" idx="6"/>
+            <a:endCxn id="43" idx="2"/>
+          </p:cNvCxnSpPr>
+          <p:nvPr/>
+        </p:nvCxnSpPr>
+        <p:spPr>
+          <a:xfrm>
+            <a:off x="1903661" y="3662824"/>
+            <a:ext cx="2839342" cy="2813815"/>
+          </a:xfrm>
+          <a:prstGeom prst="straightConnector1">
+            <a:avLst/>
+          </a:prstGeom>
+          <a:ln>
+            <a:tailEnd type="triangle"/>
+          </a:ln>
+        </p:spPr>
+        <p:style>
+          <a:lnRef idx="1">
+            <a:schemeClr val="dk1"/>
+          </a:lnRef>
+          <a:fillRef idx="0">
+            <a:schemeClr val="dk1"/>
+          </a:fillRef>
+          <a:effectRef idx="0">
+            <a:schemeClr val="dk1"/>
+          </a:effectRef>
+          <a:fontRef idx="minor">
+            <a:schemeClr val="tx1"/>
+          </a:fontRef>
+        </p:style>
+      </p:cxnSp>
+      <p:cxnSp>
+        <p:nvCxnSpPr>
+          <p:cNvPr id="115" name="Straight Arrow Connector 114">
+            <a:extLst>
+              <a:ext uri="{FF2B5EF4-FFF2-40B4-BE49-F238E27FC236}">
+                <a16:creationId xmlns:a16="http://schemas.microsoft.com/office/drawing/2014/main" id="{757C4A91-E022-AF45-980F-CC29B893A330}"/>
+              </a:ext>
+            </a:extLst>
+          </p:cNvPr>
+          <p:cNvCxnSpPr>
+            <a:cxnSpLocks/>
+            <a:stCxn id="7" idx="6"/>
+            <a:endCxn id="30" idx="2"/>
+          </p:cNvCxnSpPr>
+          <p:nvPr/>
+        </p:nvCxnSpPr>
+        <p:spPr>
+          <a:xfrm flipV="1">
+            <a:off x="1903661" y="420716"/>
+            <a:ext cx="2856396" cy="4469546"/>
+          </a:xfrm>
+          <a:prstGeom prst="straightConnector1">
+            <a:avLst/>
+          </a:prstGeom>
+          <a:ln>
+            <a:tailEnd type="triangle"/>
+          </a:ln>
+        </p:spPr>
+        <p:style>
+          <a:lnRef idx="1">
+            <a:schemeClr val="dk1"/>
+          </a:lnRef>
+          <a:fillRef idx="0">
+            <a:schemeClr val="dk1"/>
+          </a:fillRef>
+          <a:effectRef idx="0">
+            <a:schemeClr val="dk1"/>
+          </a:effectRef>
+          <a:fontRef idx="minor">
+            <a:schemeClr val="tx1"/>
+          </a:fontRef>
+        </p:style>
+      </p:cxnSp>
+      <p:cxnSp>
+        <p:nvCxnSpPr>
+          <p:cNvPr id="118" name="Straight Arrow Connector 117">
+            <a:extLst>
+              <a:ext uri="{FF2B5EF4-FFF2-40B4-BE49-F238E27FC236}">
+                <a16:creationId xmlns:a16="http://schemas.microsoft.com/office/drawing/2014/main" id="{564F02DC-0010-9846-93F3-D553C9BF40F8}"/>
+              </a:ext>
+            </a:extLst>
+          </p:cNvPr>
+          <p:cNvCxnSpPr>
+            <a:cxnSpLocks/>
+            <a:stCxn id="7" idx="6"/>
+            <a:endCxn id="32" idx="2"/>
+          </p:cNvCxnSpPr>
+          <p:nvPr/>
+        </p:nvCxnSpPr>
+        <p:spPr>
+          <a:xfrm flipV="1">
+            <a:off x="1903661" y="1084005"/>
+            <a:ext cx="2859984" cy="3806257"/>
+          </a:xfrm>
+          <a:prstGeom prst="straightConnector1">
+            <a:avLst/>
+          </a:prstGeom>
+          <a:ln>
+            <a:tailEnd type="triangle"/>
+          </a:ln>
+        </p:spPr>
+        <p:style>
+          <a:lnRef idx="1">
+            <a:schemeClr val="dk1"/>
+          </a:lnRef>
+          <a:fillRef idx="0">
+            <a:schemeClr val="dk1"/>
+          </a:fillRef>
+          <a:effectRef idx="0">
+            <a:schemeClr val="dk1"/>
+          </a:effectRef>
+          <a:fontRef idx="minor">
+            <a:schemeClr val="tx1"/>
+          </a:fontRef>
+        </p:style>
+      </p:cxnSp>
+      <p:cxnSp>
+        <p:nvCxnSpPr>
+          <p:cNvPr id="121" name="Straight Arrow Connector 120">
+            <a:extLst>
+              <a:ext uri="{FF2B5EF4-FFF2-40B4-BE49-F238E27FC236}">
+                <a16:creationId xmlns:a16="http://schemas.microsoft.com/office/drawing/2014/main" id="{C21EC1B0-BD97-0B49-86D1-9C0224433805}"/>
+              </a:ext>
+            </a:extLst>
+          </p:cNvPr>
+          <p:cNvCxnSpPr>
+            <a:cxnSpLocks/>
+            <a:stCxn id="7" idx="6"/>
+            <a:endCxn id="34" idx="2"/>
+          </p:cNvCxnSpPr>
+          <p:nvPr/>
+        </p:nvCxnSpPr>
+        <p:spPr>
+          <a:xfrm flipV="1">
+            <a:off x="1903661" y="2483543"/>
+            <a:ext cx="2859984" cy="2406719"/>
+          </a:xfrm>
+          <a:prstGeom prst="straightConnector1">
+            <a:avLst/>
+          </a:prstGeom>
+          <a:ln>
+            <a:tailEnd type="triangle"/>
+          </a:ln>
+        </p:spPr>
+        <p:style>
+          <a:lnRef idx="1">
+            <a:schemeClr val="dk1"/>
+          </a:lnRef>
+          <a:fillRef idx="0">
+            <a:schemeClr val="dk1"/>
+          </a:fillRef>
+          <a:effectRef idx="0">
+            <a:schemeClr val="dk1"/>
+          </a:effectRef>
+          <a:fontRef idx="minor">
+            <a:schemeClr val="tx1"/>
+          </a:fontRef>
+        </p:style>
+      </p:cxnSp>
+      <p:cxnSp>
+        <p:nvCxnSpPr>
+          <p:cNvPr id="124" name="Straight Arrow Connector 123">
+            <a:extLst>
+              <a:ext uri="{FF2B5EF4-FFF2-40B4-BE49-F238E27FC236}">
+                <a16:creationId xmlns:a16="http://schemas.microsoft.com/office/drawing/2014/main" id="{72810B13-C04C-724C-A434-068FC1A56110}"/>
+              </a:ext>
+            </a:extLst>
+          </p:cNvPr>
+          <p:cNvCxnSpPr>
+            <a:cxnSpLocks/>
+            <a:stCxn id="7" idx="6"/>
+            <a:endCxn id="36" idx="2"/>
+          </p:cNvCxnSpPr>
+          <p:nvPr/>
+        </p:nvCxnSpPr>
+        <p:spPr>
+          <a:xfrm flipV="1">
+            <a:off x="1903661" y="3133568"/>
+            <a:ext cx="2850482" cy="1756694"/>
+          </a:xfrm>
+          <a:prstGeom prst="straightConnector1">
+            <a:avLst/>
+          </a:prstGeom>
+          <a:ln>
+            <a:tailEnd type="triangle"/>
+          </a:ln>
+        </p:spPr>
+        <p:style>
+          <a:lnRef idx="1">
+            <a:schemeClr val="dk1"/>
+          </a:lnRef>
+          <a:fillRef idx="0">
+            <a:schemeClr val="dk1"/>
+          </a:fillRef>
+          <a:effectRef idx="0">
+            <a:schemeClr val="dk1"/>
+          </a:effectRef>
+          <a:fontRef idx="minor">
+            <a:schemeClr val="tx1"/>
+          </a:fontRef>
+        </p:style>
+      </p:cxnSp>
+      <p:cxnSp>
+        <p:nvCxnSpPr>
+          <p:cNvPr id="127" name="Straight Arrow Connector 126">
+            <a:extLst>
+              <a:ext uri="{FF2B5EF4-FFF2-40B4-BE49-F238E27FC236}">
+                <a16:creationId xmlns:a16="http://schemas.microsoft.com/office/drawing/2014/main" id="{1BBBD128-1B6B-5849-A270-A186DD9F2275}"/>
+              </a:ext>
+            </a:extLst>
+          </p:cNvPr>
+          <p:cNvCxnSpPr>
+            <a:cxnSpLocks/>
+            <a:stCxn id="7" idx="6"/>
+            <a:endCxn id="37" idx="2"/>
+          </p:cNvCxnSpPr>
+          <p:nvPr/>
+        </p:nvCxnSpPr>
+        <p:spPr>
+          <a:xfrm flipV="1">
+            <a:off x="1903661" y="3812010"/>
+            <a:ext cx="2845084" cy="1078252"/>
+          </a:xfrm>
+          <a:prstGeom prst="straightConnector1">
+            <a:avLst/>
+          </a:prstGeom>
+          <a:ln>
+            <a:tailEnd type="triangle"/>
+          </a:ln>
+        </p:spPr>
+        <p:style>
+          <a:lnRef idx="1">
+            <a:schemeClr val="dk1"/>
+          </a:lnRef>
+          <a:fillRef idx="0">
+            <a:schemeClr val="dk1"/>
+          </a:fillRef>
+          <a:effectRef idx="0">
+            <a:schemeClr val="dk1"/>
+          </a:effectRef>
+          <a:fontRef idx="minor">
+            <a:schemeClr val="tx1"/>
+          </a:fontRef>
+        </p:style>
+      </p:cxnSp>
+      <p:cxnSp>
+        <p:nvCxnSpPr>
+          <p:cNvPr id="130" name="Straight Arrow Connector 129">
+            <a:extLst>
+              <a:ext uri="{FF2B5EF4-FFF2-40B4-BE49-F238E27FC236}">
+                <a16:creationId xmlns:a16="http://schemas.microsoft.com/office/drawing/2014/main" id="{6F530981-52AC-394B-8A7E-E7DB6DC9AA4D}"/>
+              </a:ext>
+            </a:extLst>
+          </p:cNvPr>
+          <p:cNvCxnSpPr>
+            <a:cxnSpLocks/>
+            <a:stCxn id="7" idx="6"/>
+            <a:endCxn id="39" idx="2"/>
+          </p:cNvCxnSpPr>
+          <p:nvPr/>
+        </p:nvCxnSpPr>
+        <p:spPr>
+          <a:xfrm flipV="1">
+            <a:off x="1903661" y="4533106"/>
+            <a:ext cx="2845084" cy="357156"/>
+          </a:xfrm>
+          <a:prstGeom prst="straightConnector1">
+            <a:avLst/>
+          </a:prstGeom>
+          <a:ln>
+            <a:tailEnd type="triangle"/>
+          </a:ln>
+        </p:spPr>
+        <p:style>
+          <a:lnRef idx="1">
+            <a:schemeClr val="dk1"/>
+          </a:lnRef>
+          <a:fillRef idx="0">
+            <a:schemeClr val="dk1"/>
+          </a:fillRef>
+          <a:effectRef idx="0">
+            <a:schemeClr val="dk1"/>
+          </a:effectRef>
+          <a:fontRef idx="minor">
+            <a:schemeClr val="tx1"/>
+          </a:fontRef>
+        </p:style>
+      </p:cxnSp>
+      <p:cxnSp>
+        <p:nvCxnSpPr>
+          <p:cNvPr id="133" name="Straight Arrow Connector 132">
+            <a:extLst>
+              <a:ext uri="{FF2B5EF4-FFF2-40B4-BE49-F238E27FC236}">
+                <a16:creationId xmlns:a16="http://schemas.microsoft.com/office/drawing/2014/main" id="{C6BC6EFB-EA98-C547-AF30-0437DB3BE6AC}"/>
+              </a:ext>
+            </a:extLst>
+          </p:cNvPr>
+          <p:cNvCxnSpPr>
+            <a:cxnSpLocks/>
+            <a:stCxn id="7" idx="6"/>
+            <a:endCxn id="40" idx="2"/>
+          </p:cNvCxnSpPr>
+          <p:nvPr/>
+        </p:nvCxnSpPr>
+        <p:spPr>
+          <a:xfrm>
+            <a:off x="1903661" y="4890262"/>
+            <a:ext cx="2845084" cy="280018"/>
+          </a:xfrm>
+          <a:prstGeom prst="straightConnector1">
+            <a:avLst/>
+          </a:prstGeom>
+          <a:ln>
+            <a:tailEnd type="triangle"/>
+          </a:ln>
+        </p:spPr>
+        <p:style>
+          <a:lnRef idx="1">
+            <a:schemeClr val="dk1"/>
+          </a:lnRef>
+          <a:fillRef idx="0">
+            <a:schemeClr val="dk1"/>
+          </a:fillRef>
+          <a:effectRef idx="0">
+            <a:schemeClr val="dk1"/>
+          </a:effectRef>
+          <a:fontRef idx="minor">
+            <a:schemeClr val="tx1"/>
+          </a:fontRef>
+        </p:style>
+      </p:cxnSp>
+      <p:cxnSp>
+        <p:nvCxnSpPr>
+          <p:cNvPr id="136" name="Straight Arrow Connector 135">
+            <a:extLst>
+              <a:ext uri="{FF2B5EF4-FFF2-40B4-BE49-F238E27FC236}">
+                <a16:creationId xmlns:a16="http://schemas.microsoft.com/office/drawing/2014/main" id="{EAC4F0DE-3B5A-7F4A-9070-469DE633781E}"/>
+              </a:ext>
+            </a:extLst>
+          </p:cNvPr>
+          <p:cNvCxnSpPr>
+            <a:cxnSpLocks/>
+            <a:stCxn id="7" idx="6"/>
+            <a:endCxn id="42" idx="2"/>
+          </p:cNvCxnSpPr>
+          <p:nvPr/>
+        </p:nvCxnSpPr>
+        <p:spPr>
+          <a:xfrm>
+            <a:off x="1903661" y="4890262"/>
+            <a:ext cx="2839342" cy="917192"/>
+          </a:xfrm>
+          <a:prstGeom prst="straightConnector1">
+            <a:avLst/>
+          </a:prstGeom>
+          <a:ln>
+            <a:tailEnd type="triangle"/>
+          </a:ln>
+        </p:spPr>
+        <p:style>
+          <a:lnRef idx="1">
+            <a:schemeClr val="dk1"/>
+          </a:lnRef>
+          <a:fillRef idx="0">
+            <a:schemeClr val="dk1"/>
+          </a:fillRef>
+          <a:effectRef idx="0">
+            <a:schemeClr val="dk1"/>
+          </a:effectRef>
+          <a:fontRef idx="minor">
+            <a:schemeClr val="tx1"/>
+          </a:fontRef>
+        </p:style>
+      </p:cxnSp>
+      <p:cxnSp>
+        <p:nvCxnSpPr>
+          <p:cNvPr id="139" name="Straight Arrow Connector 138">
+            <a:extLst>
+              <a:ext uri="{FF2B5EF4-FFF2-40B4-BE49-F238E27FC236}">
+                <a16:creationId xmlns:a16="http://schemas.microsoft.com/office/drawing/2014/main" id="{E3F5DFC7-5AEC-9543-BBB1-EE372D201D17}"/>
+              </a:ext>
+            </a:extLst>
+          </p:cNvPr>
+          <p:cNvCxnSpPr>
+            <a:cxnSpLocks/>
+            <a:stCxn id="7" idx="6"/>
+            <a:endCxn id="43" idx="2"/>
+          </p:cNvCxnSpPr>
+          <p:nvPr/>
+        </p:nvCxnSpPr>
+        <p:spPr>
+          <a:xfrm>
+            <a:off x="1903661" y="4890262"/>
+            <a:ext cx="2839342" cy="1586377"/>
+          </a:xfrm>
+          <a:prstGeom prst="straightConnector1">
+            <a:avLst/>
+          </a:prstGeom>
+          <a:ln>
+            <a:tailEnd type="triangle"/>
+          </a:ln>
+        </p:spPr>
+        <p:style>
+          <a:lnRef idx="1">
+            <a:schemeClr val="dk1"/>
+          </a:lnRef>
+          <a:fillRef idx="0">
+            <a:schemeClr val="dk1"/>
+          </a:fillRef>
+          <a:effectRef idx="0">
+            <a:schemeClr val="dk1"/>
+          </a:effectRef>
+          <a:fontRef idx="minor">
+            <a:schemeClr val="tx1"/>
+          </a:fontRef>
+        </p:style>
+      </p:cxnSp>
+      <p:cxnSp>
+        <p:nvCxnSpPr>
+          <p:cNvPr id="142" name="Straight Arrow Connector 141">
+            <a:extLst>
+              <a:ext uri="{FF2B5EF4-FFF2-40B4-BE49-F238E27FC236}">
+                <a16:creationId xmlns:a16="http://schemas.microsoft.com/office/drawing/2014/main" id="{7E4E4A33-D904-2847-BF75-92A03232AE6A}"/>
+              </a:ext>
+            </a:extLst>
+          </p:cNvPr>
+          <p:cNvCxnSpPr>
+            <a:cxnSpLocks/>
+            <a:stCxn id="9" idx="6"/>
+            <a:endCxn id="30" idx="2"/>
+          </p:cNvCxnSpPr>
+          <p:nvPr/>
+        </p:nvCxnSpPr>
+        <p:spPr>
+          <a:xfrm flipV="1">
+            <a:off x="1903661" y="420716"/>
+            <a:ext cx="2856396" cy="5696983"/>
+          </a:xfrm>
+          <a:prstGeom prst="straightConnector1">
+            <a:avLst/>
+          </a:prstGeom>
+          <a:ln>
+            <a:tailEnd type="triangle"/>
+          </a:ln>
+        </p:spPr>
+        <p:style>
+          <a:lnRef idx="1">
+            <a:schemeClr val="dk1"/>
+          </a:lnRef>
+          <a:fillRef idx="0">
+            <a:schemeClr val="dk1"/>
+          </a:fillRef>
+          <a:effectRef idx="0">
+            <a:schemeClr val="dk1"/>
+          </a:effectRef>
+          <a:fontRef idx="minor">
+            <a:schemeClr val="tx1"/>
+          </a:fontRef>
+        </p:style>
+      </p:cxnSp>
+      <p:cxnSp>
+        <p:nvCxnSpPr>
+          <p:cNvPr id="145" name="Straight Arrow Connector 144">
+            <a:extLst>
+              <a:ext uri="{FF2B5EF4-FFF2-40B4-BE49-F238E27FC236}">
+                <a16:creationId xmlns:a16="http://schemas.microsoft.com/office/drawing/2014/main" id="{7E469FBF-D07B-174D-8C76-AD575A7254C2}"/>
+              </a:ext>
+            </a:extLst>
+          </p:cNvPr>
+          <p:cNvCxnSpPr>
+            <a:cxnSpLocks/>
+            <a:stCxn id="9" idx="6"/>
+            <a:endCxn id="32" idx="2"/>
+          </p:cNvCxnSpPr>
+          <p:nvPr/>
+        </p:nvCxnSpPr>
+        <p:spPr>
+          <a:xfrm flipV="1">
+            <a:off x="1903661" y="1084005"/>
+            <a:ext cx="2859984" cy="5033694"/>
+          </a:xfrm>
+          <a:prstGeom prst="straightConnector1">
+            <a:avLst/>
+          </a:prstGeom>
+          <a:ln>
+            <a:tailEnd type="triangle"/>
+          </a:ln>
+        </p:spPr>
+        <p:style>
+          <a:lnRef idx="1">
+            <a:schemeClr val="dk1"/>
+          </a:lnRef>
+          <a:fillRef idx="0">
+            <a:schemeClr val="dk1"/>
+          </a:fillRef>
+          <a:effectRef idx="0">
+            <a:schemeClr val="dk1"/>
+          </a:effectRef>
+          <a:fontRef idx="minor">
+            <a:schemeClr val="tx1"/>
+          </a:fontRef>
+        </p:style>
+      </p:cxnSp>
+      <p:cxnSp>
+        <p:nvCxnSpPr>
+          <p:cNvPr id="148" name="Straight Arrow Connector 147">
+            <a:extLst>
+              <a:ext uri="{FF2B5EF4-FFF2-40B4-BE49-F238E27FC236}">
+                <a16:creationId xmlns:a16="http://schemas.microsoft.com/office/drawing/2014/main" id="{8F33DAE7-39F9-9E47-B0C2-0D929929E474}"/>
+              </a:ext>
+            </a:extLst>
+          </p:cNvPr>
+          <p:cNvCxnSpPr>
+            <a:cxnSpLocks/>
+            <a:stCxn id="9" idx="6"/>
+            <a:endCxn id="33" idx="2"/>
+          </p:cNvCxnSpPr>
+          <p:nvPr/>
+        </p:nvCxnSpPr>
+        <p:spPr>
+          <a:xfrm flipV="1">
+            <a:off x="1903661" y="1784656"/>
+            <a:ext cx="2859984" cy="4333043"/>
+          </a:xfrm>
+          <a:prstGeom prst="straightConnector1">
+            <a:avLst/>
+          </a:prstGeom>
+          <a:ln>
+            <a:tailEnd type="triangle"/>
+          </a:ln>
+        </p:spPr>
+        <p:style>
+          <a:lnRef idx="1">
+            <a:schemeClr val="dk1"/>
+          </a:lnRef>
+          <a:fillRef idx="0">
+            <a:schemeClr val="dk1"/>
+          </a:fillRef>
+          <a:effectRef idx="0">
+            <a:schemeClr val="dk1"/>
+          </a:effectRef>
+          <a:fontRef idx="minor">
+            <a:schemeClr val="tx1"/>
+          </a:fontRef>
+        </p:style>
+      </p:cxnSp>
+      <p:cxnSp>
+        <p:nvCxnSpPr>
+          <p:cNvPr id="151" name="Straight Arrow Connector 150">
+            <a:extLst>
+              <a:ext uri="{FF2B5EF4-FFF2-40B4-BE49-F238E27FC236}">
+                <a16:creationId xmlns:a16="http://schemas.microsoft.com/office/drawing/2014/main" id="{64D58186-D0DF-9E41-9041-9A965EECB58F}"/>
+              </a:ext>
+            </a:extLst>
+          </p:cNvPr>
+          <p:cNvCxnSpPr>
+            <a:cxnSpLocks/>
+            <a:stCxn id="9" idx="6"/>
+            <a:endCxn id="34" idx="2"/>
+          </p:cNvCxnSpPr>
+          <p:nvPr/>
+        </p:nvCxnSpPr>
+        <p:spPr>
+          <a:xfrm flipV="1">
+            <a:off x="1903661" y="2483543"/>
+            <a:ext cx="2859984" cy="3634156"/>
+          </a:xfrm>
+          <a:prstGeom prst="straightConnector1">
+            <a:avLst/>
+          </a:prstGeom>
+          <a:ln>
+            <a:tailEnd type="triangle"/>
+          </a:ln>
+        </p:spPr>
+        <p:style>
+          <a:lnRef idx="1">
+            <a:schemeClr val="dk1"/>
+          </a:lnRef>
+          <a:fillRef idx="0">
+            <a:schemeClr val="dk1"/>
+          </a:fillRef>
+          <a:effectRef idx="0">
+            <a:schemeClr val="dk1"/>
+          </a:effectRef>
+          <a:fontRef idx="minor">
+            <a:schemeClr val="tx1"/>
+          </a:fontRef>
+        </p:style>
+      </p:cxnSp>
+      <p:cxnSp>
+        <p:nvCxnSpPr>
+          <p:cNvPr id="154" name="Straight Arrow Connector 153">
+            <a:extLst>
+              <a:ext uri="{FF2B5EF4-FFF2-40B4-BE49-F238E27FC236}">
+                <a16:creationId xmlns:a16="http://schemas.microsoft.com/office/drawing/2014/main" id="{46E63A9D-9B07-3842-9041-EC69CC54DA2B}"/>
+              </a:ext>
+            </a:extLst>
+          </p:cNvPr>
+          <p:cNvCxnSpPr>
+            <a:cxnSpLocks/>
+            <a:stCxn id="9" idx="6"/>
+            <a:endCxn id="36" idx="2"/>
+          </p:cNvCxnSpPr>
+          <p:nvPr/>
+        </p:nvCxnSpPr>
+        <p:spPr>
+          <a:xfrm flipV="1">
+            <a:off x="1903661" y="3133568"/>
+            <a:ext cx="2850482" cy="2984131"/>
+          </a:xfrm>
+          <a:prstGeom prst="straightConnector1">
+            <a:avLst/>
+          </a:prstGeom>
+          <a:ln>
+            <a:tailEnd type="triangle"/>
+          </a:ln>
+        </p:spPr>
+        <p:style>
+          <a:lnRef idx="1">
+            <a:schemeClr val="dk1"/>
+          </a:lnRef>
+          <a:fillRef idx="0">
+            <a:schemeClr val="dk1"/>
+          </a:fillRef>
+          <a:effectRef idx="0">
+            <a:schemeClr val="dk1"/>
+          </a:effectRef>
+          <a:fontRef idx="minor">
+            <a:schemeClr val="tx1"/>
+          </a:fontRef>
+        </p:style>
+      </p:cxnSp>
+      <p:cxnSp>
+        <p:nvCxnSpPr>
+          <p:cNvPr id="157" name="Straight Arrow Connector 156">
+            <a:extLst>
+              <a:ext uri="{FF2B5EF4-FFF2-40B4-BE49-F238E27FC236}">
+                <a16:creationId xmlns:a16="http://schemas.microsoft.com/office/drawing/2014/main" id="{A43821F8-9136-564B-9E74-0BAE139A0013}"/>
+              </a:ext>
+            </a:extLst>
+          </p:cNvPr>
+          <p:cNvCxnSpPr>
+            <a:cxnSpLocks/>
+            <a:stCxn id="9" idx="6"/>
+            <a:endCxn id="37" idx="2"/>
+          </p:cNvCxnSpPr>
+          <p:nvPr/>
+        </p:nvCxnSpPr>
+        <p:spPr>
+          <a:xfrm flipV="1">
+            <a:off x="1903661" y="3812010"/>
+            <a:ext cx="2845084" cy="2305689"/>
+          </a:xfrm>
+          <a:prstGeom prst="straightConnector1">
+            <a:avLst/>
+          </a:prstGeom>
+          <a:ln>
+            <a:tailEnd type="triangle"/>
+          </a:ln>
+        </p:spPr>
+        <p:style>
+          <a:lnRef idx="1">
+            <a:schemeClr val="dk1"/>
+          </a:lnRef>
+          <a:fillRef idx="0">
+            <a:schemeClr val="dk1"/>
+          </a:fillRef>
+          <a:effectRef idx="0">
+            <a:schemeClr val="dk1"/>
+          </a:effectRef>
+          <a:fontRef idx="minor">
+            <a:schemeClr val="tx1"/>
+          </a:fontRef>
+        </p:style>
+      </p:cxnSp>
+      <p:cxnSp>
+        <p:nvCxnSpPr>
+          <p:cNvPr id="160" name="Straight Arrow Connector 159">
+            <a:extLst>
+              <a:ext uri="{FF2B5EF4-FFF2-40B4-BE49-F238E27FC236}">
+                <a16:creationId xmlns:a16="http://schemas.microsoft.com/office/drawing/2014/main" id="{D8237CD5-2108-674B-AE41-EE105EB7AE3E}"/>
+              </a:ext>
+            </a:extLst>
+          </p:cNvPr>
+          <p:cNvCxnSpPr>
+            <a:cxnSpLocks/>
+            <a:stCxn id="9" idx="6"/>
+            <a:endCxn id="39" idx="2"/>
+          </p:cNvCxnSpPr>
+          <p:nvPr/>
+        </p:nvCxnSpPr>
+        <p:spPr>
+          <a:xfrm flipV="1">
+            <a:off x="1903661" y="4533106"/>
+            <a:ext cx="2845084" cy="1584593"/>
+          </a:xfrm>
+          <a:prstGeom prst="straightConnector1">
+            <a:avLst/>
+          </a:prstGeom>
+          <a:ln>
+            <a:tailEnd type="triangle"/>
+          </a:ln>
+        </p:spPr>
+        <p:style>
+          <a:lnRef idx="1">
+            <a:schemeClr val="dk1"/>
+          </a:lnRef>
+          <a:fillRef idx="0">
+            <a:schemeClr val="dk1"/>
+          </a:fillRef>
+          <a:effectRef idx="0">
+            <a:schemeClr val="dk1"/>
+          </a:effectRef>
+          <a:fontRef idx="minor">
+            <a:schemeClr val="tx1"/>
+          </a:fontRef>
+        </p:style>
+      </p:cxnSp>
+      <p:cxnSp>
+        <p:nvCxnSpPr>
+          <p:cNvPr id="163" name="Straight Arrow Connector 162">
+            <a:extLst>
+              <a:ext uri="{FF2B5EF4-FFF2-40B4-BE49-F238E27FC236}">
+                <a16:creationId xmlns:a16="http://schemas.microsoft.com/office/drawing/2014/main" id="{DCFA43F7-699E-9946-98EC-E4E5EB53A3D2}"/>
+              </a:ext>
+            </a:extLst>
+          </p:cNvPr>
+          <p:cNvCxnSpPr>
+            <a:cxnSpLocks/>
+            <a:stCxn id="9" idx="6"/>
+            <a:endCxn id="40" idx="2"/>
+          </p:cNvCxnSpPr>
+          <p:nvPr/>
+        </p:nvCxnSpPr>
+        <p:spPr>
+          <a:xfrm flipV="1">
+            <a:off x="1903661" y="5170280"/>
+            <a:ext cx="2845084" cy="947419"/>
+          </a:xfrm>
+          <a:prstGeom prst="straightConnector1">
+            <a:avLst/>
+          </a:prstGeom>
+          <a:ln>
+            <a:tailEnd type="triangle"/>
+          </a:ln>
+        </p:spPr>
+        <p:style>
+          <a:lnRef idx="1">
+            <a:schemeClr val="dk1"/>
+          </a:lnRef>
+          <a:fillRef idx="0">
+            <a:schemeClr val="dk1"/>
+          </a:fillRef>
+          <a:effectRef idx="0">
+            <a:schemeClr val="dk1"/>
+          </a:effectRef>
+          <a:fontRef idx="minor">
+            <a:schemeClr val="tx1"/>
+          </a:fontRef>
+        </p:style>
+      </p:cxnSp>
+      <p:cxnSp>
+        <p:nvCxnSpPr>
+          <p:cNvPr id="166" name="Straight Arrow Connector 165">
+            <a:extLst>
+              <a:ext uri="{FF2B5EF4-FFF2-40B4-BE49-F238E27FC236}">
+                <a16:creationId xmlns:a16="http://schemas.microsoft.com/office/drawing/2014/main" id="{9F0C679B-A326-E24B-8FFE-0579DEF87E3E}"/>
+              </a:ext>
+            </a:extLst>
+          </p:cNvPr>
+          <p:cNvCxnSpPr>
+            <a:cxnSpLocks/>
+            <a:stCxn id="9" idx="6"/>
+            <a:endCxn id="42" idx="2"/>
+          </p:cNvCxnSpPr>
+          <p:nvPr/>
+        </p:nvCxnSpPr>
+        <p:spPr>
+          <a:xfrm flipV="1">
+            <a:off x="1903661" y="5807454"/>
+            <a:ext cx="2839342" cy="310245"/>
+          </a:xfrm>
+          <a:prstGeom prst="straightConnector1">
+            <a:avLst/>
+          </a:prstGeom>
+          <a:ln>
+            <a:tailEnd type="triangle"/>
+          </a:ln>
+        </p:spPr>
+        <p:style>
+          <a:lnRef idx="1">
+            <a:schemeClr val="dk1"/>
+          </a:lnRef>
+          <a:fillRef idx="0">
+            <a:schemeClr val="dk1"/>
+          </a:fillRef>
+          <a:effectRef idx="0">
+            <a:schemeClr val="dk1"/>
+          </a:effectRef>
+          <a:fontRef idx="minor">
+            <a:schemeClr val="tx1"/>
+          </a:fontRef>
+        </p:style>
+      </p:cxnSp>
+      <p:cxnSp>
+        <p:nvCxnSpPr>
+          <p:cNvPr id="169" name="Straight Arrow Connector 168">
+            <a:extLst>
+              <a:ext uri="{FF2B5EF4-FFF2-40B4-BE49-F238E27FC236}">
+                <a16:creationId xmlns:a16="http://schemas.microsoft.com/office/drawing/2014/main" id="{498718CA-4E15-6A40-98B5-A5E870A7F44F}"/>
+              </a:ext>
+            </a:extLst>
+          </p:cNvPr>
+          <p:cNvCxnSpPr>
+            <a:cxnSpLocks/>
+            <a:stCxn id="9" idx="6"/>
+            <a:endCxn id="43" idx="2"/>
+          </p:cNvCxnSpPr>
+          <p:nvPr/>
+        </p:nvCxnSpPr>
+        <p:spPr>
+          <a:xfrm>
+            <a:off x="1903661" y="6117699"/>
+            <a:ext cx="2839342" cy="358940"/>
+          </a:xfrm>
+          <a:prstGeom prst="straightConnector1">
+            <a:avLst/>
+          </a:prstGeom>
+          <a:ln>
+            <a:tailEnd type="triangle"/>
+          </a:ln>
+        </p:spPr>
+        <p:style>
+          <a:lnRef idx="1">
+            <a:schemeClr val="dk1"/>
+          </a:lnRef>
+          <a:fillRef idx="0">
+            <a:schemeClr val="dk1"/>
+          </a:fillRef>
+          <a:effectRef idx="0">
+            <a:schemeClr val="dk1"/>
+          </a:effectRef>
+          <a:fontRef idx="minor">
+            <a:schemeClr val="tx1"/>
+          </a:fontRef>
+        </p:style>
+      </p:cxnSp>
+      <p:cxnSp>
+        <p:nvCxnSpPr>
+          <p:cNvPr id="172" name="Straight Arrow Connector 171">
+            <a:extLst>
+              <a:ext uri="{FF2B5EF4-FFF2-40B4-BE49-F238E27FC236}">
+                <a16:creationId xmlns:a16="http://schemas.microsoft.com/office/drawing/2014/main" id="{94ADF53C-F777-5C4D-A1AF-1D5625E1454D}"/>
+              </a:ext>
+            </a:extLst>
+          </p:cNvPr>
+          <p:cNvCxnSpPr>
+            <a:cxnSpLocks/>
+            <a:stCxn id="10" idx="6"/>
+            <a:endCxn id="45" idx="2"/>
+          </p:cNvCxnSpPr>
+          <p:nvPr/>
+        </p:nvCxnSpPr>
+        <p:spPr>
+          <a:xfrm>
+            <a:off x="8229599" y="1282251"/>
+            <a:ext cx="2273512" cy="2455166"/>
+          </a:xfrm>
+          <a:prstGeom prst="straightConnector1">
+            <a:avLst/>
+          </a:prstGeom>
+          <a:ln>
+            <a:tailEnd type="triangle"/>
+          </a:ln>
+        </p:spPr>
+        <p:style>
+          <a:lnRef idx="1">
+            <a:schemeClr val="dk1"/>
+          </a:lnRef>
+          <a:fillRef idx="0">
+            <a:schemeClr val="dk1"/>
+          </a:fillRef>
+          <a:effectRef idx="0">
+            <a:schemeClr val="dk1"/>
+          </a:effectRef>
+          <a:fontRef idx="minor">
+            <a:schemeClr val="tx1"/>
+          </a:fontRef>
+        </p:style>
+      </p:cxnSp>
+      <p:cxnSp>
+        <p:nvCxnSpPr>
+          <p:cNvPr id="175" name="Straight Arrow Connector 174">
+            <a:extLst>
+              <a:ext uri="{FF2B5EF4-FFF2-40B4-BE49-F238E27FC236}">
+                <a16:creationId xmlns:a16="http://schemas.microsoft.com/office/drawing/2014/main" id="{4B4CA976-FC48-8340-88AE-A5E00F5196A7}"/>
+              </a:ext>
+            </a:extLst>
+          </p:cNvPr>
+          <p:cNvCxnSpPr>
+            <a:cxnSpLocks/>
+            <a:stCxn id="11" idx="6"/>
+            <a:endCxn id="45" idx="2"/>
+          </p:cNvCxnSpPr>
+          <p:nvPr/>
+        </p:nvCxnSpPr>
+        <p:spPr>
+          <a:xfrm>
+            <a:off x="8229599" y="2447900"/>
+            <a:ext cx="2273512" cy="1289517"/>
+          </a:xfrm>
+          <a:prstGeom prst="straightConnector1">
+            <a:avLst/>
+          </a:prstGeom>
+          <a:ln>
+            <a:tailEnd type="triangle"/>
+          </a:ln>
+        </p:spPr>
+        <p:style>
+          <a:lnRef idx="1">
+            <a:schemeClr val="dk1"/>
+          </a:lnRef>
+          <a:fillRef idx="0">
+            <a:schemeClr val="dk1"/>
+          </a:fillRef>
+          <a:effectRef idx="0">
+            <a:schemeClr val="dk1"/>
+          </a:effectRef>
+          <a:fontRef idx="minor">
+            <a:schemeClr val="tx1"/>
+          </a:fontRef>
+        </p:style>
+      </p:cxnSp>
+      <p:cxnSp>
+        <p:nvCxnSpPr>
+          <p:cNvPr id="179" name="Straight Arrow Connector 178">
+            <a:extLst>
+              <a:ext uri="{FF2B5EF4-FFF2-40B4-BE49-F238E27FC236}">
+                <a16:creationId xmlns:a16="http://schemas.microsoft.com/office/drawing/2014/main" id="{D15A4448-07AC-AE4B-824C-D238932703EE}"/>
+              </a:ext>
+            </a:extLst>
+          </p:cNvPr>
+          <p:cNvCxnSpPr>
+            <a:cxnSpLocks/>
+            <a:stCxn id="26" idx="6"/>
+            <a:endCxn id="45" idx="2"/>
+          </p:cNvCxnSpPr>
+          <p:nvPr/>
+        </p:nvCxnSpPr>
+        <p:spPr>
+          <a:xfrm>
+            <a:off x="8229599" y="3662824"/>
+            <a:ext cx="2273512" cy="74593"/>
+          </a:xfrm>
+          <a:prstGeom prst="straightConnector1">
+            <a:avLst/>
+          </a:prstGeom>
+          <a:ln>
+            <a:tailEnd type="triangle"/>
+          </a:ln>
+        </p:spPr>
+        <p:style>
+          <a:lnRef idx="1">
+            <a:schemeClr val="dk1"/>
+          </a:lnRef>
+          <a:fillRef idx="0">
+            <a:schemeClr val="dk1"/>
+          </a:fillRef>
+          <a:effectRef idx="0">
+            <a:schemeClr val="dk1"/>
+          </a:effectRef>
+          <a:fontRef idx="minor">
+            <a:schemeClr val="tx1"/>
+          </a:fontRef>
+        </p:style>
+      </p:cxnSp>
+      <p:cxnSp>
+        <p:nvCxnSpPr>
+          <p:cNvPr id="182" name="Straight Arrow Connector 181">
+            <a:extLst>
+              <a:ext uri="{FF2B5EF4-FFF2-40B4-BE49-F238E27FC236}">
+                <a16:creationId xmlns:a16="http://schemas.microsoft.com/office/drawing/2014/main" id="{94B1E0B4-D7FF-EF4D-9201-9A46CC5BB45D}"/>
+              </a:ext>
+            </a:extLst>
+          </p:cNvPr>
+          <p:cNvCxnSpPr>
+            <a:cxnSpLocks/>
+            <a:stCxn id="27" idx="6"/>
+            <a:endCxn id="45" idx="2"/>
+          </p:cNvCxnSpPr>
+          <p:nvPr/>
+        </p:nvCxnSpPr>
+        <p:spPr>
+          <a:xfrm flipV="1">
+            <a:off x="8229598" y="3737417"/>
+            <a:ext cx="2273513" cy="1152845"/>
+          </a:xfrm>
+          <a:prstGeom prst="straightConnector1">
+            <a:avLst/>
+          </a:prstGeom>
+          <a:ln>
+            <a:tailEnd type="triangle"/>
+          </a:ln>
+        </p:spPr>
+        <p:style>
+          <a:lnRef idx="1">
+            <a:schemeClr val="dk1"/>
+          </a:lnRef>
+          <a:fillRef idx="0">
+            <a:schemeClr val="dk1"/>
+          </a:fillRef>
+          <a:effectRef idx="0">
+            <a:schemeClr val="dk1"/>
+          </a:effectRef>
+          <a:fontRef idx="minor">
+            <a:schemeClr val="tx1"/>
+          </a:fontRef>
+        </p:style>
+      </p:cxnSp>
+      <p:cxnSp>
+        <p:nvCxnSpPr>
+          <p:cNvPr id="185" name="Straight Arrow Connector 184">
+            <a:extLst>
+              <a:ext uri="{FF2B5EF4-FFF2-40B4-BE49-F238E27FC236}">
+                <a16:creationId xmlns:a16="http://schemas.microsoft.com/office/drawing/2014/main" id="{B17AE509-2020-0747-A493-CBCCD75DE8A7}"/>
+              </a:ext>
+            </a:extLst>
+          </p:cNvPr>
+          <p:cNvCxnSpPr>
+            <a:cxnSpLocks/>
+            <a:stCxn id="29" idx="6"/>
+            <a:endCxn id="45" idx="2"/>
+          </p:cNvCxnSpPr>
+          <p:nvPr/>
+        </p:nvCxnSpPr>
+        <p:spPr>
+          <a:xfrm flipV="1">
+            <a:off x="8229598" y="3737417"/>
+            <a:ext cx="2273513" cy="2380282"/>
+          </a:xfrm>
+          <a:prstGeom prst="straightConnector1">
+            <a:avLst/>
+          </a:prstGeom>
+          <a:ln>
+            <a:tailEnd type="triangle"/>
+          </a:ln>
+        </p:spPr>
+        <p:style>
+          <a:lnRef idx="1">
+            <a:schemeClr val="dk1"/>
+          </a:lnRef>
+          <a:fillRef idx="0">
+            <a:schemeClr val="dk1"/>
+          </a:fillRef>
+          <a:effectRef idx="0">
+            <a:schemeClr val="dk1"/>
+          </a:effectRef>
+          <a:fontRef idx="minor">
+            <a:schemeClr val="tx1"/>
+          </a:fontRef>
+        </p:style>
+      </p:cxnSp>
+      <p:cxnSp>
+        <p:nvCxnSpPr>
+          <p:cNvPr id="193" name="Straight Arrow Connector 192">
+            <a:extLst>
+              <a:ext uri="{FF2B5EF4-FFF2-40B4-BE49-F238E27FC236}">
+                <a16:creationId xmlns:a16="http://schemas.microsoft.com/office/drawing/2014/main" id="{65723838-09D1-4B47-874D-7E5039E9453D}"/>
+              </a:ext>
+            </a:extLst>
+          </p:cNvPr>
+          <p:cNvCxnSpPr>
+            <a:cxnSpLocks/>
+            <a:stCxn id="30" idx="6"/>
+            <a:endCxn id="10" idx="2"/>
+          </p:cNvCxnSpPr>
+          <p:nvPr/>
+        </p:nvCxnSpPr>
+        <p:spPr>
+          <a:xfrm>
+            <a:off x="5259223" y="420716"/>
+            <a:ext cx="2405477" cy="861535"/>
+          </a:xfrm>
+          <a:prstGeom prst="straightConnector1">
+            <a:avLst/>
+          </a:prstGeom>
+          <a:ln>
+            <a:tailEnd type="triangle"/>
+          </a:ln>
+        </p:spPr>
+        <p:style>
+          <a:lnRef idx="1">
+            <a:schemeClr val="dk1"/>
+          </a:lnRef>
+          <a:fillRef idx="0">
+            <a:schemeClr val="dk1"/>
+          </a:fillRef>
+          <a:effectRef idx="0">
+            <a:schemeClr val="dk1"/>
+          </a:effectRef>
+          <a:fontRef idx="minor">
+            <a:schemeClr val="tx1"/>
+          </a:fontRef>
+        </p:style>
+      </p:cxnSp>
+      <p:cxnSp>
+        <p:nvCxnSpPr>
+          <p:cNvPr id="196" name="Straight Arrow Connector 195">
+            <a:extLst>
+              <a:ext uri="{FF2B5EF4-FFF2-40B4-BE49-F238E27FC236}">
+                <a16:creationId xmlns:a16="http://schemas.microsoft.com/office/drawing/2014/main" id="{ADD781D0-1431-5B4F-9045-7B2E9FD67318}"/>
+              </a:ext>
+            </a:extLst>
+          </p:cNvPr>
+          <p:cNvCxnSpPr>
+            <a:cxnSpLocks/>
+            <a:stCxn id="32" idx="6"/>
+            <a:endCxn id="10" idx="2"/>
+          </p:cNvCxnSpPr>
+          <p:nvPr/>
+        </p:nvCxnSpPr>
+        <p:spPr>
+          <a:xfrm>
+            <a:off x="5262811" y="1084005"/>
+            <a:ext cx="2401889" cy="198246"/>
+          </a:xfrm>
+          <a:prstGeom prst="straightConnector1">
+            <a:avLst/>
+          </a:prstGeom>
+          <a:ln>
+            <a:tailEnd type="triangle"/>
+          </a:ln>
+        </p:spPr>
+        <p:style>
+          <a:lnRef idx="1">
+            <a:schemeClr val="dk1"/>
+          </a:lnRef>
+          <a:fillRef idx="0">
+            <a:schemeClr val="dk1"/>
+          </a:fillRef>
+          <a:effectRef idx="0">
+            <a:schemeClr val="dk1"/>
+          </a:effectRef>
+          <a:fontRef idx="minor">
+            <a:schemeClr val="tx1"/>
+          </a:fontRef>
+        </p:style>
+      </p:cxnSp>
+      <p:cxnSp>
+        <p:nvCxnSpPr>
+          <p:cNvPr id="199" name="Straight Arrow Connector 198">
+            <a:extLst>
+              <a:ext uri="{FF2B5EF4-FFF2-40B4-BE49-F238E27FC236}">
+                <a16:creationId xmlns:a16="http://schemas.microsoft.com/office/drawing/2014/main" id="{E518B364-7F3B-8741-B5F4-1B76182B1027}"/>
+              </a:ext>
+            </a:extLst>
+          </p:cNvPr>
+          <p:cNvCxnSpPr>
+            <a:cxnSpLocks/>
+            <a:stCxn id="33" idx="6"/>
+            <a:endCxn id="10" idx="2"/>
+          </p:cNvCxnSpPr>
+          <p:nvPr/>
+        </p:nvCxnSpPr>
+        <p:spPr>
+          <a:xfrm flipV="1">
+            <a:off x="5262811" y="1282251"/>
+            <a:ext cx="2401889" cy="502405"/>
+          </a:xfrm>
+          <a:prstGeom prst="straightConnector1">
+            <a:avLst/>
+          </a:prstGeom>
+          <a:ln>
+            <a:tailEnd type="triangle"/>
+          </a:ln>
+        </p:spPr>
+        <p:style>
+          <a:lnRef idx="1">
+            <a:schemeClr val="dk1"/>
+          </a:lnRef>
+          <a:fillRef idx="0">
+            <a:schemeClr val="dk1"/>
+          </a:fillRef>
+          <a:effectRef idx="0">
+            <a:schemeClr val="dk1"/>
+          </a:effectRef>
+          <a:fontRef idx="minor">
+            <a:schemeClr val="tx1"/>
+          </a:fontRef>
+        </p:style>
+      </p:cxnSp>
+      <p:cxnSp>
+        <p:nvCxnSpPr>
+          <p:cNvPr id="202" name="Straight Arrow Connector 201">
+            <a:extLst>
+              <a:ext uri="{FF2B5EF4-FFF2-40B4-BE49-F238E27FC236}">
+                <a16:creationId xmlns:a16="http://schemas.microsoft.com/office/drawing/2014/main" id="{B165C19E-09BE-2547-A496-2ABE288BE66F}"/>
+              </a:ext>
+            </a:extLst>
+          </p:cNvPr>
+          <p:cNvCxnSpPr>
+            <a:cxnSpLocks/>
+            <a:stCxn id="34" idx="6"/>
+            <a:endCxn id="10" idx="2"/>
+          </p:cNvCxnSpPr>
+          <p:nvPr/>
+        </p:nvCxnSpPr>
+        <p:spPr>
+          <a:xfrm flipV="1">
+            <a:off x="5262811" y="1282251"/>
+            <a:ext cx="2401889" cy="1201292"/>
+          </a:xfrm>
+          <a:prstGeom prst="straightConnector1">
+            <a:avLst/>
+          </a:prstGeom>
+          <a:ln>
+            <a:tailEnd type="triangle"/>
+          </a:ln>
+        </p:spPr>
+        <p:style>
+          <a:lnRef idx="1">
+            <a:schemeClr val="dk1"/>
+          </a:lnRef>
+          <a:fillRef idx="0">
+            <a:schemeClr val="dk1"/>
+          </a:fillRef>
+          <a:effectRef idx="0">
+            <a:schemeClr val="dk1"/>
+          </a:effectRef>
+          <a:fontRef idx="minor">
+            <a:schemeClr val="tx1"/>
+          </a:fontRef>
+        </p:style>
+      </p:cxnSp>
+      <p:cxnSp>
+        <p:nvCxnSpPr>
+          <p:cNvPr id="206" name="Straight Arrow Connector 205">
+            <a:extLst>
+              <a:ext uri="{FF2B5EF4-FFF2-40B4-BE49-F238E27FC236}">
+                <a16:creationId xmlns:a16="http://schemas.microsoft.com/office/drawing/2014/main" id="{D0F72D8C-78BF-6249-876E-C99CD18A6B5C}"/>
+              </a:ext>
+            </a:extLst>
+          </p:cNvPr>
+          <p:cNvCxnSpPr>
+            <a:cxnSpLocks/>
+            <a:stCxn id="36" idx="6"/>
+            <a:endCxn id="10" idx="2"/>
+          </p:cNvCxnSpPr>
+          <p:nvPr/>
+        </p:nvCxnSpPr>
+        <p:spPr>
+          <a:xfrm flipV="1">
+            <a:off x="5253309" y="1282251"/>
+            <a:ext cx="2411391" cy="1851317"/>
+          </a:xfrm>
+          <a:prstGeom prst="straightConnector1">
+            <a:avLst/>
+          </a:prstGeom>
+          <a:ln>
+            <a:tailEnd type="triangle"/>
+          </a:ln>
+        </p:spPr>
+        <p:style>
+          <a:lnRef idx="1">
+            <a:schemeClr val="dk1"/>
+          </a:lnRef>
+          <a:fillRef idx="0">
+            <a:schemeClr val="dk1"/>
+          </a:fillRef>
+          <a:effectRef idx="0">
+            <a:schemeClr val="dk1"/>
+          </a:effectRef>
+          <a:fontRef idx="minor">
+            <a:schemeClr val="tx1"/>
+          </a:fontRef>
+        </p:style>
+      </p:cxnSp>
+      <p:cxnSp>
+        <p:nvCxnSpPr>
+          <p:cNvPr id="209" name="Straight Arrow Connector 208">
+            <a:extLst>
+              <a:ext uri="{FF2B5EF4-FFF2-40B4-BE49-F238E27FC236}">
+                <a16:creationId xmlns:a16="http://schemas.microsoft.com/office/drawing/2014/main" id="{5EAA283F-9D43-0B49-9D69-CE7BDCC10AC2}"/>
+              </a:ext>
+            </a:extLst>
+          </p:cNvPr>
+          <p:cNvCxnSpPr>
+            <a:cxnSpLocks/>
+            <a:stCxn id="37" idx="6"/>
+            <a:endCxn id="10" idx="2"/>
+          </p:cNvCxnSpPr>
+          <p:nvPr/>
+        </p:nvCxnSpPr>
+        <p:spPr>
+          <a:xfrm flipV="1">
+            <a:off x="5247911" y="1282251"/>
+            <a:ext cx="2416789" cy="2529759"/>
+          </a:xfrm>
+          <a:prstGeom prst="straightConnector1">
+            <a:avLst/>
+          </a:prstGeom>
+          <a:ln>
+            <a:tailEnd type="triangle"/>
+          </a:ln>
+        </p:spPr>
+        <p:style>
+          <a:lnRef idx="1">
+            <a:schemeClr val="dk1"/>
+          </a:lnRef>
+          <a:fillRef idx="0">
+            <a:schemeClr val="dk1"/>
+          </a:fillRef>
+          <a:effectRef idx="0">
+            <a:schemeClr val="dk1"/>
+          </a:effectRef>
+          <a:fontRef idx="minor">
+            <a:schemeClr val="tx1"/>
+          </a:fontRef>
+        </p:style>
+      </p:cxnSp>
+      <p:cxnSp>
+        <p:nvCxnSpPr>
+          <p:cNvPr id="212" name="Straight Arrow Connector 211">
+            <a:extLst>
+              <a:ext uri="{FF2B5EF4-FFF2-40B4-BE49-F238E27FC236}">
+                <a16:creationId xmlns:a16="http://schemas.microsoft.com/office/drawing/2014/main" id="{2EAF7209-0B43-1D49-85DC-2DABEC09E2BE}"/>
+              </a:ext>
+            </a:extLst>
+          </p:cNvPr>
+          <p:cNvCxnSpPr>
+            <a:cxnSpLocks/>
+            <a:stCxn id="39" idx="6"/>
+            <a:endCxn id="10" idx="2"/>
+          </p:cNvCxnSpPr>
+          <p:nvPr/>
+        </p:nvCxnSpPr>
+        <p:spPr>
+          <a:xfrm flipV="1">
+            <a:off x="5247911" y="1282251"/>
+            <a:ext cx="2416789" cy="3250855"/>
+          </a:xfrm>
+          <a:prstGeom prst="straightConnector1">
+            <a:avLst/>
+          </a:prstGeom>
+          <a:ln>
+            <a:tailEnd type="triangle"/>
+          </a:ln>
+        </p:spPr>
+        <p:style>
+          <a:lnRef idx="1">
+            <a:schemeClr val="dk1"/>
+          </a:lnRef>
+          <a:fillRef idx="0">
+            <a:schemeClr val="dk1"/>
+          </a:fillRef>
+          <a:effectRef idx="0">
+            <a:schemeClr val="dk1"/>
+          </a:effectRef>
+          <a:fontRef idx="minor">
+            <a:schemeClr val="tx1"/>
+          </a:fontRef>
+        </p:style>
+      </p:cxnSp>
+      <p:cxnSp>
+        <p:nvCxnSpPr>
+          <p:cNvPr id="215" name="Straight Arrow Connector 214">
+            <a:extLst>
+              <a:ext uri="{FF2B5EF4-FFF2-40B4-BE49-F238E27FC236}">
+                <a16:creationId xmlns:a16="http://schemas.microsoft.com/office/drawing/2014/main" id="{61266852-95D4-2444-9F28-0B810603CA12}"/>
+              </a:ext>
+            </a:extLst>
+          </p:cNvPr>
+          <p:cNvCxnSpPr>
+            <a:cxnSpLocks/>
+            <a:stCxn id="40" idx="6"/>
+            <a:endCxn id="10" idx="2"/>
+          </p:cNvCxnSpPr>
+          <p:nvPr/>
+        </p:nvCxnSpPr>
+        <p:spPr>
+          <a:xfrm flipV="1">
+            <a:off x="5247911" y="1282251"/>
+            <a:ext cx="2416789" cy="3888029"/>
+          </a:xfrm>
+          <a:prstGeom prst="straightConnector1">
+            <a:avLst/>
+          </a:prstGeom>
+          <a:ln>
+            <a:tailEnd type="triangle"/>
+          </a:ln>
+        </p:spPr>
+        <p:style>
+          <a:lnRef idx="1">
+            <a:schemeClr val="dk1"/>
+          </a:lnRef>
+          <a:fillRef idx="0">
+            <a:schemeClr val="dk1"/>
+          </a:fillRef>
+          <a:effectRef idx="0">
+            <a:schemeClr val="dk1"/>
+          </a:effectRef>
+          <a:fontRef idx="minor">
+            <a:schemeClr val="tx1"/>
+          </a:fontRef>
+        </p:style>
+      </p:cxnSp>
+      <p:cxnSp>
+        <p:nvCxnSpPr>
+          <p:cNvPr id="218" name="Straight Arrow Connector 217">
+            <a:extLst>
+              <a:ext uri="{FF2B5EF4-FFF2-40B4-BE49-F238E27FC236}">
+                <a16:creationId xmlns:a16="http://schemas.microsoft.com/office/drawing/2014/main" id="{A764AF02-6B05-C441-B20E-B16E4B3A8436}"/>
+              </a:ext>
+            </a:extLst>
+          </p:cNvPr>
+          <p:cNvCxnSpPr>
+            <a:cxnSpLocks/>
+            <a:stCxn id="42" idx="6"/>
+            <a:endCxn id="10" idx="2"/>
+          </p:cNvCxnSpPr>
+          <p:nvPr/>
+        </p:nvCxnSpPr>
+        <p:spPr>
+          <a:xfrm flipV="1">
+            <a:off x="5242169" y="1282251"/>
+            <a:ext cx="2422531" cy="4525203"/>
+          </a:xfrm>
+          <a:prstGeom prst="straightConnector1">
+            <a:avLst/>
+          </a:prstGeom>
+          <a:ln>
+            <a:tailEnd type="triangle"/>
+          </a:ln>
+        </p:spPr>
+        <p:style>
+          <a:lnRef idx="1">
+            <a:schemeClr val="dk1"/>
+          </a:lnRef>
+          <a:fillRef idx="0">
+            <a:schemeClr val="dk1"/>
+          </a:fillRef>
+          <a:effectRef idx="0">
+            <a:schemeClr val="dk1"/>
+          </a:effectRef>
+          <a:fontRef idx="minor">
+            <a:schemeClr val="tx1"/>
+          </a:fontRef>
+        </p:style>
+      </p:cxnSp>
+      <p:cxnSp>
+        <p:nvCxnSpPr>
+          <p:cNvPr id="221" name="Straight Arrow Connector 220">
+            <a:extLst>
+              <a:ext uri="{FF2B5EF4-FFF2-40B4-BE49-F238E27FC236}">
+                <a16:creationId xmlns:a16="http://schemas.microsoft.com/office/drawing/2014/main" id="{3CCD7590-F192-3B4E-9B91-F8BD226AC12E}"/>
+              </a:ext>
+            </a:extLst>
+          </p:cNvPr>
+          <p:cNvCxnSpPr>
+            <a:cxnSpLocks/>
+            <a:stCxn id="43" idx="6"/>
+            <a:endCxn id="10" idx="2"/>
+          </p:cNvCxnSpPr>
+          <p:nvPr/>
+        </p:nvCxnSpPr>
+        <p:spPr>
+          <a:xfrm flipV="1">
+            <a:off x="5242169" y="1282251"/>
+            <a:ext cx="2422531" cy="5194388"/>
+          </a:xfrm>
+          <a:prstGeom prst="straightConnector1">
+            <a:avLst/>
+          </a:prstGeom>
+          <a:ln>
+            <a:tailEnd type="triangle"/>
+          </a:ln>
+        </p:spPr>
+        <p:style>
+          <a:lnRef idx="1">
+            <a:schemeClr val="dk1"/>
+          </a:lnRef>
+          <a:fillRef idx="0">
+            <a:schemeClr val="dk1"/>
+          </a:fillRef>
+          <a:effectRef idx="0">
+            <a:schemeClr val="dk1"/>
+          </a:effectRef>
+          <a:fontRef idx="minor">
+            <a:schemeClr val="tx1"/>
+          </a:fontRef>
+        </p:style>
+      </p:cxnSp>
+      <p:cxnSp>
+        <p:nvCxnSpPr>
+          <p:cNvPr id="224" name="Straight Arrow Connector 223">
+            <a:extLst>
+              <a:ext uri="{FF2B5EF4-FFF2-40B4-BE49-F238E27FC236}">
+                <a16:creationId xmlns:a16="http://schemas.microsoft.com/office/drawing/2014/main" id="{FE074FD0-7D4B-594D-B523-2796C4AFB19B}"/>
+              </a:ext>
+            </a:extLst>
+          </p:cNvPr>
+          <p:cNvCxnSpPr>
+            <a:cxnSpLocks/>
+            <a:stCxn id="30" idx="6"/>
+            <a:endCxn id="11" idx="2"/>
+          </p:cNvCxnSpPr>
+          <p:nvPr/>
+        </p:nvCxnSpPr>
+        <p:spPr>
+          <a:xfrm>
+            <a:off x="5259223" y="420716"/>
+            <a:ext cx="2405477" cy="2027184"/>
+          </a:xfrm>
+          <a:prstGeom prst="straightConnector1">
+            <a:avLst/>
+          </a:prstGeom>
+          <a:ln>
+            <a:tailEnd type="triangle"/>
+          </a:ln>
+        </p:spPr>
+        <p:style>
+          <a:lnRef idx="1">
+            <a:schemeClr val="dk1"/>
+          </a:lnRef>
+          <a:fillRef idx="0">
+            <a:schemeClr val="dk1"/>
+          </a:fillRef>
+          <a:effectRef idx="0">
+            <a:schemeClr val="dk1"/>
+          </a:effectRef>
+          <a:fontRef idx="minor">
+            <a:schemeClr val="tx1"/>
+          </a:fontRef>
+        </p:style>
+      </p:cxnSp>
+      <p:cxnSp>
+        <p:nvCxnSpPr>
+          <p:cNvPr id="227" name="Straight Arrow Connector 226">
+            <a:extLst>
+              <a:ext uri="{FF2B5EF4-FFF2-40B4-BE49-F238E27FC236}">
+                <a16:creationId xmlns:a16="http://schemas.microsoft.com/office/drawing/2014/main" id="{7EE2D99E-0DA7-0A4A-8F2D-125063C6F978}"/>
+              </a:ext>
+            </a:extLst>
+          </p:cNvPr>
+          <p:cNvCxnSpPr>
+            <a:cxnSpLocks/>
+            <a:stCxn id="32" idx="6"/>
+            <a:endCxn id="11" idx="2"/>
+          </p:cNvCxnSpPr>
+          <p:nvPr/>
+        </p:nvCxnSpPr>
+        <p:spPr>
+          <a:xfrm>
+            <a:off x="5262811" y="1084005"/>
+            <a:ext cx="2401889" cy="1363895"/>
+          </a:xfrm>
+          <a:prstGeom prst="straightConnector1">
+            <a:avLst/>
+          </a:prstGeom>
+          <a:ln>
+            <a:tailEnd type="triangle"/>
+          </a:ln>
+        </p:spPr>
+        <p:style>
+          <a:lnRef idx="1">
+            <a:schemeClr val="dk1"/>
+          </a:lnRef>
+          <a:fillRef idx="0">
+            <a:schemeClr val="dk1"/>
+          </a:fillRef>
+          <a:effectRef idx="0">
+            <a:schemeClr val="dk1"/>
+          </a:effectRef>
+          <a:fontRef idx="minor">
+            <a:schemeClr val="tx1"/>
+          </a:fontRef>
+        </p:style>
+      </p:cxnSp>
+      <p:cxnSp>
+        <p:nvCxnSpPr>
+          <p:cNvPr id="230" name="Straight Arrow Connector 229">
+            <a:extLst>
+              <a:ext uri="{FF2B5EF4-FFF2-40B4-BE49-F238E27FC236}">
+                <a16:creationId xmlns:a16="http://schemas.microsoft.com/office/drawing/2014/main" id="{2694F221-BD1E-7A44-B7F2-C1A764FC2CED}"/>
+              </a:ext>
+            </a:extLst>
+          </p:cNvPr>
+          <p:cNvCxnSpPr>
+            <a:cxnSpLocks/>
+            <a:stCxn id="33" idx="6"/>
+            <a:endCxn id="11" idx="2"/>
+          </p:cNvCxnSpPr>
+          <p:nvPr/>
+        </p:nvCxnSpPr>
+        <p:spPr>
+          <a:xfrm>
+            <a:off x="5262811" y="1784656"/>
+            <a:ext cx="2401889" cy="663244"/>
+          </a:xfrm>
+          <a:prstGeom prst="straightConnector1">
+            <a:avLst/>
+          </a:prstGeom>
+          <a:ln>
+            <a:tailEnd type="triangle"/>
+          </a:ln>
+        </p:spPr>
+        <p:style>
+          <a:lnRef idx="1">
+            <a:schemeClr val="dk1"/>
+          </a:lnRef>
+          <a:fillRef idx="0">
+            <a:schemeClr val="dk1"/>
+          </a:fillRef>
+          <a:effectRef idx="0">
+            <a:schemeClr val="dk1"/>
+          </a:effectRef>
+          <a:fontRef idx="minor">
+            <a:schemeClr val="tx1"/>
+          </a:fontRef>
+        </p:style>
+      </p:cxnSp>
+      <p:cxnSp>
+        <p:nvCxnSpPr>
+          <p:cNvPr id="233" name="Straight Arrow Connector 232">
+            <a:extLst>
+              <a:ext uri="{FF2B5EF4-FFF2-40B4-BE49-F238E27FC236}">
+                <a16:creationId xmlns:a16="http://schemas.microsoft.com/office/drawing/2014/main" id="{77A2AD1D-07A2-2342-A79D-06FA9F9D85FF}"/>
+              </a:ext>
+            </a:extLst>
+          </p:cNvPr>
+          <p:cNvCxnSpPr>
+            <a:cxnSpLocks/>
+            <a:stCxn id="34" idx="6"/>
+            <a:endCxn id="11" idx="2"/>
+          </p:cNvCxnSpPr>
+          <p:nvPr/>
+        </p:nvCxnSpPr>
+        <p:spPr>
+          <a:xfrm flipV="1">
+            <a:off x="5262811" y="2447900"/>
+            <a:ext cx="2401889" cy="35643"/>
+          </a:xfrm>
+          <a:prstGeom prst="straightConnector1">
+            <a:avLst/>
+          </a:prstGeom>
+          <a:ln>
+            <a:tailEnd type="triangle"/>
+          </a:ln>
+        </p:spPr>
+        <p:style>
+          <a:lnRef idx="1">
+            <a:schemeClr val="dk1"/>
+          </a:lnRef>
+          <a:fillRef idx="0">
+            <a:schemeClr val="dk1"/>
+          </a:fillRef>
+          <a:effectRef idx="0">
+            <a:schemeClr val="dk1"/>
+          </a:effectRef>
+          <a:fontRef idx="minor">
+            <a:schemeClr val="tx1"/>
+          </a:fontRef>
+        </p:style>
+      </p:cxnSp>
+      <p:cxnSp>
+        <p:nvCxnSpPr>
+          <p:cNvPr id="236" name="Straight Arrow Connector 235">
+            <a:extLst>
+              <a:ext uri="{FF2B5EF4-FFF2-40B4-BE49-F238E27FC236}">
+                <a16:creationId xmlns:a16="http://schemas.microsoft.com/office/drawing/2014/main" id="{3EF555C7-28C0-D941-99C5-F1D482208462}"/>
+              </a:ext>
+            </a:extLst>
+          </p:cNvPr>
+          <p:cNvCxnSpPr>
+            <a:cxnSpLocks/>
+            <a:stCxn id="36" idx="6"/>
+            <a:endCxn id="26" idx="2"/>
+          </p:cNvCxnSpPr>
+          <p:nvPr/>
+        </p:nvCxnSpPr>
+        <p:spPr>
+          <a:xfrm>
+            <a:off x="5253309" y="3133568"/>
+            <a:ext cx="2411391" cy="529256"/>
+          </a:xfrm>
+          <a:prstGeom prst="straightConnector1">
+            <a:avLst/>
+          </a:prstGeom>
+          <a:ln>
+            <a:tailEnd type="triangle"/>
+          </a:ln>
+        </p:spPr>
+        <p:style>
+          <a:lnRef idx="1">
+            <a:schemeClr val="dk1"/>
+          </a:lnRef>
+          <a:fillRef idx="0">
+            <a:schemeClr val="dk1"/>
+          </a:fillRef>
+          <a:effectRef idx="0">
+            <a:schemeClr val="dk1"/>
+          </a:effectRef>
+          <a:fontRef idx="minor">
+            <a:schemeClr val="tx1"/>
+          </a:fontRef>
+        </p:style>
+      </p:cxnSp>
+      <p:cxnSp>
+        <p:nvCxnSpPr>
+          <p:cNvPr id="239" name="Straight Arrow Connector 238">
+            <a:extLst>
+              <a:ext uri="{FF2B5EF4-FFF2-40B4-BE49-F238E27FC236}">
+                <a16:creationId xmlns:a16="http://schemas.microsoft.com/office/drawing/2014/main" id="{8690091C-694E-B344-8D70-7FBACEB7C07C}"/>
+              </a:ext>
+            </a:extLst>
+          </p:cNvPr>
+          <p:cNvCxnSpPr>
+            <a:cxnSpLocks/>
+            <a:stCxn id="37" idx="6"/>
+            <a:endCxn id="27" idx="2"/>
+          </p:cNvCxnSpPr>
+          <p:nvPr/>
+        </p:nvCxnSpPr>
+        <p:spPr>
+          <a:xfrm>
+            <a:off x="5247911" y="3812010"/>
+            <a:ext cx="2416788" cy="1078252"/>
+          </a:xfrm>
+          <a:prstGeom prst="straightConnector1">
+            <a:avLst/>
+          </a:prstGeom>
+          <a:ln>
+            <a:tailEnd type="triangle"/>
+          </a:ln>
+        </p:spPr>
+        <p:style>
+          <a:lnRef idx="1">
+            <a:schemeClr val="dk1"/>
+          </a:lnRef>
+          <a:fillRef idx="0">
+            <a:schemeClr val="dk1"/>
+          </a:fillRef>
+          <a:effectRef idx="0">
+            <a:schemeClr val="dk1"/>
+          </a:effectRef>
+          <a:fontRef idx="minor">
+            <a:schemeClr val="tx1"/>
+          </a:fontRef>
+        </p:style>
+      </p:cxnSp>
+      <p:cxnSp>
+        <p:nvCxnSpPr>
+          <p:cNvPr id="242" name="Straight Arrow Connector 241">
+            <a:extLst>
+              <a:ext uri="{FF2B5EF4-FFF2-40B4-BE49-F238E27FC236}">
+                <a16:creationId xmlns:a16="http://schemas.microsoft.com/office/drawing/2014/main" id="{68657C3D-BA7C-CE44-A3A2-84A09FADD0C9}"/>
+              </a:ext>
+            </a:extLst>
+          </p:cNvPr>
+          <p:cNvCxnSpPr>
+            <a:cxnSpLocks/>
+            <a:stCxn id="34" idx="6"/>
+            <a:endCxn id="29" idx="2"/>
+          </p:cNvCxnSpPr>
+          <p:nvPr/>
+        </p:nvCxnSpPr>
+        <p:spPr>
+          <a:xfrm>
+            <a:off x="5262811" y="2483543"/>
+            <a:ext cx="2401888" cy="3634156"/>
+          </a:xfrm>
+          <a:prstGeom prst="straightConnector1">
+            <a:avLst/>
+          </a:prstGeom>
+          <a:ln>
+            <a:tailEnd type="triangle"/>
+          </a:ln>
+        </p:spPr>
+        <p:style>
+          <a:lnRef idx="1">
+            <a:schemeClr val="dk1"/>
+          </a:lnRef>
+          <a:fillRef idx="0">
+            <a:schemeClr val="dk1"/>
+          </a:fillRef>
+          <a:effectRef idx="0">
+            <a:schemeClr val="dk1"/>
+          </a:effectRef>
+          <a:fontRef idx="minor">
+            <a:schemeClr val="tx1"/>
+          </a:fontRef>
+        </p:style>
+      </p:cxnSp>
+      <p:cxnSp>
+        <p:nvCxnSpPr>
+          <p:cNvPr id="245" name="Straight Arrow Connector 244">
+            <a:extLst>
+              <a:ext uri="{FF2B5EF4-FFF2-40B4-BE49-F238E27FC236}">
+                <a16:creationId xmlns:a16="http://schemas.microsoft.com/office/drawing/2014/main" id="{C49D8833-71FC-DB44-97A9-EB1EDE6D4B80}"/>
+              </a:ext>
+            </a:extLst>
+          </p:cNvPr>
+          <p:cNvCxnSpPr>
+            <a:cxnSpLocks/>
+            <a:stCxn id="32" idx="6"/>
+            <a:endCxn id="26" idx="2"/>
+          </p:cNvCxnSpPr>
+          <p:nvPr/>
+        </p:nvCxnSpPr>
+        <p:spPr>
+          <a:xfrm>
+            <a:off x="5262811" y="1084005"/>
+            <a:ext cx="2401889" cy="2578819"/>
+          </a:xfrm>
+          <a:prstGeom prst="straightConnector1">
+            <a:avLst/>
+          </a:prstGeom>
+          <a:ln>
+            <a:tailEnd type="triangle"/>
+          </a:ln>
+        </p:spPr>
+        <p:style>
+          <a:lnRef idx="1">
+            <a:schemeClr val="dk1"/>
+          </a:lnRef>
+          <a:fillRef idx="0">
+            <a:schemeClr val="dk1"/>
+          </a:fillRef>
+          <a:effectRef idx="0">
+            <a:schemeClr val="dk1"/>
+          </a:effectRef>
+          <a:fontRef idx="minor">
+            <a:schemeClr val="tx1"/>
+          </a:fontRef>
+        </p:style>
+      </p:cxnSp>
+      <p:cxnSp>
+        <p:nvCxnSpPr>
+          <p:cNvPr id="248" name="Straight Arrow Connector 247">
+            <a:extLst>
+              <a:ext uri="{FF2B5EF4-FFF2-40B4-BE49-F238E27FC236}">
+                <a16:creationId xmlns:a16="http://schemas.microsoft.com/office/drawing/2014/main" id="{8546D2BD-B413-EB45-B9A3-9D92A35BA7B7}"/>
+              </a:ext>
+            </a:extLst>
+          </p:cNvPr>
+          <p:cNvCxnSpPr>
+            <a:cxnSpLocks/>
+            <a:stCxn id="32" idx="6"/>
+            <a:endCxn id="27" idx="2"/>
+          </p:cNvCxnSpPr>
+          <p:nvPr/>
+        </p:nvCxnSpPr>
+        <p:spPr>
+          <a:xfrm>
+            <a:off x="5262811" y="1084005"/>
+            <a:ext cx="2401888" cy="3806257"/>
+          </a:xfrm>
+          <a:prstGeom prst="straightConnector1">
+            <a:avLst/>
+          </a:prstGeom>
+          <a:ln>
+            <a:tailEnd type="triangle"/>
+          </a:ln>
+        </p:spPr>
+        <p:style>
+          <a:lnRef idx="1">
+            <a:schemeClr val="dk1"/>
+          </a:lnRef>
+          <a:fillRef idx="0">
+            <a:schemeClr val="dk1"/>
+          </a:fillRef>
+          <a:effectRef idx="0">
+            <a:schemeClr val="dk1"/>
+          </a:effectRef>
+          <a:fontRef idx="minor">
+            <a:schemeClr val="tx1"/>
+          </a:fontRef>
+        </p:style>
+      </p:cxnSp>
+      <p:cxnSp>
+        <p:nvCxnSpPr>
+          <p:cNvPr id="251" name="Straight Arrow Connector 250">
+            <a:extLst>
+              <a:ext uri="{FF2B5EF4-FFF2-40B4-BE49-F238E27FC236}">
+                <a16:creationId xmlns:a16="http://schemas.microsoft.com/office/drawing/2014/main" id="{0C91F037-E27D-1940-9C35-F2F3FA4990B0}"/>
+              </a:ext>
+            </a:extLst>
+          </p:cNvPr>
+          <p:cNvCxnSpPr>
+            <a:cxnSpLocks/>
+            <a:stCxn id="32" idx="6"/>
+            <a:endCxn id="29" idx="2"/>
+          </p:cNvCxnSpPr>
+          <p:nvPr/>
+        </p:nvCxnSpPr>
+        <p:spPr>
+          <a:xfrm>
+            <a:off x="5262811" y="1084005"/>
+            <a:ext cx="2401888" cy="5033694"/>
+          </a:xfrm>
+          <a:prstGeom prst="straightConnector1">
+            <a:avLst/>
+          </a:prstGeom>
+          <a:ln>
+            <a:tailEnd type="triangle"/>
+          </a:ln>
+        </p:spPr>
+        <p:style>
+          <a:lnRef idx="1">
+            <a:schemeClr val="dk1"/>
+          </a:lnRef>
+          <a:fillRef idx="0">
+            <a:schemeClr val="dk1"/>
+          </a:fillRef>
+          <a:effectRef idx="0">
+            <a:schemeClr val="dk1"/>
+          </a:effectRef>
+          <a:fontRef idx="minor">
+            <a:schemeClr val="tx1"/>
+          </a:fontRef>
+        </p:style>
+      </p:cxnSp>
+      <p:cxnSp>
+        <p:nvCxnSpPr>
+          <p:cNvPr id="254" name="Straight Arrow Connector 253">
+            <a:extLst>
+              <a:ext uri="{FF2B5EF4-FFF2-40B4-BE49-F238E27FC236}">
+                <a16:creationId xmlns:a16="http://schemas.microsoft.com/office/drawing/2014/main" id="{BDCF1537-6C68-6546-99FF-F2723679D46F}"/>
+              </a:ext>
+            </a:extLst>
+          </p:cNvPr>
+          <p:cNvCxnSpPr>
+            <a:cxnSpLocks/>
+            <a:stCxn id="33" idx="6"/>
+            <a:endCxn id="26" idx="2"/>
+          </p:cNvCxnSpPr>
+          <p:nvPr/>
+        </p:nvCxnSpPr>
+        <p:spPr>
+          <a:xfrm>
+            <a:off x="5262811" y="1784656"/>
+            <a:ext cx="2401889" cy="1878168"/>
+          </a:xfrm>
+          <a:prstGeom prst="straightConnector1">
+            <a:avLst/>
+          </a:prstGeom>
+          <a:ln>
+            <a:tailEnd type="triangle"/>
+          </a:ln>
+        </p:spPr>
+        <p:style>
+          <a:lnRef idx="1">
+            <a:schemeClr val="dk1"/>
+          </a:lnRef>
+          <a:fillRef idx="0">
+            <a:schemeClr val="dk1"/>
+          </a:fillRef>
+          <a:effectRef idx="0">
+            <a:schemeClr val="dk1"/>
+          </a:effectRef>
+          <a:fontRef idx="minor">
+            <a:schemeClr val="tx1"/>
+          </a:fontRef>
+        </p:style>
+      </p:cxnSp>
+      <p:cxnSp>
+        <p:nvCxnSpPr>
+          <p:cNvPr id="257" name="Straight Arrow Connector 256">
+            <a:extLst>
+              <a:ext uri="{FF2B5EF4-FFF2-40B4-BE49-F238E27FC236}">
+                <a16:creationId xmlns:a16="http://schemas.microsoft.com/office/drawing/2014/main" id="{218EA5DD-7EA1-9F4E-AE7C-91B5509C661D}"/>
+              </a:ext>
+            </a:extLst>
+          </p:cNvPr>
+          <p:cNvCxnSpPr>
+            <a:cxnSpLocks/>
+            <a:stCxn id="33" idx="6"/>
+            <a:endCxn id="27" idx="2"/>
+          </p:cNvCxnSpPr>
+          <p:nvPr/>
+        </p:nvCxnSpPr>
+        <p:spPr>
+          <a:xfrm>
+            <a:off x="5262811" y="1784656"/>
+            <a:ext cx="2401888" cy="3105606"/>
+          </a:xfrm>
+          <a:prstGeom prst="straightConnector1">
+            <a:avLst/>
+          </a:prstGeom>
+          <a:ln>
+            <a:tailEnd type="triangle"/>
+          </a:ln>
+        </p:spPr>
+        <p:style>
+          <a:lnRef idx="1">
+            <a:schemeClr val="dk1"/>
+          </a:lnRef>
+          <a:fillRef idx="0">
+            <a:schemeClr val="dk1"/>
+          </a:fillRef>
+          <a:effectRef idx="0">
+            <a:schemeClr val="dk1"/>
+          </a:effectRef>
+          <a:fontRef idx="minor">
+            <a:schemeClr val="tx1"/>
+          </a:fontRef>
+        </p:style>
+      </p:cxnSp>
+      <p:cxnSp>
+        <p:nvCxnSpPr>
+          <p:cNvPr id="260" name="Straight Arrow Connector 259">
+            <a:extLst>
+              <a:ext uri="{FF2B5EF4-FFF2-40B4-BE49-F238E27FC236}">
+                <a16:creationId xmlns:a16="http://schemas.microsoft.com/office/drawing/2014/main" id="{D8EB62A0-5696-6840-A567-5DCE2F0C8EB8}"/>
+              </a:ext>
+            </a:extLst>
+          </p:cNvPr>
+          <p:cNvCxnSpPr>
+            <a:cxnSpLocks/>
+            <a:stCxn id="33" idx="6"/>
+            <a:endCxn id="29" idx="2"/>
+          </p:cNvCxnSpPr>
+          <p:nvPr/>
+        </p:nvCxnSpPr>
+        <p:spPr>
+          <a:xfrm>
+            <a:off x="5262811" y="1784656"/>
+            <a:ext cx="2401888" cy="4333043"/>
+          </a:xfrm>
+          <a:prstGeom prst="straightConnector1">
+            <a:avLst/>
+          </a:prstGeom>
+          <a:ln>
+            <a:tailEnd type="triangle"/>
+          </a:ln>
+        </p:spPr>
+        <p:style>
+          <a:lnRef idx="1">
+            <a:schemeClr val="dk1"/>
+          </a:lnRef>
+          <a:fillRef idx="0">
+            <a:schemeClr val="dk1"/>
+          </a:fillRef>
+          <a:effectRef idx="0">
+            <a:schemeClr val="dk1"/>
+          </a:effectRef>
+          <a:fontRef idx="minor">
+            <a:schemeClr val="tx1"/>
+          </a:fontRef>
+        </p:style>
+      </p:cxnSp>
+      <p:cxnSp>
+        <p:nvCxnSpPr>
+          <p:cNvPr id="263" name="Straight Arrow Connector 262">
+            <a:extLst>
+              <a:ext uri="{FF2B5EF4-FFF2-40B4-BE49-F238E27FC236}">
+                <a16:creationId xmlns:a16="http://schemas.microsoft.com/office/drawing/2014/main" id="{2FC2D74C-BBAA-F545-A653-8FF370FC96FF}"/>
+              </a:ext>
+            </a:extLst>
+          </p:cNvPr>
+          <p:cNvCxnSpPr>
+            <a:cxnSpLocks/>
+            <a:stCxn id="34" idx="6"/>
+            <a:endCxn id="26" idx="2"/>
+          </p:cNvCxnSpPr>
+          <p:nvPr/>
+        </p:nvCxnSpPr>
+        <p:spPr>
+          <a:xfrm>
+            <a:off x="5262811" y="2483543"/>
+            <a:ext cx="2401889" cy="1179281"/>
+          </a:xfrm>
+          <a:prstGeom prst="straightConnector1">
+            <a:avLst/>
+          </a:prstGeom>
+          <a:ln>
+            <a:tailEnd type="triangle"/>
+          </a:ln>
+        </p:spPr>
+        <p:style>
+          <a:lnRef idx="1">
+            <a:schemeClr val="dk1"/>
+          </a:lnRef>
+          <a:fillRef idx="0">
+            <a:schemeClr val="dk1"/>
+          </a:fillRef>
+          <a:effectRef idx="0">
+            <a:schemeClr val="dk1"/>
+          </a:effectRef>
+          <a:fontRef idx="minor">
+            <a:schemeClr val="tx1"/>
+          </a:fontRef>
+        </p:style>
+      </p:cxnSp>
+      <p:cxnSp>
+        <p:nvCxnSpPr>
+          <p:cNvPr id="266" name="Straight Arrow Connector 265">
+            <a:extLst>
+              <a:ext uri="{FF2B5EF4-FFF2-40B4-BE49-F238E27FC236}">
+                <a16:creationId xmlns:a16="http://schemas.microsoft.com/office/drawing/2014/main" id="{B7A8E1BE-A7DE-BF42-871E-260C636FA6F4}"/>
+              </a:ext>
+            </a:extLst>
+          </p:cNvPr>
+          <p:cNvCxnSpPr>
+            <a:cxnSpLocks/>
+            <a:stCxn id="34" idx="6"/>
+            <a:endCxn id="29" idx="2"/>
+          </p:cNvCxnSpPr>
+          <p:nvPr/>
+        </p:nvCxnSpPr>
+        <p:spPr>
+          <a:xfrm>
+            <a:off x="5262811" y="2483543"/>
+            <a:ext cx="2401888" cy="3634156"/>
+          </a:xfrm>
+          <a:prstGeom prst="straightConnector1">
+            <a:avLst/>
+          </a:prstGeom>
+          <a:ln>
+            <a:tailEnd type="triangle"/>
+          </a:ln>
+        </p:spPr>
+        <p:style>
+          <a:lnRef idx="1">
+            <a:schemeClr val="dk1"/>
+          </a:lnRef>
+          <a:fillRef idx="0">
+            <a:schemeClr val="dk1"/>
+          </a:fillRef>
+          <a:effectRef idx="0">
+            <a:schemeClr val="dk1"/>
+          </a:effectRef>
+          <a:fontRef idx="minor">
+            <a:schemeClr val="tx1"/>
+          </a:fontRef>
+        </p:style>
+      </p:cxnSp>
+      <p:cxnSp>
+        <p:nvCxnSpPr>
+          <p:cNvPr id="269" name="Straight Arrow Connector 268">
+            <a:extLst>
+              <a:ext uri="{FF2B5EF4-FFF2-40B4-BE49-F238E27FC236}">
+                <a16:creationId xmlns:a16="http://schemas.microsoft.com/office/drawing/2014/main" id="{9BF1E0DC-9AC1-6E4A-A6A0-E4CC6104AEB6}"/>
+              </a:ext>
+            </a:extLst>
+          </p:cNvPr>
+          <p:cNvCxnSpPr>
+            <a:cxnSpLocks/>
+            <a:stCxn id="36" idx="6"/>
+            <a:endCxn id="11" idx="2"/>
+          </p:cNvCxnSpPr>
+          <p:nvPr/>
+        </p:nvCxnSpPr>
+        <p:spPr>
+          <a:xfrm flipV="1">
+            <a:off x="5253309" y="2447900"/>
+            <a:ext cx="2411391" cy="685668"/>
+          </a:xfrm>
+          <a:prstGeom prst="straightConnector1">
+            <a:avLst/>
+          </a:prstGeom>
+          <a:ln>
+            <a:tailEnd type="triangle"/>
+          </a:ln>
+        </p:spPr>
+        <p:style>
+          <a:lnRef idx="1">
+            <a:schemeClr val="dk1"/>
+          </a:lnRef>
+          <a:fillRef idx="0">
+            <a:schemeClr val="dk1"/>
+          </a:fillRef>
+          <a:effectRef idx="0">
+            <a:schemeClr val="dk1"/>
+          </a:effectRef>
+          <a:fontRef idx="minor">
+            <a:schemeClr val="tx1"/>
+          </a:fontRef>
+        </p:style>
+      </p:cxnSp>
+      <p:cxnSp>
+        <p:nvCxnSpPr>
+          <p:cNvPr id="272" name="Straight Arrow Connector 271">
+            <a:extLst>
+              <a:ext uri="{FF2B5EF4-FFF2-40B4-BE49-F238E27FC236}">
+                <a16:creationId xmlns:a16="http://schemas.microsoft.com/office/drawing/2014/main" id="{0293F432-7B72-7740-97B0-7EE1C376A644}"/>
+              </a:ext>
+            </a:extLst>
+          </p:cNvPr>
+          <p:cNvCxnSpPr>
+            <a:cxnSpLocks/>
+            <a:stCxn id="36" idx="6"/>
+            <a:endCxn id="27" idx="2"/>
+          </p:cNvCxnSpPr>
+          <p:nvPr/>
+        </p:nvCxnSpPr>
+        <p:spPr>
+          <a:xfrm>
+            <a:off x="5253309" y="3133568"/>
+            <a:ext cx="2411390" cy="1756694"/>
+          </a:xfrm>
+          <a:prstGeom prst="straightConnector1">
+            <a:avLst/>
+          </a:prstGeom>
+          <a:ln>
+            <a:tailEnd type="triangle"/>
+          </a:ln>
+        </p:spPr>
+        <p:style>
+          <a:lnRef idx="1">
+            <a:schemeClr val="dk1"/>
+          </a:lnRef>
+          <a:fillRef idx="0">
+            <a:schemeClr val="dk1"/>
+          </a:fillRef>
+          <a:effectRef idx="0">
+            <a:schemeClr val="dk1"/>
+          </a:effectRef>
+          <a:fontRef idx="minor">
+            <a:schemeClr val="tx1"/>
+          </a:fontRef>
+        </p:style>
+      </p:cxnSp>
+      <p:cxnSp>
+        <p:nvCxnSpPr>
+          <p:cNvPr id="275" name="Straight Arrow Connector 274">
+            <a:extLst>
+              <a:ext uri="{FF2B5EF4-FFF2-40B4-BE49-F238E27FC236}">
+                <a16:creationId xmlns:a16="http://schemas.microsoft.com/office/drawing/2014/main" id="{EB130440-9CD8-9541-9550-B0E9945F61D5}"/>
+              </a:ext>
+            </a:extLst>
+          </p:cNvPr>
+          <p:cNvCxnSpPr>
+            <a:cxnSpLocks/>
+            <a:stCxn id="36" idx="6"/>
+            <a:endCxn id="29" idx="2"/>
+          </p:cNvCxnSpPr>
+          <p:nvPr/>
+        </p:nvCxnSpPr>
+        <p:spPr>
+          <a:xfrm>
+            <a:off x="5253309" y="3133568"/>
+            <a:ext cx="2411390" cy="2984131"/>
+          </a:xfrm>
+          <a:prstGeom prst="straightConnector1">
+            <a:avLst/>
+          </a:prstGeom>
+          <a:ln>
+            <a:tailEnd type="triangle"/>
+          </a:ln>
+        </p:spPr>
+        <p:style>
+          <a:lnRef idx="1">
+            <a:schemeClr val="dk1"/>
+          </a:lnRef>
+          <a:fillRef idx="0">
+            <a:schemeClr val="dk1"/>
+          </a:fillRef>
+          <a:effectRef idx="0">
+            <a:schemeClr val="dk1"/>
+          </a:effectRef>
+          <a:fontRef idx="minor">
+            <a:schemeClr val="tx1"/>
+          </a:fontRef>
+        </p:style>
+      </p:cxnSp>
+      <p:cxnSp>
+        <p:nvCxnSpPr>
+          <p:cNvPr id="278" name="Straight Arrow Connector 277">
+            <a:extLst>
+              <a:ext uri="{FF2B5EF4-FFF2-40B4-BE49-F238E27FC236}">
+                <a16:creationId xmlns:a16="http://schemas.microsoft.com/office/drawing/2014/main" id="{7E214C20-13B3-C54F-AA77-7F31EC9ACEF1}"/>
+              </a:ext>
+            </a:extLst>
+          </p:cNvPr>
+          <p:cNvCxnSpPr>
+            <a:cxnSpLocks/>
+            <a:stCxn id="37" idx="6"/>
+            <a:endCxn id="11" idx="2"/>
+          </p:cNvCxnSpPr>
+          <p:nvPr/>
+        </p:nvCxnSpPr>
+        <p:spPr>
+          <a:xfrm flipV="1">
+            <a:off x="5247911" y="2447900"/>
+            <a:ext cx="2416789" cy="1364110"/>
+          </a:xfrm>
+          <a:prstGeom prst="straightConnector1">
+            <a:avLst/>
+          </a:prstGeom>
+          <a:ln>
+            <a:tailEnd type="triangle"/>
+          </a:ln>
+        </p:spPr>
+        <p:style>
+          <a:lnRef idx="1">
+            <a:schemeClr val="dk1"/>
+          </a:lnRef>
+          <a:fillRef idx="0">
+            <a:schemeClr val="dk1"/>
+          </a:fillRef>
+          <a:effectRef idx="0">
+            <a:schemeClr val="dk1"/>
+          </a:effectRef>
+          <a:fontRef idx="minor">
+            <a:schemeClr val="tx1"/>
+          </a:fontRef>
+        </p:style>
+      </p:cxnSp>
+      <p:cxnSp>
+        <p:nvCxnSpPr>
+          <p:cNvPr id="281" name="Straight Arrow Connector 280">
+            <a:extLst>
+              <a:ext uri="{FF2B5EF4-FFF2-40B4-BE49-F238E27FC236}">
+                <a16:creationId xmlns:a16="http://schemas.microsoft.com/office/drawing/2014/main" id="{7B3AC097-1783-A442-B883-B8CE19782334}"/>
+              </a:ext>
+            </a:extLst>
+          </p:cNvPr>
+          <p:cNvCxnSpPr>
+            <a:cxnSpLocks/>
+            <a:stCxn id="37" idx="6"/>
+            <a:endCxn id="26" idx="2"/>
+          </p:cNvCxnSpPr>
+          <p:nvPr/>
+        </p:nvCxnSpPr>
+        <p:spPr>
+          <a:xfrm flipV="1">
+            <a:off x="5247911" y="3662824"/>
+            <a:ext cx="2416789" cy="149186"/>
+          </a:xfrm>
+          <a:prstGeom prst="straightConnector1">
+            <a:avLst/>
+          </a:prstGeom>
+          <a:ln>
+            <a:tailEnd type="triangle"/>
+          </a:ln>
+        </p:spPr>
+        <p:style>
+          <a:lnRef idx="1">
+            <a:schemeClr val="dk1"/>
+          </a:lnRef>
+          <a:fillRef idx="0">
+            <a:schemeClr val="dk1"/>
+          </a:fillRef>
+          <a:effectRef idx="0">
+            <a:schemeClr val="dk1"/>
+          </a:effectRef>
+          <a:fontRef idx="minor">
+            <a:schemeClr val="tx1"/>
+          </a:fontRef>
+        </p:style>
+      </p:cxnSp>
+      <p:cxnSp>
+        <p:nvCxnSpPr>
+          <p:cNvPr id="284" name="Straight Arrow Connector 283">
+            <a:extLst>
+              <a:ext uri="{FF2B5EF4-FFF2-40B4-BE49-F238E27FC236}">
+                <a16:creationId xmlns:a16="http://schemas.microsoft.com/office/drawing/2014/main" id="{98B17603-A4FB-C349-831C-DD5E4F7C23EA}"/>
+              </a:ext>
+            </a:extLst>
+          </p:cNvPr>
+          <p:cNvCxnSpPr>
+            <a:cxnSpLocks/>
+            <a:stCxn id="37" idx="6"/>
+            <a:endCxn id="29" idx="2"/>
+          </p:cNvCxnSpPr>
+          <p:nvPr/>
+        </p:nvCxnSpPr>
+        <p:spPr>
+          <a:xfrm>
+            <a:off x="5247911" y="3812010"/>
+            <a:ext cx="2416788" cy="2305689"/>
+          </a:xfrm>
+          <a:prstGeom prst="straightConnector1">
+            <a:avLst/>
+          </a:prstGeom>
+          <a:ln>
+            <a:tailEnd type="triangle"/>
+          </a:ln>
+        </p:spPr>
+        <p:style>
+          <a:lnRef idx="1">
+            <a:schemeClr val="dk1"/>
+          </a:lnRef>
+          <a:fillRef idx="0">
+            <a:schemeClr val="dk1"/>
+          </a:fillRef>
+          <a:effectRef idx="0">
+            <a:schemeClr val="dk1"/>
+          </a:effectRef>
+          <a:fontRef idx="minor">
+            <a:schemeClr val="tx1"/>
+          </a:fontRef>
+        </p:style>
+      </p:cxnSp>
+      <p:cxnSp>
+        <p:nvCxnSpPr>
+          <p:cNvPr id="287" name="Straight Arrow Connector 286">
+            <a:extLst>
+              <a:ext uri="{FF2B5EF4-FFF2-40B4-BE49-F238E27FC236}">
+                <a16:creationId xmlns:a16="http://schemas.microsoft.com/office/drawing/2014/main" id="{BF87BF68-5B5C-814D-9CE8-F8BB3D66E1BA}"/>
+              </a:ext>
+            </a:extLst>
+          </p:cNvPr>
+          <p:cNvCxnSpPr>
+            <a:cxnSpLocks/>
+            <a:stCxn id="39" idx="6"/>
+            <a:endCxn id="11" idx="2"/>
+          </p:cNvCxnSpPr>
+          <p:nvPr/>
+        </p:nvCxnSpPr>
+        <p:spPr>
+          <a:xfrm flipV="1">
+            <a:off x="5247911" y="2447900"/>
+            <a:ext cx="2416789" cy="2085206"/>
+          </a:xfrm>
+          <a:prstGeom prst="straightConnector1">
+            <a:avLst/>
+          </a:prstGeom>
+          <a:ln>
+            <a:tailEnd type="triangle"/>
+          </a:ln>
+        </p:spPr>
+        <p:style>
+          <a:lnRef idx="1">
+            <a:schemeClr val="dk1"/>
+          </a:lnRef>
+          <a:fillRef idx="0">
+            <a:schemeClr val="dk1"/>
+          </a:fillRef>
+          <a:effectRef idx="0">
+            <a:schemeClr val="dk1"/>
+          </a:effectRef>
+          <a:fontRef idx="minor">
+            <a:schemeClr val="tx1"/>
+          </a:fontRef>
+        </p:style>
+      </p:cxnSp>
+      <p:cxnSp>
+        <p:nvCxnSpPr>
+          <p:cNvPr id="290" name="Straight Arrow Connector 289">
+            <a:extLst>
+              <a:ext uri="{FF2B5EF4-FFF2-40B4-BE49-F238E27FC236}">
+                <a16:creationId xmlns:a16="http://schemas.microsoft.com/office/drawing/2014/main" id="{57191D4C-A65F-A84C-8458-2EC73F3FBA69}"/>
+              </a:ext>
+            </a:extLst>
+          </p:cNvPr>
+          <p:cNvCxnSpPr>
+            <a:cxnSpLocks/>
+            <a:stCxn id="39" idx="6"/>
+            <a:endCxn id="26" idx="2"/>
+          </p:cNvCxnSpPr>
+          <p:nvPr/>
+        </p:nvCxnSpPr>
+        <p:spPr>
+          <a:xfrm flipV="1">
+            <a:off x="5247911" y="3662824"/>
+            <a:ext cx="2416789" cy="870282"/>
+          </a:xfrm>
+          <a:prstGeom prst="straightConnector1">
+            <a:avLst/>
+          </a:prstGeom>
+          <a:ln>
+            <a:tailEnd type="triangle"/>
+          </a:ln>
+        </p:spPr>
+        <p:style>
+          <a:lnRef idx="1">
+            <a:schemeClr val="dk1"/>
+          </a:lnRef>
+          <a:fillRef idx="0">
+            <a:schemeClr val="dk1"/>
+          </a:fillRef>
+          <a:effectRef idx="0">
+            <a:schemeClr val="dk1"/>
+          </a:effectRef>
+          <a:fontRef idx="minor">
+            <a:schemeClr val="tx1"/>
+          </a:fontRef>
+        </p:style>
+      </p:cxnSp>
+      <p:cxnSp>
+        <p:nvCxnSpPr>
+          <p:cNvPr id="293" name="Straight Arrow Connector 292">
+            <a:extLst>
+              <a:ext uri="{FF2B5EF4-FFF2-40B4-BE49-F238E27FC236}">
+                <a16:creationId xmlns:a16="http://schemas.microsoft.com/office/drawing/2014/main" id="{DF9E6EB1-58E6-6B47-A55A-5477B632B463}"/>
+              </a:ext>
+            </a:extLst>
+          </p:cNvPr>
+          <p:cNvCxnSpPr>
+            <a:cxnSpLocks/>
+            <a:stCxn id="39" idx="6"/>
+            <a:endCxn id="27" idx="2"/>
+          </p:cNvCxnSpPr>
+          <p:nvPr/>
+        </p:nvCxnSpPr>
+        <p:spPr>
+          <a:xfrm>
+            <a:off x="5247911" y="4533106"/>
+            <a:ext cx="2416788" cy="357156"/>
+          </a:xfrm>
+          <a:prstGeom prst="straightConnector1">
+            <a:avLst/>
+          </a:prstGeom>
+          <a:ln>
+            <a:tailEnd type="triangle"/>
+          </a:ln>
+        </p:spPr>
+        <p:style>
+          <a:lnRef idx="1">
+            <a:schemeClr val="dk1"/>
+          </a:lnRef>
+          <a:fillRef idx="0">
+            <a:schemeClr val="dk1"/>
+          </a:fillRef>
+          <a:effectRef idx="0">
+            <a:schemeClr val="dk1"/>
+          </a:effectRef>
+          <a:fontRef idx="minor">
+            <a:schemeClr val="tx1"/>
+          </a:fontRef>
+        </p:style>
+      </p:cxnSp>
+      <p:cxnSp>
+        <p:nvCxnSpPr>
+          <p:cNvPr id="296" name="Straight Arrow Connector 295">
+            <a:extLst>
+              <a:ext uri="{FF2B5EF4-FFF2-40B4-BE49-F238E27FC236}">
+                <a16:creationId xmlns:a16="http://schemas.microsoft.com/office/drawing/2014/main" id="{7A526514-1733-AD4E-AFE5-A190E8D86014}"/>
+              </a:ext>
+            </a:extLst>
+          </p:cNvPr>
+          <p:cNvCxnSpPr>
+            <a:cxnSpLocks/>
+            <a:stCxn id="39" idx="6"/>
+            <a:endCxn id="29" idx="2"/>
+          </p:cNvCxnSpPr>
+          <p:nvPr/>
+        </p:nvCxnSpPr>
+        <p:spPr>
+          <a:xfrm>
+            <a:off x="5247911" y="4533106"/>
+            <a:ext cx="2416788" cy="1584593"/>
+          </a:xfrm>
+          <a:prstGeom prst="straightConnector1">
+            <a:avLst/>
+          </a:prstGeom>
+          <a:ln>
+            <a:tailEnd type="triangle"/>
+          </a:ln>
+        </p:spPr>
+        <p:style>
+          <a:lnRef idx="1">
+            <a:schemeClr val="dk1"/>
+          </a:lnRef>
+          <a:fillRef idx="0">
+            <a:schemeClr val="dk1"/>
+          </a:fillRef>
+          <a:effectRef idx="0">
+            <a:schemeClr val="dk1"/>
+          </a:effectRef>
+          <a:fontRef idx="minor">
+            <a:schemeClr val="tx1"/>
+          </a:fontRef>
+        </p:style>
+      </p:cxnSp>
+      <p:cxnSp>
+        <p:nvCxnSpPr>
+          <p:cNvPr id="299" name="Straight Arrow Connector 298">
+            <a:extLst>
+              <a:ext uri="{FF2B5EF4-FFF2-40B4-BE49-F238E27FC236}">
+                <a16:creationId xmlns:a16="http://schemas.microsoft.com/office/drawing/2014/main" id="{C6F09F2F-76F8-754C-A6AA-A8E217993362}"/>
+              </a:ext>
+            </a:extLst>
+          </p:cNvPr>
+          <p:cNvCxnSpPr>
+            <a:cxnSpLocks/>
+            <a:stCxn id="40" idx="6"/>
+            <a:endCxn id="11" idx="2"/>
+          </p:cNvCxnSpPr>
+          <p:nvPr/>
+        </p:nvCxnSpPr>
+        <p:spPr>
+          <a:xfrm flipV="1">
+            <a:off x="5247911" y="2447900"/>
+            <a:ext cx="2416789" cy="2722380"/>
+          </a:xfrm>
+          <a:prstGeom prst="straightConnector1">
+            <a:avLst/>
+          </a:prstGeom>
+          <a:ln>
+            <a:tailEnd type="triangle"/>
+          </a:ln>
+        </p:spPr>
+        <p:style>
+          <a:lnRef idx="1">
+            <a:schemeClr val="dk1"/>
+          </a:lnRef>
+          <a:fillRef idx="0">
+            <a:schemeClr val="dk1"/>
+          </a:fillRef>
+          <a:effectRef idx="0">
+            <a:schemeClr val="dk1"/>
+          </a:effectRef>
+          <a:fontRef idx="minor">
+            <a:schemeClr val="tx1"/>
+          </a:fontRef>
+        </p:style>
+      </p:cxnSp>
+      <p:cxnSp>
+        <p:nvCxnSpPr>
+          <p:cNvPr id="302" name="Straight Arrow Connector 301">
+            <a:extLst>
+              <a:ext uri="{FF2B5EF4-FFF2-40B4-BE49-F238E27FC236}">
+                <a16:creationId xmlns:a16="http://schemas.microsoft.com/office/drawing/2014/main" id="{66CC3360-D0E3-7248-9F9A-BF311A9E03A8}"/>
+              </a:ext>
+            </a:extLst>
+          </p:cNvPr>
+          <p:cNvCxnSpPr>
+            <a:cxnSpLocks/>
+            <a:stCxn id="40" idx="6"/>
+            <a:endCxn id="26" idx="2"/>
+          </p:cNvCxnSpPr>
+          <p:nvPr/>
+        </p:nvCxnSpPr>
+        <p:spPr>
+          <a:xfrm flipV="1">
+            <a:off x="5247911" y="3662824"/>
+            <a:ext cx="2416789" cy="1507456"/>
+          </a:xfrm>
+          <a:prstGeom prst="straightConnector1">
+            <a:avLst/>
+          </a:prstGeom>
+          <a:ln>
+            <a:tailEnd type="triangle"/>
+          </a:ln>
+        </p:spPr>
+        <p:style>
+          <a:lnRef idx="1">
+            <a:schemeClr val="dk1"/>
+          </a:lnRef>
+          <a:fillRef idx="0">
+            <a:schemeClr val="dk1"/>
+          </a:fillRef>
+          <a:effectRef idx="0">
+            <a:schemeClr val="dk1"/>
+          </a:effectRef>
+          <a:fontRef idx="minor">
+            <a:schemeClr val="tx1"/>
+          </a:fontRef>
+        </p:style>
+      </p:cxnSp>
+      <p:cxnSp>
+        <p:nvCxnSpPr>
+          <p:cNvPr id="305" name="Straight Arrow Connector 304">
+            <a:extLst>
+              <a:ext uri="{FF2B5EF4-FFF2-40B4-BE49-F238E27FC236}">
+                <a16:creationId xmlns:a16="http://schemas.microsoft.com/office/drawing/2014/main" id="{026618A6-EAAC-5D43-B9CD-068FD9CB69B2}"/>
+              </a:ext>
+            </a:extLst>
+          </p:cNvPr>
+          <p:cNvCxnSpPr>
+            <a:cxnSpLocks/>
+            <a:stCxn id="40" idx="6"/>
+            <a:endCxn id="27" idx="2"/>
+          </p:cNvCxnSpPr>
+          <p:nvPr/>
+        </p:nvCxnSpPr>
+        <p:spPr>
+          <a:xfrm flipV="1">
+            <a:off x="5247911" y="4890262"/>
+            <a:ext cx="2416788" cy="280018"/>
+          </a:xfrm>
+          <a:prstGeom prst="straightConnector1">
+            <a:avLst/>
+          </a:prstGeom>
+          <a:ln>
+            <a:tailEnd type="triangle"/>
+          </a:ln>
+        </p:spPr>
+        <p:style>
+          <a:lnRef idx="1">
+            <a:schemeClr val="dk1"/>
+          </a:lnRef>
+          <a:fillRef idx="0">
+            <a:schemeClr val="dk1"/>
+          </a:fillRef>
+          <a:effectRef idx="0">
+            <a:schemeClr val="dk1"/>
+          </a:effectRef>
+          <a:fontRef idx="minor">
+            <a:schemeClr val="tx1"/>
+          </a:fontRef>
+        </p:style>
+      </p:cxnSp>
+      <p:cxnSp>
+        <p:nvCxnSpPr>
+          <p:cNvPr id="308" name="Straight Arrow Connector 307">
+            <a:extLst>
+              <a:ext uri="{FF2B5EF4-FFF2-40B4-BE49-F238E27FC236}">
+                <a16:creationId xmlns:a16="http://schemas.microsoft.com/office/drawing/2014/main" id="{76BD96EE-9702-1146-A22A-7467C84DC98E}"/>
+              </a:ext>
+            </a:extLst>
+          </p:cNvPr>
+          <p:cNvCxnSpPr>
+            <a:cxnSpLocks/>
+            <a:stCxn id="40" idx="6"/>
+            <a:endCxn id="29" idx="2"/>
+          </p:cNvCxnSpPr>
+          <p:nvPr/>
+        </p:nvCxnSpPr>
+        <p:spPr>
+          <a:xfrm>
+            <a:off x="5247911" y="5170280"/>
+            <a:ext cx="2416788" cy="947419"/>
+          </a:xfrm>
+          <a:prstGeom prst="straightConnector1">
+            <a:avLst/>
+          </a:prstGeom>
+          <a:ln>
+            <a:tailEnd type="triangle"/>
+          </a:ln>
+        </p:spPr>
+        <p:style>
+          <a:lnRef idx="1">
+            <a:schemeClr val="dk1"/>
+          </a:lnRef>
+          <a:fillRef idx="0">
+            <a:schemeClr val="dk1"/>
+          </a:fillRef>
+          <a:effectRef idx="0">
+            <a:schemeClr val="dk1"/>
+          </a:effectRef>
+          <a:fontRef idx="minor">
+            <a:schemeClr val="tx1"/>
+          </a:fontRef>
+        </p:style>
+      </p:cxnSp>
+      <p:cxnSp>
+        <p:nvCxnSpPr>
+          <p:cNvPr id="311" name="Straight Arrow Connector 310">
+            <a:extLst>
+              <a:ext uri="{FF2B5EF4-FFF2-40B4-BE49-F238E27FC236}">
+                <a16:creationId xmlns:a16="http://schemas.microsoft.com/office/drawing/2014/main" id="{26A3178C-9ADC-654F-A2C3-5D4631F83F91}"/>
+              </a:ext>
+            </a:extLst>
+          </p:cNvPr>
+          <p:cNvCxnSpPr>
+            <a:cxnSpLocks/>
+            <a:stCxn id="42" idx="6"/>
+            <a:endCxn id="10" idx="2"/>
+          </p:cNvCxnSpPr>
+          <p:nvPr/>
+        </p:nvCxnSpPr>
+        <p:spPr>
+          <a:xfrm flipV="1">
+            <a:off x="5242169" y="1282251"/>
+            <a:ext cx="2422531" cy="4525203"/>
+          </a:xfrm>
+          <a:prstGeom prst="straightConnector1">
+            <a:avLst/>
+          </a:prstGeom>
+          <a:ln>
+            <a:tailEnd type="triangle"/>
+          </a:ln>
+        </p:spPr>
+        <p:style>
+          <a:lnRef idx="1">
+            <a:schemeClr val="dk1"/>
+          </a:lnRef>
+          <a:fillRef idx="0">
+            <a:schemeClr val="dk1"/>
+          </a:fillRef>
+          <a:effectRef idx="0">
+            <a:schemeClr val="dk1"/>
+          </a:effectRef>
+          <a:fontRef idx="minor">
+            <a:schemeClr val="tx1"/>
+          </a:fontRef>
+        </p:style>
+      </p:cxnSp>
+      <p:cxnSp>
+        <p:nvCxnSpPr>
+          <p:cNvPr id="314" name="Straight Arrow Connector 313">
+            <a:extLst>
+              <a:ext uri="{FF2B5EF4-FFF2-40B4-BE49-F238E27FC236}">
+                <a16:creationId xmlns:a16="http://schemas.microsoft.com/office/drawing/2014/main" id="{C39ECBBC-0FA7-E24F-B406-CC9D53A7CABD}"/>
+              </a:ext>
+            </a:extLst>
+          </p:cNvPr>
+          <p:cNvCxnSpPr>
+            <a:cxnSpLocks/>
+            <a:stCxn id="42" idx="6"/>
+            <a:endCxn id="11" idx="2"/>
+          </p:cNvCxnSpPr>
+          <p:nvPr/>
+        </p:nvCxnSpPr>
+        <p:spPr>
+          <a:xfrm flipV="1">
+            <a:off x="5242169" y="2447900"/>
+            <a:ext cx="2422531" cy="3359554"/>
+          </a:xfrm>
+          <a:prstGeom prst="straightConnector1">
+            <a:avLst/>
+          </a:prstGeom>
+          <a:ln>
+            <a:tailEnd type="triangle"/>
+          </a:ln>
+        </p:spPr>
+        <p:style>
+          <a:lnRef idx="1">
+            <a:schemeClr val="dk1"/>
+          </a:lnRef>
+          <a:fillRef idx="0">
+            <a:schemeClr val="dk1"/>
+          </a:fillRef>
+          <a:effectRef idx="0">
+            <a:schemeClr val="dk1"/>
+          </a:effectRef>
+          <a:fontRef idx="minor">
+            <a:schemeClr val="tx1"/>
+          </a:fontRef>
+        </p:style>
+      </p:cxnSp>
+      <p:cxnSp>
+        <p:nvCxnSpPr>
+          <p:cNvPr id="317" name="Straight Arrow Connector 316">
+            <a:extLst>
+              <a:ext uri="{FF2B5EF4-FFF2-40B4-BE49-F238E27FC236}">
+                <a16:creationId xmlns:a16="http://schemas.microsoft.com/office/drawing/2014/main" id="{DF115D73-BD0D-0844-902A-7EF63F5324F0}"/>
+              </a:ext>
+            </a:extLst>
+          </p:cNvPr>
+          <p:cNvCxnSpPr>
+            <a:cxnSpLocks/>
+            <a:stCxn id="42" idx="6"/>
+            <a:endCxn id="26" idx="2"/>
+          </p:cNvCxnSpPr>
+          <p:nvPr/>
+        </p:nvCxnSpPr>
+        <p:spPr>
+          <a:xfrm flipV="1">
+            <a:off x="5242169" y="3662824"/>
+            <a:ext cx="2422531" cy="2144630"/>
+          </a:xfrm>
+          <a:prstGeom prst="straightConnector1">
+            <a:avLst/>
+          </a:prstGeom>
+          <a:ln>
+            <a:tailEnd type="triangle"/>
+          </a:ln>
+        </p:spPr>
+        <p:style>
+          <a:lnRef idx="1">
+            <a:schemeClr val="dk1"/>
+          </a:lnRef>
+          <a:fillRef idx="0">
+            <a:schemeClr val="dk1"/>
+          </a:fillRef>
+          <a:effectRef idx="0">
+            <a:schemeClr val="dk1"/>
+          </a:effectRef>
+          <a:fontRef idx="minor">
+            <a:schemeClr val="tx1"/>
+          </a:fontRef>
+        </p:style>
+      </p:cxnSp>
+      <p:cxnSp>
+        <p:nvCxnSpPr>
+          <p:cNvPr id="320" name="Straight Arrow Connector 319">
+            <a:extLst>
+              <a:ext uri="{FF2B5EF4-FFF2-40B4-BE49-F238E27FC236}">
+                <a16:creationId xmlns:a16="http://schemas.microsoft.com/office/drawing/2014/main" id="{1DA34D74-EDA2-E044-9115-6B9028325C55}"/>
+              </a:ext>
+            </a:extLst>
+          </p:cNvPr>
+          <p:cNvCxnSpPr>
+            <a:cxnSpLocks/>
+            <a:stCxn id="42" idx="6"/>
+            <a:endCxn id="27" idx="2"/>
+          </p:cNvCxnSpPr>
+          <p:nvPr/>
+        </p:nvCxnSpPr>
+        <p:spPr>
+          <a:xfrm flipV="1">
+            <a:off x="5242169" y="4890262"/>
+            <a:ext cx="2422530" cy="917192"/>
+          </a:xfrm>
+          <a:prstGeom prst="straightConnector1">
+            <a:avLst/>
+          </a:prstGeom>
+          <a:ln>
+            <a:tailEnd type="triangle"/>
+          </a:ln>
+        </p:spPr>
+        <p:style>
+          <a:lnRef idx="1">
+            <a:schemeClr val="dk1"/>
+          </a:lnRef>
+          <a:fillRef idx="0">
+            <a:schemeClr val="dk1"/>
+          </a:fillRef>
+          <a:effectRef idx="0">
+            <a:schemeClr val="dk1"/>
+          </a:effectRef>
+          <a:fontRef idx="minor">
+            <a:schemeClr val="tx1"/>
+          </a:fontRef>
+        </p:style>
+      </p:cxnSp>
+      <p:cxnSp>
+        <p:nvCxnSpPr>
+          <p:cNvPr id="323" name="Straight Arrow Connector 322">
+            <a:extLst>
+              <a:ext uri="{FF2B5EF4-FFF2-40B4-BE49-F238E27FC236}">
+                <a16:creationId xmlns:a16="http://schemas.microsoft.com/office/drawing/2014/main" id="{D7F2737D-E276-0D4D-AB6D-EFF1EF83D855}"/>
+              </a:ext>
+            </a:extLst>
+          </p:cNvPr>
+          <p:cNvCxnSpPr>
+            <a:cxnSpLocks/>
+            <a:stCxn id="42" idx="6"/>
+            <a:endCxn id="29" idx="2"/>
+          </p:cNvCxnSpPr>
+          <p:nvPr/>
+        </p:nvCxnSpPr>
+        <p:spPr>
+          <a:xfrm>
+            <a:off x="5242169" y="5807454"/>
+            <a:ext cx="2422530" cy="310245"/>
+          </a:xfrm>
+          <a:prstGeom prst="straightConnector1">
+            <a:avLst/>
+          </a:prstGeom>
+          <a:ln>
+            <a:tailEnd type="triangle"/>
+          </a:ln>
+        </p:spPr>
+        <p:style>
+          <a:lnRef idx="1">
+            <a:schemeClr val="dk1"/>
+          </a:lnRef>
+          <a:fillRef idx="0">
+            <a:schemeClr val="dk1"/>
+          </a:fillRef>
+          <a:effectRef idx="0">
+            <a:schemeClr val="dk1"/>
+          </a:effectRef>
+          <a:fontRef idx="minor">
+            <a:schemeClr val="tx1"/>
+          </a:fontRef>
+        </p:style>
+      </p:cxnSp>
+      <p:cxnSp>
+        <p:nvCxnSpPr>
+          <p:cNvPr id="326" name="Straight Arrow Connector 325">
+            <a:extLst>
+              <a:ext uri="{FF2B5EF4-FFF2-40B4-BE49-F238E27FC236}">
+                <a16:creationId xmlns:a16="http://schemas.microsoft.com/office/drawing/2014/main" id="{968E2C85-836F-DE46-9243-E7797B59DFEC}"/>
+              </a:ext>
+            </a:extLst>
+          </p:cNvPr>
+          <p:cNvCxnSpPr>
+            <a:cxnSpLocks/>
+            <a:stCxn id="43" idx="6"/>
+            <a:endCxn id="11" idx="2"/>
+          </p:cNvCxnSpPr>
+          <p:nvPr/>
+        </p:nvCxnSpPr>
+        <p:spPr>
+          <a:xfrm flipV="1">
+            <a:off x="5242169" y="2447900"/>
+            <a:ext cx="2422531" cy="4028739"/>
+          </a:xfrm>
+          <a:prstGeom prst="straightConnector1">
+            <a:avLst/>
+          </a:prstGeom>
+          <a:ln>
+            <a:tailEnd type="triangle"/>
+          </a:ln>
+        </p:spPr>
+        <p:style>
+          <a:lnRef idx="1">
+            <a:schemeClr val="dk1"/>
+          </a:lnRef>
+          <a:fillRef idx="0">
+            <a:schemeClr val="dk1"/>
+          </a:fillRef>
+          <a:effectRef idx="0">
+            <a:schemeClr val="dk1"/>
+          </a:effectRef>
+          <a:fontRef idx="minor">
+            <a:schemeClr val="tx1"/>
+          </a:fontRef>
+        </p:style>
+      </p:cxnSp>
+      <p:cxnSp>
+        <p:nvCxnSpPr>
+          <p:cNvPr id="329" name="Straight Arrow Connector 328">
+            <a:extLst>
+              <a:ext uri="{FF2B5EF4-FFF2-40B4-BE49-F238E27FC236}">
+                <a16:creationId xmlns:a16="http://schemas.microsoft.com/office/drawing/2014/main" id="{A9A877FB-32DC-F24A-8131-69914142263B}"/>
+              </a:ext>
+            </a:extLst>
+          </p:cNvPr>
+          <p:cNvCxnSpPr>
+            <a:cxnSpLocks/>
+            <a:stCxn id="43" idx="6"/>
+            <a:endCxn id="26" idx="2"/>
+          </p:cNvCxnSpPr>
+          <p:nvPr/>
+        </p:nvCxnSpPr>
+        <p:spPr>
+          <a:xfrm flipV="1">
+            <a:off x="5242169" y="3662824"/>
+            <a:ext cx="2422531" cy="2813815"/>
+          </a:xfrm>
+          <a:prstGeom prst="straightConnector1">
+            <a:avLst/>
+          </a:prstGeom>
+          <a:ln>
+            <a:tailEnd type="triangle"/>
+          </a:ln>
+        </p:spPr>
+        <p:style>
+          <a:lnRef idx="1">
+            <a:schemeClr val="dk1"/>
+          </a:lnRef>
+          <a:fillRef idx="0">
+            <a:schemeClr val="dk1"/>
+          </a:fillRef>
+          <a:effectRef idx="0">
+            <a:schemeClr val="dk1"/>
+          </a:effectRef>
+          <a:fontRef idx="minor">
+            <a:schemeClr val="tx1"/>
+          </a:fontRef>
+        </p:style>
+      </p:cxnSp>
+      <p:cxnSp>
+        <p:nvCxnSpPr>
+          <p:cNvPr id="332" name="Straight Arrow Connector 331">
+            <a:extLst>
+              <a:ext uri="{FF2B5EF4-FFF2-40B4-BE49-F238E27FC236}">
+                <a16:creationId xmlns:a16="http://schemas.microsoft.com/office/drawing/2014/main" id="{2E94B65E-4900-A84B-A49C-AB8B5FB3330B}"/>
+              </a:ext>
+            </a:extLst>
+          </p:cNvPr>
+          <p:cNvCxnSpPr>
+            <a:cxnSpLocks/>
+            <a:stCxn id="43" idx="6"/>
+            <a:endCxn id="27" idx="2"/>
+          </p:cNvCxnSpPr>
+          <p:nvPr/>
+        </p:nvCxnSpPr>
+        <p:spPr>
+          <a:xfrm flipV="1">
+            <a:off x="5242169" y="4890262"/>
+            <a:ext cx="2422530" cy="1586377"/>
+          </a:xfrm>
+          <a:prstGeom prst="straightConnector1">
+            <a:avLst/>
+          </a:prstGeom>
+          <a:ln>
+            <a:tailEnd type="triangle"/>
+          </a:ln>
+        </p:spPr>
+        <p:style>
+          <a:lnRef idx="1">
+            <a:schemeClr val="dk1"/>
+          </a:lnRef>
+          <a:fillRef idx="0">
+            <a:schemeClr val="dk1"/>
+          </a:fillRef>
+          <a:effectRef idx="0">
+            <a:schemeClr val="dk1"/>
+          </a:effectRef>
+          <a:fontRef idx="minor">
+            <a:schemeClr val="tx1"/>
+          </a:fontRef>
+        </p:style>
+      </p:cxnSp>
+      <p:cxnSp>
+        <p:nvCxnSpPr>
+          <p:cNvPr id="335" name="Straight Arrow Connector 334">
+            <a:extLst>
+              <a:ext uri="{FF2B5EF4-FFF2-40B4-BE49-F238E27FC236}">
+                <a16:creationId xmlns:a16="http://schemas.microsoft.com/office/drawing/2014/main" id="{F9CD1EFD-F0BA-AA4F-B321-0BF20356035A}"/>
+              </a:ext>
+            </a:extLst>
+          </p:cNvPr>
+          <p:cNvCxnSpPr>
+            <a:cxnSpLocks/>
+            <a:stCxn id="43" idx="6"/>
+            <a:endCxn id="29" idx="2"/>
+          </p:cNvCxnSpPr>
+          <p:nvPr/>
+        </p:nvCxnSpPr>
+        <p:spPr>
+          <a:xfrm flipV="1">
+            <a:off x="5242169" y="6117699"/>
+            <a:ext cx="2422530" cy="358940"/>
+          </a:xfrm>
+          <a:prstGeom prst="straightConnector1">
+            <a:avLst/>
+          </a:prstGeom>
+          <a:ln>
+            <a:tailEnd type="triangle"/>
+          </a:ln>
+        </p:spPr>
+        <p:style>
+          <a:lnRef idx="1">
+            <a:schemeClr val="dk1"/>
+          </a:lnRef>
+          <a:fillRef idx="0">
+            <a:schemeClr val="dk1"/>
+          </a:fillRef>
+          <a:effectRef idx="0">
+            <a:schemeClr val="dk1"/>
+          </a:effectRef>
+          <a:fontRef idx="minor">
+            <a:schemeClr val="tx1"/>
+          </a:fontRef>
+        </p:style>
+      </p:cxnSp>
+      <p:sp>
+        <p:nvSpPr>
+          <p:cNvPr id="338" name="TextBox 337">
+            <a:extLst>
+              <a:ext uri="{FF2B5EF4-FFF2-40B4-BE49-F238E27FC236}">
+                <a16:creationId xmlns:a16="http://schemas.microsoft.com/office/drawing/2014/main" id="{AEBB335A-5ACE-CA46-9897-5CBE2B2DE055}"/>
+              </a:ext>
+            </a:extLst>
+          </p:cNvPr>
+          <p:cNvSpPr txBox="1"/>
+          <p:nvPr/>
+        </p:nvSpPr>
+        <p:spPr>
+          <a:xfrm>
+            <a:off x="5399661" y="63089"/>
+            <a:ext cx="1877437" cy="369332"/>
+          </a:xfrm>
+          <a:prstGeom prst="rect">
+            <a:avLst/>
+          </a:prstGeom>
+          <a:noFill/>
+        </p:spPr>
+        <p:txBody>
+          <a:bodyPr wrap="none" rtlCol="0">
+            <a:spAutoFit/>
+          </a:bodyPr>
+          <a:lstStyle/>
+          <a:p>
+            <a:r>
+              <a:rPr lang="en-US" dirty="0">
+                <a:latin typeface="Helvetica" pitchFamily="2" charset="0"/>
+              </a:rPr>
+              <a:t>Hidden Layer #1</a:t>
+            </a:r>
+          </a:p>
+        </p:txBody>
+      </p:sp>
+    </p:spTree>
+    <p:extLst>
+      <p:ext uri="{BB962C8B-B14F-4D97-AF65-F5344CB8AC3E}">
+        <p14:creationId xmlns:p14="http://schemas.microsoft.com/office/powerpoint/2010/main" val="2625037084"/>
       </p:ext>
     </p:extLst>
   </p:cSld>
